--- a/Curso_Estatistica_experimental.pptx
+++ b/Curso_Estatistica_experimental.pptx
@@ -5,7 +5,7 @@
     <p:sldMasterId id="2147483648" r:id="rId1"/>
   </p:sldMasterIdLst>
   <p:notesMasterIdLst>
-    <p:notesMasterId r:id="rId54"/>
+    <p:notesMasterId r:id="rId55"/>
   </p:notesMasterIdLst>
   <p:sldIdLst>
     <p:sldId id="256" r:id="rId2"/>
@@ -50,16 +50,17 @@
     <p:sldId id="316" r:id="rId41"/>
     <p:sldId id="314" r:id="rId42"/>
     <p:sldId id="317" r:id="rId43"/>
-    <p:sldId id="319" r:id="rId44"/>
-    <p:sldId id="320" r:id="rId45"/>
-    <p:sldId id="325" r:id="rId46"/>
-    <p:sldId id="321" r:id="rId47"/>
-    <p:sldId id="334" r:id="rId48"/>
-    <p:sldId id="322" r:id="rId49"/>
-    <p:sldId id="324" r:id="rId50"/>
-    <p:sldId id="338" r:id="rId51"/>
-    <p:sldId id="337" r:id="rId52"/>
-    <p:sldId id="339" r:id="rId53"/>
+    <p:sldId id="340" r:id="rId44"/>
+    <p:sldId id="319" r:id="rId45"/>
+    <p:sldId id="320" r:id="rId46"/>
+    <p:sldId id="325" r:id="rId47"/>
+    <p:sldId id="321" r:id="rId48"/>
+    <p:sldId id="334" r:id="rId49"/>
+    <p:sldId id="322" r:id="rId50"/>
+    <p:sldId id="324" r:id="rId51"/>
+    <p:sldId id="338" r:id="rId52"/>
+    <p:sldId id="337" r:id="rId53"/>
+    <p:sldId id="339" r:id="rId54"/>
   </p:sldIdLst>
   <p:sldSz cx="9144000" cy="6858000" type="screen4x3"/>
   <p:notesSz cx="6858000" cy="9144000"/>
@@ -259,7 +260,7 @@
           <a:p>
             <a:fld id="{946A0D4D-F14F-47A7-A9C2-2A1C067B5B78}" type="datetimeFigureOut">
               <a:rPr lang="pt-BR" smtClean="0"/>
-              <a:t>02/01/2019</a:t>
+              <a:t>04/01/2019</a:t>
             </a:fld>
             <a:endParaRPr lang="pt-BR"/>
           </a:p>
@@ -792,7 +793,7 @@
           <a:p>
             <a:fld id="{313A364D-2FEE-40D0-84BC-D46804C2E8FA}" type="datetimeFigureOut">
               <a:rPr lang="pt-BR" smtClean="0"/>
-              <a:t>02/01/2019</a:t>
+              <a:t>04/01/2019</a:t>
             </a:fld>
             <a:endParaRPr lang="pt-BR"/>
           </a:p>
@@ -957,7 +958,7 @@
           <a:p>
             <a:fld id="{313A364D-2FEE-40D0-84BC-D46804C2E8FA}" type="datetimeFigureOut">
               <a:rPr lang="pt-BR" smtClean="0"/>
-              <a:t>02/01/2019</a:t>
+              <a:t>04/01/2019</a:t>
             </a:fld>
             <a:endParaRPr lang="pt-BR"/>
           </a:p>
@@ -1132,7 +1133,7 @@
           <a:p>
             <a:fld id="{313A364D-2FEE-40D0-84BC-D46804C2E8FA}" type="datetimeFigureOut">
               <a:rPr lang="pt-BR" smtClean="0"/>
-              <a:t>02/01/2019</a:t>
+              <a:t>04/01/2019</a:t>
             </a:fld>
             <a:endParaRPr lang="pt-BR"/>
           </a:p>
@@ -1297,7 +1298,7 @@
           <a:p>
             <a:fld id="{313A364D-2FEE-40D0-84BC-D46804C2E8FA}" type="datetimeFigureOut">
               <a:rPr lang="pt-BR" smtClean="0"/>
-              <a:t>02/01/2019</a:t>
+              <a:t>04/01/2019</a:t>
             </a:fld>
             <a:endParaRPr lang="pt-BR"/>
           </a:p>
@@ -1538,7 +1539,7 @@
           <a:p>
             <a:fld id="{313A364D-2FEE-40D0-84BC-D46804C2E8FA}" type="datetimeFigureOut">
               <a:rPr lang="pt-BR" smtClean="0"/>
-              <a:t>02/01/2019</a:t>
+              <a:t>04/01/2019</a:t>
             </a:fld>
             <a:endParaRPr lang="pt-BR"/>
           </a:p>
@@ -1821,7 +1822,7 @@
           <a:p>
             <a:fld id="{313A364D-2FEE-40D0-84BC-D46804C2E8FA}" type="datetimeFigureOut">
               <a:rPr lang="pt-BR" smtClean="0"/>
-              <a:t>02/01/2019</a:t>
+              <a:t>04/01/2019</a:t>
             </a:fld>
             <a:endParaRPr lang="pt-BR"/>
           </a:p>
@@ -2238,7 +2239,7 @@
           <a:p>
             <a:fld id="{313A364D-2FEE-40D0-84BC-D46804C2E8FA}" type="datetimeFigureOut">
               <a:rPr lang="pt-BR" smtClean="0"/>
-              <a:t>02/01/2019</a:t>
+              <a:t>04/01/2019</a:t>
             </a:fld>
             <a:endParaRPr lang="pt-BR"/>
           </a:p>
@@ -2351,7 +2352,7 @@
           <a:p>
             <a:fld id="{313A364D-2FEE-40D0-84BC-D46804C2E8FA}" type="datetimeFigureOut">
               <a:rPr lang="pt-BR" smtClean="0"/>
-              <a:t>02/01/2019</a:t>
+              <a:t>04/01/2019</a:t>
             </a:fld>
             <a:endParaRPr lang="pt-BR"/>
           </a:p>
@@ -2441,7 +2442,7 @@
           <a:p>
             <a:fld id="{313A364D-2FEE-40D0-84BC-D46804C2E8FA}" type="datetimeFigureOut">
               <a:rPr lang="pt-BR" smtClean="0"/>
-              <a:t>02/01/2019</a:t>
+              <a:t>04/01/2019</a:t>
             </a:fld>
             <a:endParaRPr lang="pt-BR"/>
           </a:p>
@@ -2713,7 +2714,7 @@
           <a:p>
             <a:fld id="{313A364D-2FEE-40D0-84BC-D46804C2E8FA}" type="datetimeFigureOut">
               <a:rPr lang="pt-BR" smtClean="0"/>
-              <a:t>02/01/2019</a:t>
+              <a:t>04/01/2019</a:t>
             </a:fld>
             <a:endParaRPr lang="pt-BR"/>
           </a:p>
@@ -2961,7 +2962,7 @@
           <a:p>
             <a:fld id="{313A364D-2FEE-40D0-84BC-D46804C2E8FA}" type="datetimeFigureOut">
               <a:rPr lang="pt-BR" smtClean="0"/>
-              <a:t>02/01/2019</a:t>
+              <a:t>04/01/2019</a:t>
             </a:fld>
             <a:endParaRPr lang="pt-BR"/>
           </a:p>
@@ -3169,7 +3170,7 @@
           <a:p>
             <a:fld id="{313A364D-2FEE-40D0-84BC-D46804C2E8FA}" type="datetimeFigureOut">
               <a:rPr lang="pt-BR" smtClean="0"/>
-              <a:t>02/01/2019</a:t>
+              <a:t>04/01/2019</a:t>
             </a:fld>
             <a:endParaRPr lang="pt-BR"/>
           </a:p>
@@ -3571,11 +3572,7 @@
             </a:r>
             <a:r>
               <a:rPr lang="pt-BR" dirty="0" smtClean="0"/>
-              <a:t>ásico </a:t>
-            </a:r>
-            <a:r>
-              <a:rPr lang="pt-BR" dirty="0" smtClean="0"/>
-              <a:t>de Estatística Experimental</a:t>
+              <a:t>ásico de Estatística Experimental</a:t>
             </a:r>
             <a:endParaRPr lang="pt-BR" dirty="0"/>
           </a:p>
@@ -7033,7 +7030,7 @@
           <a:graphicData uri="http://schemas.openxmlformats.org/presentationml/2006/ole">
             <mc:AlternateContent xmlns:mc="http://schemas.openxmlformats.org/markup-compatibility/2006">
               <mc:Choice xmlns:v="urn:schemas-microsoft-com:vml" Requires="v">
-                <p:oleObj spid="_x0000_s1117" name="Equação" r:id="rId3" imgW="1409400" imgH="1600200" progId="Equation.3">
+                <p:oleObj spid="_x0000_s1118" name="Equação" r:id="rId3" imgW="1409400" imgH="1600200" progId="Equation.3">
                   <p:embed/>
                 </p:oleObj>
               </mc:Choice>
@@ -7170,7 +7167,7 @@
           <a:graphicData uri="http://schemas.openxmlformats.org/presentationml/2006/ole">
             <mc:AlternateContent xmlns:mc="http://schemas.openxmlformats.org/markup-compatibility/2006">
               <mc:Choice xmlns:v="urn:schemas-microsoft-com:vml" Requires="v">
-                <p:oleObj spid="_x0000_s2141" name="Equação" r:id="rId3" imgW="1676160" imgH="1701720" progId="Equation.3">
+                <p:oleObj spid="_x0000_s2142" name="Equação" r:id="rId3" imgW="1676160" imgH="1701720" progId="Equation.3">
                   <p:embed/>
                 </p:oleObj>
               </mc:Choice>
@@ -7295,7 +7292,7 @@
           <a:graphicData uri="http://schemas.openxmlformats.org/presentationml/2006/ole">
             <mc:AlternateContent xmlns:mc="http://schemas.openxmlformats.org/markup-compatibility/2006">
               <mc:Choice xmlns:v="urn:schemas-microsoft-com:vml" Requires="v">
-                <p:oleObj spid="_x0000_s3256" name="Equação" r:id="rId3" imgW="1460160" imgH="1600200" progId="Equation.3">
+                <p:oleObj spid="_x0000_s3258" name="Equação" r:id="rId3" imgW="1460160" imgH="1600200" progId="Equation.3">
                   <p:embed/>
                 </p:oleObj>
               </mc:Choice>
@@ -7365,7 +7362,7 @@
           <a:graphicData uri="http://schemas.openxmlformats.org/presentationml/2006/ole">
             <mc:AlternateContent xmlns:mc="http://schemas.openxmlformats.org/markup-compatibility/2006">
               <mc:Choice xmlns:v="urn:schemas-microsoft-com:vml" Requires="v">
-                <p:oleObj spid="_x0000_s3257" name="Equação" r:id="rId5" imgW="1765080" imgH="1701720" progId="Equation.3">
+                <p:oleObj spid="_x0000_s3259" name="Equação" r:id="rId5" imgW="1765080" imgH="1701720" progId="Equation.3">
                   <p:embed/>
                 </p:oleObj>
               </mc:Choice>
@@ -7603,7 +7600,7 @@
           <a:graphicData uri="http://schemas.openxmlformats.org/presentationml/2006/ole">
             <mc:AlternateContent xmlns:mc="http://schemas.openxmlformats.org/markup-compatibility/2006">
               <mc:Choice xmlns:v="urn:schemas-microsoft-com:vml" Requires="v">
-                <p:oleObj spid="_x0000_s4286" name="Equation" r:id="rId3" imgW="1574640" imgH="431640" progId="Equation.3">
+                <p:oleObj spid="_x0000_s4288" name="Equation" r:id="rId3" imgW="1574640" imgH="431640" progId="Equation.3">
                   <p:embed/>
                 </p:oleObj>
               </mc:Choice>
@@ -7673,7 +7670,7 @@
           <a:graphicData uri="http://schemas.openxmlformats.org/presentationml/2006/ole">
             <mc:AlternateContent xmlns:mc="http://schemas.openxmlformats.org/markup-compatibility/2006">
               <mc:Choice xmlns:v="urn:schemas-microsoft-com:vml" Requires="v">
-                <p:oleObj spid="_x0000_s4287" name="Equation" r:id="rId5" imgW="1574640" imgH="482400" progId="Equation.3">
+                <p:oleObj spid="_x0000_s4289" name="Equation" r:id="rId5" imgW="1574640" imgH="482400" progId="Equation.3">
                   <p:embed/>
                 </p:oleObj>
               </mc:Choice>
@@ -12533,11 +12530,7 @@
           <a:bodyPr/>
           <a:lstStyle/>
           <a:p>
-            <a:r>
-              <a:rPr lang="pt-BR" dirty="0" smtClean="0"/>
-              <a:t>Coeficiente de Determinação</a:t>
-            </a:r>
-            <a:endParaRPr lang="pt-BR" dirty="0"/>
+            <a:endParaRPr lang="pt-BR"/>
           </a:p>
         </p:txBody>
       </p:sp>
@@ -12556,115 +12549,48 @@
           <a:bodyPr/>
           <a:lstStyle/>
           <a:p>
-            <a:r>
-              <a:rPr lang="pt-BR" dirty="0" smtClean="0"/>
-              <a:t>A relação entre SSR e SST fornece uma medida da proporção da variação total que é explicada pelo modelo de regressão</a:t>
-            </a:r>
-          </a:p>
-          <a:p>
-            <a:pPr lvl="1"/>
-            <a:r>
-              <a:rPr lang="pt-BR" dirty="0" smtClean="0"/>
-              <a:t>Coeficiente de determinação (r</a:t>
-            </a:r>
-            <a:r>
-              <a:rPr lang="pt-BR" baseline="30000" dirty="0" smtClean="0"/>
-              <a:t>2</a:t>
-            </a:r>
-            <a:r>
-              <a:rPr lang="pt-BR" dirty="0" smtClean="0"/>
-              <a:t>)</a:t>
-            </a:r>
-          </a:p>
-          <a:p>
-            <a:endParaRPr lang="pt-BR" dirty="0" smtClean="0"/>
-          </a:p>
-          <a:p>
+            <a:endParaRPr lang="pt-BR" dirty="0" smtClean="0">
+              <a:hlinkClick r:id="rId2"/>
+            </a:endParaRPr>
+          </a:p>
+          <a:p>
+            <a:endParaRPr lang="pt-BR">
+              <a:hlinkClick r:id="rId2"/>
+            </a:endParaRPr>
+          </a:p>
+          <a:p>
+            <a:r>
+              <a:rPr lang="pt-BR" smtClean="0">
+                <a:hlinkClick r:id="rId2"/>
+              </a:rPr>
+              <a:t>https</a:t>
+            </a:r>
+            <a:r>
+              <a:rPr lang="pt-BR">
+                <a:hlinkClick r:id="rId2"/>
+              </a:rPr>
+              <a:t>://seeing-theory.brown.edu/index.html</a:t>
+            </a:r>
+            <a:endParaRPr lang="pt-BR"/>
+          </a:p>
+          <a:p>
+            <a:pPr marL="0" indent="0">
+              <a:buNone/>
+            </a:pPr>
             <a:endParaRPr lang="pt-BR" dirty="0"/>
           </a:p>
         </p:txBody>
       </p:sp>
-      <p:pic>
-        <p:nvPicPr>
-          <p:cNvPr id="5124" name="Picture 4"/>
-          <p:cNvPicPr>
-            <a:picLocks noChangeAspect="1" noChangeArrowheads="1"/>
-          </p:cNvPicPr>
-          <p:nvPr/>
-        </p:nvPicPr>
-        <p:blipFill>
-          <a:blip r:embed="rId2" cstate="print"/>
-          <a:srcRect/>
-          <a:stretch>
-            <a:fillRect/>
-          </a:stretch>
-        </p:blipFill>
-        <p:spPr bwMode="auto">
-          <a:xfrm>
-            <a:off x="755576" y="4077072"/>
-            <a:ext cx="7867650" cy="1104900"/>
-          </a:xfrm>
-          <a:prstGeom prst="rect">
-            <a:avLst/>
-          </a:prstGeom>
-          <a:noFill/>
-          <a:ln w="9525">
-            <a:noFill/>
-            <a:miter lim="800000"/>
-            <a:headEnd/>
-            <a:tailEnd/>
-          </a:ln>
-        </p:spPr>
-      </p:pic>
-      <p:pic>
-        <p:nvPicPr>
-          <p:cNvPr id="5126" name="Picture 6"/>
-          <p:cNvPicPr>
-            <a:picLocks noChangeAspect="1" noChangeArrowheads="1"/>
-          </p:cNvPicPr>
-          <p:nvPr/>
-        </p:nvPicPr>
-        <p:blipFill>
-          <a:blip r:embed="rId3" cstate="print"/>
-          <a:srcRect/>
-          <a:stretch>
-            <a:fillRect/>
-          </a:stretch>
-        </p:blipFill>
-        <p:spPr bwMode="auto">
-          <a:xfrm>
-            <a:off x="2051720" y="5374095"/>
-            <a:ext cx="4712221" cy="1295265"/>
-          </a:xfrm>
-          <a:prstGeom prst="rect">
-            <a:avLst/>
-          </a:prstGeom>
-          <a:noFill/>
-          <a:ln w="9525">
-            <a:noFill/>
-            <a:miter lim="800000"/>
-            <a:headEnd/>
-            <a:tailEnd/>
-          </a:ln>
-        </p:spPr>
-      </p:pic>
     </p:spTree>
     <p:extLst>
       <p:ext uri="{BB962C8B-B14F-4D97-AF65-F5344CB8AC3E}">
-        <p14:creationId xmlns:p14="http://schemas.microsoft.com/office/powerpoint/2010/main" val="3621062241"/>
+        <p14:creationId xmlns:p14="http://schemas.microsoft.com/office/powerpoint/2010/main" val="1931126806"/>
       </p:ext>
     </p:extLst>
   </p:cSld>
   <p:clrMapOvr>
     <a:masterClrMapping/>
   </p:clrMapOvr>
-  <p:timing>
-    <p:tnLst>
-      <p:par>
-        <p:cTn id="1" dur="indefinite" restart="never" nodeType="tmRoot"/>
-      </p:par>
-    </p:tnLst>
-  </p:timing>
 </p:sld>
 </file>
 
@@ -12702,7 +12628,7 @@
           <a:p>
             <a:r>
               <a:rPr lang="pt-BR" dirty="0" smtClean="0"/>
-              <a:t>Coeficiente de Correlação</a:t>
+              <a:t>Coeficiente de Determinação</a:t>
             </a:r>
             <a:endParaRPr lang="pt-BR" dirty="0"/>
           </a:p>
@@ -12725,32 +12651,35 @@
           <a:p>
             <a:r>
               <a:rPr lang="pt-BR" dirty="0" smtClean="0"/>
-              <a:t>É a medida do grau de relacionamento linear entre as variáveis </a:t>
-            </a:r>
-            <a:r>
-              <a:rPr lang="pt-BR" i="1" dirty="0" smtClean="0"/>
-              <a:t>X</a:t>
-            </a:r>
+              <a:t>A relação entre SSR e SST fornece uma medida da proporção da variação total que é explicada pelo modelo de regressão</a:t>
+            </a:r>
+          </a:p>
+          <a:p>
+            <a:pPr lvl="1"/>
             <a:r>
               <a:rPr lang="pt-BR" dirty="0" smtClean="0"/>
-              <a:t> e </a:t>
-            </a:r>
-            <a:r>
-              <a:rPr lang="pt-BR" i="1" dirty="0" smtClean="0"/>
-              <a:t>Y</a:t>
-            </a:r>
-          </a:p>
-          <a:p>
-            <a:endParaRPr lang="pt-BR" i="1" dirty="0" smtClean="0"/>
-          </a:p>
-          <a:p>
-            <a:endParaRPr lang="pt-BR" i="1" dirty="0"/>
+              <a:t>Coeficiente de determinação (r</a:t>
+            </a:r>
+            <a:r>
+              <a:rPr lang="pt-BR" baseline="30000" dirty="0" smtClean="0"/>
+              <a:t>2</a:t>
+            </a:r>
+            <a:r>
+              <a:rPr lang="pt-BR" dirty="0" smtClean="0"/>
+              <a:t>)</a:t>
+            </a:r>
+          </a:p>
+          <a:p>
+            <a:endParaRPr lang="pt-BR" dirty="0" smtClean="0"/>
+          </a:p>
+          <a:p>
+            <a:endParaRPr lang="pt-BR" dirty="0"/>
           </a:p>
         </p:txBody>
       </p:sp>
       <p:pic>
         <p:nvPicPr>
-          <p:cNvPr id="6146" name="Picture 2"/>
+          <p:cNvPr id="5124" name="Picture 4"/>
           <p:cNvPicPr>
             <a:picLocks noChangeAspect="1" noChangeArrowheads="1"/>
           </p:cNvPicPr>
@@ -12765,8 +12694,8 @@
         </p:blipFill>
         <p:spPr bwMode="auto">
           <a:xfrm>
-            <a:off x="2543174" y="2996952"/>
-            <a:ext cx="4585109" cy="774948"/>
+            <a:off x="755576" y="4077072"/>
+            <a:ext cx="7867650" cy="1104900"/>
           </a:xfrm>
           <a:prstGeom prst="rect">
             <a:avLst/>
@@ -12782,7 +12711,7 @@
       </p:pic>
       <p:pic>
         <p:nvPicPr>
-          <p:cNvPr id="6147" name="Picture 3"/>
+          <p:cNvPr id="5126" name="Picture 6"/>
           <p:cNvPicPr>
             <a:picLocks noChangeAspect="1" noChangeArrowheads="1"/>
           </p:cNvPicPr>
@@ -12797,8 +12726,8 @@
         </p:blipFill>
         <p:spPr bwMode="auto">
           <a:xfrm>
-            <a:off x="827584" y="4149080"/>
-            <a:ext cx="7305547" cy="1949574"/>
+            <a:off x="2051720" y="5374095"/>
+            <a:ext cx="4712221" cy="1295265"/>
           </a:xfrm>
           <a:prstGeom prst="rect">
             <a:avLst/>
@@ -12815,7 +12744,7 @@
     </p:spTree>
     <p:extLst>
       <p:ext uri="{BB962C8B-B14F-4D97-AF65-F5344CB8AC3E}">
-        <p14:creationId xmlns:p14="http://schemas.microsoft.com/office/powerpoint/2010/main" val="3082064861"/>
+        <p14:creationId xmlns:p14="http://schemas.microsoft.com/office/powerpoint/2010/main" val="3621062241"/>
       </p:ext>
     </p:extLst>
   </p:cSld>
@@ -12849,30 +12778,6 @@
           <a:chExt cx="0" cy="0"/>
         </a:xfrm>
       </p:grpSpPr>
-      <p:pic>
-        <p:nvPicPr>
-          <p:cNvPr id="6" name="Imagem 5"/>
-          <p:cNvPicPr>
-            <a:picLocks noChangeAspect="1"/>
-          </p:cNvPicPr>
-          <p:nvPr/>
-        </p:nvPicPr>
-        <p:blipFill>
-          <a:blip r:embed="rId2"/>
-          <a:stretch>
-            <a:fillRect/>
-          </a:stretch>
-        </p:blipFill>
-        <p:spPr>
-          <a:xfrm>
-            <a:off x="476197" y="2204864"/>
-            <a:ext cx="8344275" cy="2592288"/>
-          </a:xfrm>
-          <a:prstGeom prst="rect">
-            <a:avLst/>
-          </a:prstGeom>
-        </p:spPr>
-      </p:pic>
       <p:sp>
         <p:nvSpPr>
           <p:cNvPr id="2" name="Título 1"/>
@@ -12890,46 +12795,133 @@
           <a:p>
             <a:r>
               <a:rPr lang="pt-BR" dirty="0" smtClean="0"/>
-              <a:t>Equação da correlação de Pearson</a:t>
+              <a:t>Coeficiente de Correlação</a:t>
             </a:r>
             <a:endParaRPr lang="pt-BR" dirty="0"/>
+          </a:p>
+        </p:txBody>
+      </p:sp>
+      <p:sp>
+        <p:nvSpPr>
+          <p:cNvPr id="3" name="Espaço Reservado para Conteúdo 2"/>
+          <p:cNvSpPr>
+            <a:spLocks noGrp="1"/>
+          </p:cNvSpPr>
+          <p:nvPr>
+            <p:ph idx="1"/>
+          </p:nvPr>
+        </p:nvSpPr>
+        <p:spPr/>
+        <p:txBody>
+          <a:bodyPr/>
+          <a:lstStyle/>
+          <a:p>
+            <a:r>
+              <a:rPr lang="pt-BR" dirty="0" smtClean="0"/>
+              <a:t>É a medida do grau de relacionamento linear entre as variáveis </a:t>
+            </a:r>
+            <a:r>
+              <a:rPr lang="pt-BR" i="1" dirty="0" smtClean="0"/>
+              <a:t>X</a:t>
+            </a:r>
+            <a:r>
+              <a:rPr lang="pt-BR" dirty="0" smtClean="0"/>
+              <a:t> e </a:t>
+            </a:r>
+            <a:r>
+              <a:rPr lang="pt-BR" i="1" dirty="0" smtClean="0"/>
+              <a:t>Y</a:t>
+            </a:r>
+          </a:p>
+          <a:p>
+            <a:endParaRPr lang="pt-BR" i="1" dirty="0" smtClean="0"/>
+          </a:p>
+          <a:p>
+            <a:endParaRPr lang="pt-BR" i="1" dirty="0"/>
           </a:p>
         </p:txBody>
       </p:sp>
       <p:pic>
         <p:nvPicPr>
-          <p:cNvPr id="7" name="Imagem 6"/>
+          <p:cNvPr id="6146" name="Picture 2"/>
           <p:cNvPicPr>
-            <a:picLocks noChangeAspect="1"/>
+            <a:picLocks noChangeAspect="1" noChangeArrowheads="1"/>
           </p:cNvPicPr>
           <p:nvPr/>
         </p:nvPicPr>
         <p:blipFill>
-          <a:blip r:embed="rId3"/>
+          <a:blip r:embed="rId2" cstate="print"/>
+          <a:srcRect/>
           <a:stretch>
             <a:fillRect/>
           </a:stretch>
         </p:blipFill>
-        <p:spPr>
-          <a:xfrm>
-            <a:off x="2411760" y="3872086"/>
-            <a:ext cx="6362700" cy="781050"/>
+        <p:spPr bwMode="auto">
+          <a:xfrm>
+            <a:off x="2543174" y="2996952"/>
+            <a:ext cx="4585109" cy="774948"/>
           </a:xfrm>
           <a:prstGeom prst="rect">
             <a:avLst/>
           </a:prstGeom>
+          <a:noFill/>
+          <a:ln w="9525">
+            <a:noFill/>
+            <a:miter lim="800000"/>
+            <a:headEnd/>
+            <a:tailEnd/>
+          </a:ln>
+        </p:spPr>
+      </p:pic>
+      <p:pic>
+        <p:nvPicPr>
+          <p:cNvPr id="6147" name="Picture 3"/>
+          <p:cNvPicPr>
+            <a:picLocks noChangeAspect="1" noChangeArrowheads="1"/>
+          </p:cNvPicPr>
+          <p:nvPr/>
+        </p:nvPicPr>
+        <p:blipFill>
+          <a:blip r:embed="rId3" cstate="print"/>
+          <a:srcRect/>
+          <a:stretch>
+            <a:fillRect/>
+          </a:stretch>
+        </p:blipFill>
+        <p:spPr bwMode="auto">
+          <a:xfrm>
+            <a:off x="827584" y="4149080"/>
+            <a:ext cx="7305547" cy="1949574"/>
+          </a:xfrm>
+          <a:prstGeom prst="rect">
+            <a:avLst/>
+          </a:prstGeom>
+          <a:noFill/>
+          <a:ln w="9525">
+            <a:noFill/>
+            <a:miter lim="800000"/>
+            <a:headEnd/>
+            <a:tailEnd/>
+          </a:ln>
         </p:spPr>
       </p:pic>
     </p:spTree>
     <p:extLst>
       <p:ext uri="{BB962C8B-B14F-4D97-AF65-F5344CB8AC3E}">
-        <p14:creationId xmlns:p14="http://schemas.microsoft.com/office/powerpoint/2010/main" val="2212537965"/>
+        <p14:creationId xmlns:p14="http://schemas.microsoft.com/office/powerpoint/2010/main" val="3082064861"/>
       </p:ext>
     </p:extLst>
   </p:cSld>
   <p:clrMapOvr>
     <a:masterClrMapping/>
   </p:clrMapOvr>
+  <p:timing>
+    <p:tnLst>
+      <p:par>
+        <p:cTn id="1" dur="indefinite" restart="never" nodeType="tmRoot"/>
+      </p:par>
+    </p:tnLst>
+  </p:timing>
 </p:sld>
 </file>
 
@@ -12950,32 +12942,9 @@
           <a:chExt cx="0" cy="0"/>
         </a:xfrm>
       </p:grpSpPr>
-      <p:sp>
-        <p:nvSpPr>
-          <p:cNvPr id="2" name="Título 1"/>
-          <p:cNvSpPr>
-            <a:spLocks noGrp="1"/>
-          </p:cNvSpPr>
-          <p:nvPr>
-            <p:ph type="title"/>
-          </p:nvPr>
-        </p:nvSpPr>
-        <p:spPr/>
-        <p:txBody>
-          <a:bodyPr/>
-          <a:lstStyle/>
-          <a:p>
-            <a:r>
-              <a:rPr lang="pt-BR" dirty="0" smtClean="0"/>
-              <a:t>Análise Fatorial </a:t>
-            </a:r>
-            <a:endParaRPr lang="pt-BR" dirty="0"/>
-          </a:p>
-        </p:txBody>
-      </p:sp>
       <p:pic>
         <p:nvPicPr>
-          <p:cNvPr id="4" name="Imagem 3"/>
+          <p:cNvPr id="6" name="Imagem 5"/>
           <p:cNvPicPr>
             <a:picLocks noChangeAspect="1"/>
           </p:cNvPicPr>
@@ -12989,8 +12958,55 @@
         </p:blipFill>
         <p:spPr>
           <a:xfrm>
-            <a:off x="1300162" y="1556792"/>
-            <a:ext cx="6543675" cy="4638675"/>
+            <a:off x="476197" y="2204864"/>
+            <a:ext cx="8344275" cy="2592288"/>
+          </a:xfrm>
+          <a:prstGeom prst="rect">
+            <a:avLst/>
+          </a:prstGeom>
+        </p:spPr>
+      </p:pic>
+      <p:sp>
+        <p:nvSpPr>
+          <p:cNvPr id="2" name="Título 1"/>
+          <p:cNvSpPr>
+            <a:spLocks noGrp="1"/>
+          </p:cNvSpPr>
+          <p:nvPr>
+            <p:ph type="title"/>
+          </p:nvPr>
+        </p:nvSpPr>
+        <p:spPr/>
+        <p:txBody>
+          <a:bodyPr/>
+          <a:lstStyle/>
+          <a:p>
+            <a:r>
+              <a:rPr lang="pt-BR" dirty="0" smtClean="0"/>
+              <a:t>Equação da correlação de Pearson</a:t>
+            </a:r>
+            <a:endParaRPr lang="pt-BR" dirty="0"/>
+          </a:p>
+        </p:txBody>
+      </p:sp>
+      <p:pic>
+        <p:nvPicPr>
+          <p:cNvPr id="7" name="Imagem 6"/>
+          <p:cNvPicPr>
+            <a:picLocks noChangeAspect="1"/>
+          </p:cNvPicPr>
+          <p:nvPr/>
+        </p:nvPicPr>
+        <p:blipFill>
+          <a:blip r:embed="rId3"/>
+          <a:stretch>
+            <a:fillRect/>
+          </a:stretch>
+        </p:blipFill>
+        <p:spPr>
+          <a:xfrm>
+            <a:off x="2411760" y="3872086"/>
+            <a:ext cx="6362700" cy="781050"/>
           </a:xfrm>
           <a:prstGeom prst="rect">
             <a:avLst/>
@@ -13000,7 +13016,7 @@
     </p:spTree>
     <p:extLst>
       <p:ext uri="{BB962C8B-B14F-4D97-AF65-F5344CB8AC3E}">
-        <p14:creationId xmlns:p14="http://schemas.microsoft.com/office/powerpoint/2010/main" val="679814122"/>
+        <p14:creationId xmlns:p14="http://schemas.microsoft.com/office/powerpoint/2010/main" val="2212537965"/>
       </p:ext>
     </p:extLst>
   </p:cSld>
@@ -13037,146 +13053,14 @@
             <p:ph type="title"/>
           </p:nvPr>
         </p:nvSpPr>
-        <p:spPr>
-          <a:xfrm>
-            <a:off x="457200" y="103353"/>
-            <a:ext cx="8229600" cy="1143000"/>
-          </a:xfrm>
-        </p:spPr>
-        <p:txBody>
-          <a:bodyPr>
-            <a:normAutofit fontScale="90000"/>
-          </a:bodyPr>
+        <p:spPr/>
+        <p:txBody>
+          <a:bodyPr/>
           <a:lstStyle/>
           <a:p>
             <a:r>
               <a:rPr lang="pt-BR" dirty="0" smtClean="0"/>
-              <a:t>Delineamento em Blocos </a:t>
-            </a:r>
-            <a:r>
-              <a:rPr lang="pt-BR" dirty="0" err="1" smtClean="0"/>
-              <a:t>Casualizados</a:t>
-            </a:r>
-            <a:r>
-              <a:rPr lang="pt-BR" dirty="0" smtClean="0"/>
-              <a:t> com dois fatores</a:t>
-            </a:r>
-            <a:endParaRPr lang="pt-BR" dirty="0"/>
-          </a:p>
-        </p:txBody>
-      </p:sp>
-      <p:sp>
-        <p:nvSpPr>
-          <p:cNvPr id="3" name="Espaço Reservado para Conteúdo 2"/>
-          <p:cNvSpPr>
-            <a:spLocks noGrp="1"/>
-          </p:cNvSpPr>
-          <p:nvPr>
-            <p:ph idx="1"/>
-          </p:nvPr>
-        </p:nvSpPr>
-        <p:spPr>
-          <a:xfrm>
-            <a:off x="251520" y="1417638"/>
-            <a:ext cx="8229600" cy="5001419"/>
-          </a:xfrm>
-        </p:spPr>
-        <p:txBody>
-          <a:bodyPr/>
-          <a:lstStyle/>
-          <a:p>
-            <a:pPr algn="ctr"/>
-            <a:endParaRPr lang="pt-BR" dirty="0" smtClean="0"/>
-          </a:p>
-          <a:p>
-            <a:pPr algn="ctr"/>
-            <a:r>
-              <a:rPr lang="pt-BR" dirty="0" smtClean="0"/>
-              <a:t>DBC (2 fatores) </a:t>
-            </a:r>
-            <a:r>
-              <a:rPr lang="pt-BR" dirty="0" err="1" smtClean="0"/>
-              <a:t>y</a:t>
-            </a:r>
-            <a:r>
-              <a:rPr lang="pt-BR" baseline="-25000" dirty="0" err="1" smtClean="0"/>
-              <a:t>ijk</a:t>
-            </a:r>
-            <a:r>
-              <a:rPr lang="pt-BR" baseline="-25000" dirty="0" smtClean="0"/>
-              <a:t> </a:t>
-            </a:r>
-            <a:r>
-              <a:rPr lang="pt-BR" dirty="0"/>
-              <a:t>= </a:t>
-            </a:r>
-            <a:r>
-              <a:rPr lang="el-GR" dirty="0"/>
-              <a:t>μ</a:t>
-            </a:r>
-            <a:r>
-              <a:rPr lang="pt-BR" dirty="0"/>
-              <a:t> + </a:t>
-            </a:r>
-            <a:r>
-              <a:rPr lang="pt-BR" dirty="0" err="1" smtClean="0"/>
-              <a:t>b</a:t>
-            </a:r>
-            <a:r>
-              <a:rPr lang="pt-BR" baseline="-25000" dirty="0" err="1" smtClean="0"/>
-              <a:t>j</a:t>
-            </a:r>
-            <a:r>
-              <a:rPr lang="pt-BR" dirty="0" smtClean="0"/>
-              <a:t>/</a:t>
-            </a:r>
-            <a:r>
-              <a:rPr lang="pt-BR" dirty="0" err="1" smtClean="0"/>
-              <a:t>a</a:t>
-            </a:r>
-            <a:r>
-              <a:rPr lang="pt-BR" baseline="-25000" dirty="0" err="1" smtClean="0"/>
-              <a:t>k</a:t>
-            </a:r>
-            <a:r>
-              <a:rPr lang="pt-BR" dirty="0" smtClean="0"/>
-              <a:t> </a:t>
-            </a:r>
-            <a:r>
-              <a:rPr lang="pt-BR" dirty="0"/>
-              <a:t>+ </a:t>
-            </a:r>
-            <a:r>
-              <a:rPr lang="pt-BR" dirty="0" err="1" smtClean="0"/>
-              <a:t>g</a:t>
-            </a:r>
-            <a:r>
-              <a:rPr lang="pt-BR" baseline="-25000" dirty="0" err="1" smtClean="0"/>
-              <a:t>i</a:t>
-            </a:r>
-            <a:r>
-              <a:rPr lang="pt-BR" dirty="0" smtClean="0"/>
-              <a:t> + </a:t>
-            </a:r>
-            <a:r>
-              <a:rPr lang="pt-BR" dirty="0" err="1" smtClean="0"/>
-              <a:t>a</a:t>
-            </a:r>
-            <a:r>
-              <a:rPr lang="pt-BR" baseline="-25000" dirty="0" err="1" smtClean="0"/>
-              <a:t>k</a:t>
-            </a:r>
-            <a:r>
-              <a:rPr lang="pt-BR" dirty="0" smtClean="0"/>
-              <a:t> + </a:t>
-            </a:r>
-            <a:r>
-              <a:rPr lang="pt-BR" dirty="0" err="1" smtClean="0"/>
-              <a:t>e</a:t>
-            </a:r>
-            <a:r>
-              <a:rPr lang="pt-BR" baseline="-25000" dirty="0" err="1" smtClean="0"/>
-              <a:t>ijk</a:t>
+              <a:t>Análise Fatorial </a:t>
             </a:r>
             <a:endParaRPr lang="pt-BR" dirty="0"/>
           </a:p>
@@ -13184,7 +13068,7 @@
       </p:sp>
       <p:pic>
         <p:nvPicPr>
-          <p:cNvPr id="7" name="Imagem 6"/>
+          <p:cNvPr id="4" name="Imagem 3"/>
           <p:cNvPicPr>
             <a:picLocks noChangeAspect="1"/>
           </p:cNvPicPr>
@@ -13198,115 +13082,24 @@
         </p:blipFill>
         <p:spPr>
           <a:xfrm>
-            <a:off x="385192" y="4158372"/>
-            <a:ext cx="3898776" cy="1234612"/>
+            <a:off x="1300162" y="1556792"/>
+            <a:ext cx="6543675" cy="4638675"/>
           </a:xfrm>
           <a:prstGeom prst="rect">
             <a:avLst/>
           </a:prstGeom>
         </p:spPr>
       </p:pic>
-      <p:pic>
-        <p:nvPicPr>
-          <p:cNvPr id="8" name="Imagem 7"/>
-          <p:cNvPicPr>
-            <a:picLocks noChangeAspect="1"/>
-          </p:cNvPicPr>
-          <p:nvPr/>
-        </p:nvPicPr>
-        <p:blipFill>
-          <a:blip r:embed="rId2"/>
-          <a:stretch>
-            <a:fillRect/>
-          </a:stretch>
-        </p:blipFill>
-        <p:spPr>
-          <a:xfrm>
-            <a:off x="4459932" y="4158372"/>
-            <a:ext cx="3898776" cy="1234612"/>
-          </a:xfrm>
-          <a:prstGeom prst="rect">
-            <a:avLst/>
-          </a:prstGeom>
-        </p:spPr>
-      </p:pic>
-      <p:sp>
-        <p:nvSpPr>
-          <p:cNvPr id="9" name="CaixaDeTexto 8"/>
-          <p:cNvSpPr txBox="1"/>
-          <p:nvPr/>
-        </p:nvSpPr>
-        <p:spPr>
-          <a:xfrm>
-            <a:off x="2227684" y="3789040"/>
-            <a:ext cx="2016224" cy="369332"/>
-          </a:xfrm>
-          <a:prstGeom prst="rect">
-            <a:avLst/>
-          </a:prstGeom>
-          <a:noFill/>
-        </p:spPr>
-        <p:txBody>
-          <a:bodyPr wrap="square" rtlCol="0">
-            <a:spAutoFit/>
-          </a:bodyPr>
-          <a:lstStyle/>
-          <a:p>
-            <a:r>
-              <a:rPr lang="pt-BR" dirty="0" smtClean="0"/>
-              <a:t>Ano 1</a:t>
-            </a:r>
-            <a:endParaRPr lang="pt-BR" dirty="0"/>
-          </a:p>
-        </p:txBody>
-      </p:sp>
-      <p:sp>
-        <p:nvSpPr>
-          <p:cNvPr id="10" name="CaixaDeTexto 9"/>
-          <p:cNvSpPr txBox="1"/>
-          <p:nvPr/>
-        </p:nvSpPr>
-        <p:spPr>
-          <a:xfrm>
-            <a:off x="6260132" y="3819957"/>
-            <a:ext cx="2016224" cy="369332"/>
-          </a:xfrm>
-          <a:prstGeom prst="rect">
-            <a:avLst/>
-          </a:prstGeom>
-          <a:noFill/>
-        </p:spPr>
-        <p:txBody>
-          <a:bodyPr wrap="square" rtlCol="0">
-            <a:spAutoFit/>
-          </a:bodyPr>
-          <a:lstStyle/>
-          <a:p>
-            <a:r>
-              <a:rPr lang="pt-BR" dirty="0" smtClean="0"/>
-              <a:t>Ano 2</a:t>
-            </a:r>
-            <a:endParaRPr lang="pt-BR" dirty="0"/>
-          </a:p>
-        </p:txBody>
-      </p:sp>
     </p:spTree>
     <p:extLst>
       <p:ext uri="{BB962C8B-B14F-4D97-AF65-F5344CB8AC3E}">
-        <p14:creationId xmlns:p14="http://schemas.microsoft.com/office/powerpoint/2010/main" val="3180707604"/>
+        <p14:creationId xmlns:p14="http://schemas.microsoft.com/office/powerpoint/2010/main" val="679814122"/>
       </p:ext>
     </p:extLst>
   </p:cSld>
   <p:clrMapOvr>
     <a:masterClrMapping/>
   </p:clrMapOvr>
-  <p:timing>
-    <p:tnLst>
-      <p:par>
-        <p:cTn id="1" dur="indefinite" restart="never" nodeType="tmRoot"/>
-      </p:par>
-    </p:tnLst>
-  </p:timing>
 </p:sld>
 </file>
 
@@ -13337,14 +13130,146 @@
             <p:ph type="title"/>
           </p:nvPr>
         </p:nvSpPr>
-        <p:spPr/>
+        <p:spPr>
+          <a:xfrm>
+            <a:off x="457200" y="103353"/>
+            <a:ext cx="8229600" cy="1143000"/>
+          </a:xfrm>
+        </p:spPr>
+        <p:txBody>
+          <a:bodyPr>
+            <a:normAutofit fontScale="90000"/>
+          </a:bodyPr>
+          <a:lstStyle/>
+          <a:p>
+            <a:r>
+              <a:rPr lang="pt-BR" dirty="0" smtClean="0"/>
+              <a:t>Delineamento em Blocos </a:t>
+            </a:r>
+            <a:r>
+              <a:rPr lang="pt-BR" dirty="0" err="1" smtClean="0"/>
+              <a:t>Casualizados</a:t>
+            </a:r>
+            <a:r>
+              <a:rPr lang="pt-BR" dirty="0" smtClean="0"/>
+              <a:t> com dois fatores</a:t>
+            </a:r>
+            <a:endParaRPr lang="pt-BR" dirty="0"/>
+          </a:p>
+        </p:txBody>
+      </p:sp>
+      <p:sp>
+        <p:nvSpPr>
+          <p:cNvPr id="3" name="Espaço Reservado para Conteúdo 2"/>
+          <p:cNvSpPr>
+            <a:spLocks noGrp="1"/>
+          </p:cNvSpPr>
+          <p:nvPr>
+            <p:ph idx="1"/>
+          </p:nvPr>
+        </p:nvSpPr>
+        <p:spPr>
+          <a:xfrm>
+            <a:off x="251520" y="1417638"/>
+            <a:ext cx="8229600" cy="5001419"/>
+          </a:xfrm>
+        </p:spPr>
         <p:txBody>
           <a:bodyPr/>
           <a:lstStyle/>
           <a:p>
+            <a:pPr algn="ctr"/>
+            <a:endParaRPr lang="pt-BR" dirty="0" smtClean="0"/>
+          </a:p>
+          <a:p>
+            <a:pPr algn="ctr"/>
             <a:r>
               <a:rPr lang="pt-BR" dirty="0" smtClean="0"/>
-              <a:t>Interação Genótipo x Ambiente</a:t>
+              <a:t>DBC (2 fatores) </a:t>
+            </a:r>
+            <a:r>
+              <a:rPr lang="pt-BR" dirty="0" err="1" smtClean="0"/>
+              <a:t>y</a:t>
+            </a:r>
+            <a:r>
+              <a:rPr lang="pt-BR" baseline="-25000" dirty="0" err="1" smtClean="0"/>
+              <a:t>ijk</a:t>
+            </a:r>
+            <a:r>
+              <a:rPr lang="pt-BR" baseline="-25000" dirty="0" smtClean="0"/>
+              <a:t> </a:t>
+            </a:r>
+            <a:r>
+              <a:rPr lang="pt-BR" dirty="0"/>
+              <a:t>= </a:t>
+            </a:r>
+            <a:r>
+              <a:rPr lang="el-GR" dirty="0"/>
+              <a:t>μ</a:t>
+            </a:r>
+            <a:r>
+              <a:rPr lang="pt-BR" dirty="0"/>
+              <a:t> + </a:t>
+            </a:r>
+            <a:r>
+              <a:rPr lang="pt-BR" dirty="0" err="1" smtClean="0"/>
+              <a:t>b</a:t>
+            </a:r>
+            <a:r>
+              <a:rPr lang="pt-BR" baseline="-25000" dirty="0" err="1" smtClean="0"/>
+              <a:t>j</a:t>
+            </a:r>
+            <a:r>
+              <a:rPr lang="pt-BR" dirty="0" smtClean="0"/>
+              <a:t>/</a:t>
+            </a:r>
+            <a:r>
+              <a:rPr lang="pt-BR" dirty="0" err="1" smtClean="0"/>
+              <a:t>a</a:t>
+            </a:r>
+            <a:r>
+              <a:rPr lang="pt-BR" baseline="-25000" dirty="0" err="1" smtClean="0"/>
+              <a:t>k</a:t>
+            </a:r>
+            <a:r>
+              <a:rPr lang="pt-BR" dirty="0" smtClean="0"/>
+              <a:t> </a:t>
+            </a:r>
+            <a:r>
+              <a:rPr lang="pt-BR" dirty="0"/>
+              <a:t>+ </a:t>
+            </a:r>
+            <a:r>
+              <a:rPr lang="pt-BR" dirty="0" err="1" smtClean="0"/>
+              <a:t>g</a:t>
+            </a:r>
+            <a:r>
+              <a:rPr lang="pt-BR" baseline="-25000" dirty="0" err="1" smtClean="0"/>
+              <a:t>i</a:t>
+            </a:r>
+            <a:r>
+              <a:rPr lang="pt-BR" dirty="0" smtClean="0"/>
+              <a:t> + </a:t>
+            </a:r>
+            <a:r>
+              <a:rPr lang="pt-BR" dirty="0" err="1" smtClean="0"/>
+              <a:t>a</a:t>
+            </a:r>
+            <a:r>
+              <a:rPr lang="pt-BR" baseline="-25000" dirty="0" err="1" smtClean="0"/>
+              <a:t>k</a:t>
+            </a:r>
+            <a:r>
+              <a:rPr lang="pt-BR" dirty="0" smtClean="0"/>
+              <a:t> + </a:t>
+            </a:r>
+            <a:r>
+              <a:rPr lang="pt-BR" dirty="0" err="1" smtClean="0"/>
+              <a:t>e</a:t>
+            </a:r>
+            <a:r>
+              <a:rPr lang="pt-BR" baseline="-25000" dirty="0" err="1" smtClean="0"/>
+              <a:t>ijk</a:t>
             </a:r>
             <a:endParaRPr lang="pt-BR" dirty="0"/>
           </a:p>
@@ -13352,7 +13277,7 @@
       </p:sp>
       <p:pic>
         <p:nvPicPr>
-          <p:cNvPr id="3" name="Imagem 2"/>
+          <p:cNvPr id="7" name="Imagem 6"/>
           <p:cNvPicPr>
             <a:picLocks noChangeAspect="1"/>
           </p:cNvPicPr>
@@ -13366,18 +13291,102 @@
         </p:blipFill>
         <p:spPr>
           <a:xfrm>
-            <a:off x="633412" y="2420888"/>
-            <a:ext cx="7877175" cy="2724150"/>
+            <a:off x="385192" y="4158372"/>
+            <a:ext cx="3898776" cy="1234612"/>
           </a:xfrm>
           <a:prstGeom prst="rect">
             <a:avLst/>
           </a:prstGeom>
         </p:spPr>
       </p:pic>
+      <p:pic>
+        <p:nvPicPr>
+          <p:cNvPr id="8" name="Imagem 7"/>
+          <p:cNvPicPr>
+            <a:picLocks noChangeAspect="1"/>
+          </p:cNvPicPr>
+          <p:nvPr/>
+        </p:nvPicPr>
+        <p:blipFill>
+          <a:blip r:embed="rId2"/>
+          <a:stretch>
+            <a:fillRect/>
+          </a:stretch>
+        </p:blipFill>
+        <p:spPr>
+          <a:xfrm>
+            <a:off x="4459932" y="4158372"/>
+            <a:ext cx="3898776" cy="1234612"/>
+          </a:xfrm>
+          <a:prstGeom prst="rect">
+            <a:avLst/>
+          </a:prstGeom>
+        </p:spPr>
+      </p:pic>
+      <p:sp>
+        <p:nvSpPr>
+          <p:cNvPr id="9" name="CaixaDeTexto 8"/>
+          <p:cNvSpPr txBox="1"/>
+          <p:nvPr/>
+        </p:nvSpPr>
+        <p:spPr>
+          <a:xfrm>
+            <a:off x="2227684" y="3789040"/>
+            <a:ext cx="2016224" cy="369332"/>
+          </a:xfrm>
+          <a:prstGeom prst="rect">
+            <a:avLst/>
+          </a:prstGeom>
+          <a:noFill/>
+        </p:spPr>
+        <p:txBody>
+          <a:bodyPr wrap="square" rtlCol="0">
+            <a:spAutoFit/>
+          </a:bodyPr>
+          <a:lstStyle/>
+          <a:p>
+            <a:r>
+              <a:rPr lang="pt-BR" dirty="0" smtClean="0"/>
+              <a:t>Ano 1</a:t>
+            </a:r>
+            <a:endParaRPr lang="pt-BR" dirty="0"/>
+          </a:p>
+        </p:txBody>
+      </p:sp>
+      <p:sp>
+        <p:nvSpPr>
+          <p:cNvPr id="10" name="CaixaDeTexto 9"/>
+          <p:cNvSpPr txBox="1"/>
+          <p:nvPr/>
+        </p:nvSpPr>
+        <p:spPr>
+          <a:xfrm>
+            <a:off x="6260132" y="3819957"/>
+            <a:ext cx="2016224" cy="369332"/>
+          </a:xfrm>
+          <a:prstGeom prst="rect">
+            <a:avLst/>
+          </a:prstGeom>
+          <a:noFill/>
+        </p:spPr>
+        <p:txBody>
+          <a:bodyPr wrap="square" rtlCol="0">
+            <a:spAutoFit/>
+          </a:bodyPr>
+          <a:lstStyle/>
+          <a:p>
+            <a:r>
+              <a:rPr lang="pt-BR" dirty="0" smtClean="0"/>
+              <a:t>Ano 2</a:t>
+            </a:r>
+            <a:endParaRPr lang="pt-BR" dirty="0"/>
+          </a:p>
+        </p:txBody>
+      </p:sp>
     </p:spTree>
     <p:extLst>
       <p:ext uri="{BB962C8B-B14F-4D97-AF65-F5344CB8AC3E}">
-        <p14:creationId xmlns:p14="http://schemas.microsoft.com/office/powerpoint/2010/main" val="3002217832"/>
+        <p14:creationId xmlns:p14="http://schemas.microsoft.com/office/powerpoint/2010/main" val="3180707604"/>
       </p:ext>
     </p:extLst>
   </p:cSld>
@@ -13426,32 +13435,17 @@
           <a:bodyPr/>
           <a:lstStyle/>
           <a:p>
-            <a:endParaRPr lang="pt-BR"/>
-          </a:p>
-        </p:txBody>
-      </p:sp>
-      <p:sp>
-        <p:nvSpPr>
-          <p:cNvPr id="3" name="Espaço Reservado para Conteúdo 2"/>
-          <p:cNvSpPr>
-            <a:spLocks noGrp="1"/>
-          </p:cNvSpPr>
-          <p:nvPr>
-            <p:ph idx="1"/>
-          </p:nvPr>
-        </p:nvSpPr>
-        <p:spPr/>
-        <p:txBody>
-          <a:bodyPr/>
-          <a:lstStyle/>
-          <a:p>
-            <a:endParaRPr lang="pt-BR"/>
+            <a:r>
+              <a:rPr lang="pt-BR" dirty="0" smtClean="0"/>
+              <a:t>Interação Genótipo x Ambiente</a:t>
+            </a:r>
+            <a:endParaRPr lang="pt-BR" dirty="0"/>
           </a:p>
         </p:txBody>
       </p:sp>
       <p:pic>
         <p:nvPicPr>
-          <p:cNvPr id="4" name="Imagem 3"/>
+          <p:cNvPr id="3" name="Imagem 2"/>
           <p:cNvPicPr>
             <a:picLocks noChangeAspect="1"/>
           </p:cNvPicPr>
@@ -13465,48 +13459,18 @@
         </p:blipFill>
         <p:spPr>
           <a:xfrm>
-            <a:off x="-445722" y="274638"/>
-            <a:ext cx="9902275" cy="6394722"/>
+            <a:off x="633412" y="2420888"/>
+            <a:ext cx="7877175" cy="2724150"/>
           </a:xfrm>
           <a:prstGeom prst="rect">
             <a:avLst/>
           </a:prstGeom>
         </p:spPr>
       </p:pic>
-      <p:sp>
-        <p:nvSpPr>
-          <p:cNvPr id="5" name="CaixaDeTexto 4"/>
-          <p:cNvSpPr txBox="1"/>
-          <p:nvPr/>
-        </p:nvSpPr>
-        <p:spPr>
-          <a:xfrm>
-            <a:off x="6012160" y="6525344"/>
-            <a:ext cx="2520280" cy="369332"/>
-          </a:xfrm>
-          <a:prstGeom prst="rect">
-            <a:avLst/>
-          </a:prstGeom>
-          <a:noFill/>
-        </p:spPr>
-        <p:txBody>
-          <a:bodyPr wrap="square" rtlCol="0">
-            <a:spAutoFit/>
-          </a:bodyPr>
-          <a:lstStyle/>
-          <a:p>
-            <a:r>
-              <a:rPr lang="pt-BR" dirty="0" smtClean="0"/>
-              <a:t>Souza et al. (2013) CBAB</a:t>
-            </a:r>
-            <a:endParaRPr lang="pt-BR" dirty="0"/>
-          </a:p>
-        </p:txBody>
-      </p:sp>
     </p:spTree>
     <p:extLst>
       <p:ext uri="{BB962C8B-B14F-4D97-AF65-F5344CB8AC3E}">
-        <p14:creationId xmlns:p14="http://schemas.microsoft.com/office/powerpoint/2010/main" val="310631451"/>
+        <p14:creationId xmlns:p14="http://schemas.microsoft.com/office/powerpoint/2010/main" val="3002217832"/>
       </p:ext>
     </p:extLst>
   </p:cSld>
@@ -13660,40 +13624,71 @@
         </p:nvSpPr>
         <p:spPr/>
         <p:txBody>
-          <a:bodyPr>
-            <a:normAutofit/>
+          <a:bodyPr/>
+          <a:lstStyle/>
+          <a:p>
+            <a:endParaRPr lang="pt-BR"/>
+          </a:p>
+        </p:txBody>
+      </p:sp>
+      <p:pic>
+        <p:nvPicPr>
+          <p:cNvPr id="4" name="Imagem 3"/>
+          <p:cNvPicPr>
+            <a:picLocks noChangeAspect="1"/>
+          </p:cNvPicPr>
+          <p:nvPr/>
+        </p:nvPicPr>
+        <p:blipFill>
+          <a:blip r:embed="rId2"/>
+          <a:stretch>
+            <a:fillRect/>
+          </a:stretch>
+        </p:blipFill>
+        <p:spPr>
+          <a:xfrm>
+            <a:off x="-445722" y="274638"/>
+            <a:ext cx="9902275" cy="6394722"/>
+          </a:xfrm>
+          <a:prstGeom prst="rect">
+            <a:avLst/>
+          </a:prstGeom>
+        </p:spPr>
+      </p:pic>
+      <p:sp>
+        <p:nvSpPr>
+          <p:cNvPr id="5" name="CaixaDeTexto 4"/>
+          <p:cNvSpPr txBox="1"/>
+          <p:nvPr/>
+        </p:nvSpPr>
+        <p:spPr>
+          <a:xfrm>
+            <a:off x="6012160" y="6525344"/>
+            <a:ext cx="2520280" cy="369332"/>
+          </a:xfrm>
+          <a:prstGeom prst="rect">
+            <a:avLst/>
+          </a:prstGeom>
+          <a:noFill/>
+        </p:spPr>
+        <p:txBody>
+          <a:bodyPr wrap="square" rtlCol="0">
+            <a:spAutoFit/>
           </a:bodyPr>
           <a:lstStyle/>
           <a:p>
-            <a:pPr algn="ctr"/>
-            <a:endParaRPr lang="pt-BR" sz="4200" dirty="0" smtClean="0"/>
-          </a:p>
-          <a:p>
-            <a:pPr marL="0" indent="0" algn="ctr">
-              <a:buNone/>
-            </a:pPr>
-            <a:r>
-              <a:rPr lang="pt-BR" sz="4800" dirty="0" smtClean="0"/>
-              <a:t>Obrigado!</a:t>
-            </a:r>
-            <a:endParaRPr lang="pt-BR" sz="4800" dirty="0"/>
-          </a:p>
-          <a:p>
-            <a:pPr marL="0" indent="0" algn="ctr">
-              <a:buNone/>
-            </a:pPr>
-            <a:r>
-              <a:rPr lang="pt-BR" sz="4200" dirty="0" smtClean="0"/>
-              <a:t>vanderfsouza@gmail.com</a:t>
-            </a:r>
-            <a:endParaRPr lang="pt-BR" sz="4200" dirty="0"/>
+            <a:r>
+              <a:rPr lang="pt-BR" dirty="0" smtClean="0"/>
+              <a:t>Souza et al. (2013) CBAB</a:t>
+            </a:r>
+            <a:endParaRPr lang="pt-BR" dirty="0"/>
           </a:p>
         </p:txBody>
       </p:sp>
     </p:spTree>
     <p:extLst>
       <p:ext uri="{BB962C8B-B14F-4D97-AF65-F5344CB8AC3E}">
-        <p14:creationId xmlns:p14="http://schemas.microsoft.com/office/powerpoint/2010/main" val="3390636262"/>
+        <p14:creationId xmlns:p14="http://schemas.microsoft.com/office/powerpoint/2010/main" val="310631451"/>
       </p:ext>
     </p:extLst>
   </p:cSld>
@@ -13742,6 +13737,104 @@
           <a:bodyPr/>
           <a:lstStyle/>
           <a:p>
+            <a:endParaRPr lang="pt-BR"/>
+          </a:p>
+        </p:txBody>
+      </p:sp>
+      <p:sp>
+        <p:nvSpPr>
+          <p:cNvPr id="3" name="Espaço Reservado para Conteúdo 2"/>
+          <p:cNvSpPr>
+            <a:spLocks noGrp="1"/>
+          </p:cNvSpPr>
+          <p:nvPr>
+            <p:ph idx="1"/>
+          </p:nvPr>
+        </p:nvSpPr>
+        <p:spPr/>
+        <p:txBody>
+          <a:bodyPr>
+            <a:normAutofit/>
+          </a:bodyPr>
+          <a:lstStyle/>
+          <a:p>
+            <a:pPr algn="ctr"/>
+            <a:endParaRPr lang="pt-BR" sz="4200" dirty="0" smtClean="0"/>
+          </a:p>
+          <a:p>
+            <a:pPr marL="0" indent="0" algn="ctr">
+              <a:buNone/>
+            </a:pPr>
+            <a:r>
+              <a:rPr lang="pt-BR" sz="4800" dirty="0" smtClean="0"/>
+              <a:t>Obrigado!</a:t>
+            </a:r>
+            <a:endParaRPr lang="pt-BR" sz="4800" dirty="0"/>
+          </a:p>
+          <a:p>
+            <a:pPr marL="0" indent="0" algn="ctr">
+              <a:buNone/>
+            </a:pPr>
+            <a:r>
+              <a:rPr lang="pt-BR" sz="4200" dirty="0" smtClean="0"/>
+              <a:t>vanderfsouza@gmail.com</a:t>
+            </a:r>
+            <a:endParaRPr lang="pt-BR" sz="4200" dirty="0"/>
+          </a:p>
+        </p:txBody>
+      </p:sp>
+    </p:spTree>
+    <p:extLst>
+      <p:ext uri="{BB962C8B-B14F-4D97-AF65-F5344CB8AC3E}">
+        <p14:creationId xmlns:p14="http://schemas.microsoft.com/office/powerpoint/2010/main" val="3390636262"/>
+      </p:ext>
+    </p:extLst>
+  </p:cSld>
+  <p:clrMapOvr>
+    <a:masterClrMapping/>
+  </p:clrMapOvr>
+  <p:timing>
+    <p:tnLst>
+      <p:par>
+        <p:cTn id="1" dur="indefinite" restart="never" nodeType="tmRoot"/>
+      </p:par>
+    </p:tnLst>
+  </p:timing>
+</p:sld>
+</file>
+
+<file path=ppt/slides/slide52.xml><?xml version="1.0" encoding="utf-8"?>
+<p:sld xmlns:a="http://schemas.openxmlformats.org/drawingml/2006/main" xmlns:r="http://schemas.openxmlformats.org/officeDocument/2006/relationships" xmlns:p="http://schemas.openxmlformats.org/presentationml/2006/main">
+  <p:cSld>
+    <p:spTree>
+      <p:nvGrpSpPr>
+        <p:cNvPr id="1" name=""/>
+        <p:cNvGrpSpPr/>
+        <p:nvPr/>
+      </p:nvGrpSpPr>
+      <p:grpSpPr>
+        <a:xfrm>
+          <a:off x="0" y="0"/>
+          <a:ext cx="0" cy="0"/>
+          <a:chOff x="0" y="0"/>
+          <a:chExt cx="0" cy="0"/>
+        </a:xfrm>
+      </p:grpSpPr>
+      <p:sp>
+        <p:nvSpPr>
+          <p:cNvPr id="2" name="Título 1"/>
+          <p:cNvSpPr>
+            <a:spLocks noGrp="1"/>
+          </p:cNvSpPr>
+          <p:nvPr>
+            <p:ph type="title"/>
+          </p:nvPr>
+        </p:nvSpPr>
+        <p:spPr/>
+        <p:txBody>
+          <a:bodyPr/>
+          <a:lstStyle/>
+          <a:p>
             <a:r>
               <a:rPr lang="pt-BR" dirty="0" smtClean="0"/>
               <a:t>Parcela subdividida no tempo</a:t>
@@ -14467,7 +14560,7 @@
 </p:sld>
 </file>
 
-<file path=ppt/slides/slide52.xml><?xml version="1.0" encoding="utf-8"?>
+<file path=ppt/slides/slide53.xml><?xml version="1.0" encoding="utf-8"?>
 <p:sld xmlns:a="http://schemas.openxmlformats.org/drawingml/2006/main" xmlns:r="http://schemas.openxmlformats.org/officeDocument/2006/relationships" xmlns:p="http://schemas.openxmlformats.org/presentationml/2006/main">
   <p:cSld>
     <p:spTree>

--- a/Curso_Estatistica_experimental.pptx
+++ b/Curso_Estatistica_experimental.pptx
@@ -5,62 +5,66 @@
     <p:sldMasterId id="2147483648" r:id="rId1"/>
   </p:sldMasterIdLst>
   <p:notesMasterIdLst>
-    <p:notesMasterId r:id="rId55"/>
+    <p:notesMasterId r:id="rId59"/>
   </p:notesMasterIdLst>
   <p:sldIdLst>
     <p:sldId id="256" r:id="rId2"/>
     <p:sldId id="273" r:id="rId3"/>
     <p:sldId id="274" r:id="rId4"/>
     <p:sldId id="257" r:id="rId5"/>
-    <p:sldId id="278" r:id="rId6"/>
-    <p:sldId id="280" r:id="rId7"/>
-    <p:sldId id="281" r:id="rId8"/>
-    <p:sldId id="282" r:id="rId9"/>
-    <p:sldId id="286" r:id="rId10"/>
-    <p:sldId id="284" r:id="rId11"/>
-    <p:sldId id="283" r:id="rId12"/>
-    <p:sldId id="285" r:id="rId13"/>
-    <p:sldId id="279" r:id="rId14"/>
-    <p:sldId id="287" r:id="rId15"/>
-    <p:sldId id="288" r:id="rId16"/>
-    <p:sldId id="289" r:id="rId17"/>
-    <p:sldId id="290" r:id="rId18"/>
-    <p:sldId id="293" r:id="rId19"/>
-    <p:sldId id="291" r:id="rId20"/>
-    <p:sldId id="329" r:id="rId21"/>
-    <p:sldId id="330" r:id="rId22"/>
-    <p:sldId id="331" r:id="rId23"/>
-    <p:sldId id="327" r:id="rId24"/>
-    <p:sldId id="277" r:id="rId25"/>
-    <p:sldId id="261" r:id="rId26"/>
-    <p:sldId id="262" r:id="rId27"/>
-    <p:sldId id="263" r:id="rId28"/>
-    <p:sldId id="264" r:id="rId29"/>
-    <p:sldId id="267" r:id="rId30"/>
-    <p:sldId id="268" r:id="rId31"/>
-    <p:sldId id="336" r:id="rId32"/>
-    <p:sldId id="265" r:id="rId33"/>
-    <p:sldId id="333" r:id="rId34"/>
-    <p:sldId id="304" r:id="rId35"/>
-    <p:sldId id="335" r:id="rId36"/>
-    <p:sldId id="310" r:id="rId37"/>
-    <p:sldId id="311" r:id="rId38"/>
-    <p:sldId id="312" r:id="rId39"/>
-    <p:sldId id="313" r:id="rId40"/>
-    <p:sldId id="316" r:id="rId41"/>
-    <p:sldId id="314" r:id="rId42"/>
-    <p:sldId id="317" r:id="rId43"/>
-    <p:sldId id="340" r:id="rId44"/>
-    <p:sldId id="319" r:id="rId45"/>
-    <p:sldId id="320" r:id="rId46"/>
-    <p:sldId id="325" r:id="rId47"/>
-    <p:sldId id="321" r:id="rId48"/>
-    <p:sldId id="334" r:id="rId49"/>
-    <p:sldId id="322" r:id="rId50"/>
-    <p:sldId id="324" r:id="rId51"/>
-    <p:sldId id="338" r:id="rId52"/>
-    <p:sldId id="337" r:id="rId53"/>
-    <p:sldId id="339" r:id="rId54"/>
+    <p:sldId id="345" r:id="rId6"/>
+    <p:sldId id="346" r:id="rId7"/>
+    <p:sldId id="278" r:id="rId8"/>
+    <p:sldId id="343" r:id="rId9"/>
+    <p:sldId id="342" r:id="rId10"/>
+    <p:sldId id="341" r:id="rId11"/>
+    <p:sldId id="344" r:id="rId12"/>
+    <p:sldId id="280" r:id="rId13"/>
+    <p:sldId id="281" r:id="rId14"/>
+    <p:sldId id="282" r:id="rId15"/>
+    <p:sldId id="286" r:id="rId16"/>
+    <p:sldId id="284" r:id="rId17"/>
+    <p:sldId id="283" r:id="rId18"/>
+    <p:sldId id="285" r:id="rId19"/>
+    <p:sldId id="279" r:id="rId20"/>
+    <p:sldId id="287" r:id="rId21"/>
+    <p:sldId id="288" r:id="rId22"/>
+    <p:sldId id="289" r:id="rId23"/>
+    <p:sldId id="290" r:id="rId24"/>
+    <p:sldId id="293" r:id="rId25"/>
+    <p:sldId id="291" r:id="rId26"/>
+    <p:sldId id="329" r:id="rId27"/>
+    <p:sldId id="330" r:id="rId28"/>
+    <p:sldId id="331" r:id="rId29"/>
+    <p:sldId id="327" r:id="rId30"/>
+    <p:sldId id="277" r:id="rId31"/>
+    <p:sldId id="263" r:id="rId32"/>
+    <p:sldId id="264" r:id="rId33"/>
+    <p:sldId id="267" r:id="rId34"/>
+    <p:sldId id="268" r:id="rId35"/>
+    <p:sldId id="336" r:id="rId36"/>
+    <p:sldId id="265" r:id="rId37"/>
+    <p:sldId id="333" r:id="rId38"/>
+    <p:sldId id="304" r:id="rId39"/>
+    <p:sldId id="335" r:id="rId40"/>
+    <p:sldId id="310" r:id="rId41"/>
+    <p:sldId id="311" r:id="rId42"/>
+    <p:sldId id="312" r:id="rId43"/>
+    <p:sldId id="313" r:id="rId44"/>
+    <p:sldId id="316" r:id="rId45"/>
+    <p:sldId id="314" r:id="rId46"/>
+    <p:sldId id="317" r:id="rId47"/>
+    <p:sldId id="340" r:id="rId48"/>
+    <p:sldId id="319" r:id="rId49"/>
+    <p:sldId id="320" r:id="rId50"/>
+    <p:sldId id="325" r:id="rId51"/>
+    <p:sldId id="321" r:id="rId52"/>
+    <p:sldId id="334" r:id="rId53"/>
+    <p:sldId id="322" r:id="rId54"/>
+    <p:sldId id="324" r:id="rId55"/>
+    <p:sldId id="338" r:id="rId56"/>
+    <p:sldId id="337" r:id="rId57"/>
+    <p:sldId id="339" r:id="rId58"/>
   </p:sldIdLst>
   <p:sldSz cx="9144000" cy="6858000" type="screen4x3"/>
   <p:notesSz cx="6858000" cy="9144000"/>
@@ -260,7 +264,7 @@
           <a:p>
             <a:fld id="{946A0D4D-F14F-47A7-A9C2-2A1C067B5B78}" type="datetimeFigureOut">
               <a:rPr lang="pt-BR" smtClean="0"/>
-              <a:t>04/01/2019</a:t>
+              <a:t>09/01/2019</a:t>
             </a:fld>
             <a:endParaRPr lang="pt-BR"/>
           </a:p>
@@ -793,7 +797,7 @@
           <a:p>
             <a:fld id="{313A364D-2FEE-40D0-84BC-D46804C2E8FA}" type="datetimeFigureOut">
               <a:rPr lang="pt-BR" smtClean="0"/>
-              <a:t>04/01/2019</a:t>
+              <a:t>09/01/2019</a:t>
             </a:fld>
             <a:endParaRPr lang="pt-BR"/>
           </a:p>
@@ -958,7 +962,7 @@
           <a:p>
             <a:fld id="{313A364D-2FEE-40D0-84BC-D46804C2E8FA}" type="datetimeFigureOut">
               <a:rPr lang="pt-BR" smtClean="0"/>
-              <a:t>04/01/2019</a:t>
+              <a:t>09/01/2019</a:t>
             </a:fld>
             <a:endParaRPr lang="pt-BR"/>
           </a:p>
@@ -1133,7 +1137,7 @@
           <a:p>
             <a:fld id="{313A364D-2FEE-40D0-84BC-D46804C2E8FA}" type="datetimeFigureOut">
               <a:rPr lang="pt-BR" smtClean="0"/>
-              <a:t>04/01/2019</a:t>
+              <a:t>09/01/2019</a:t>
             </a:fld>
             <a:endParaRPr lang="pt-BR"/>
           </a:p>
@@ -1298,7 +1302,7 @@
           <a:p>
             <a:fld id="{313A364D-2FEE-40D0-84BC-D46804C2E8FA}" type="datetimeFigureOut">
               <a:rPr lang="pt-BR" smtClean="0"/>
-              <a:t>04/01/2019</a:t>
+              <a:t>09/01/2019</a:t>
             </a:fld>
             <a:endParaRPr lang="pt-BR"/>
           </a:p>
@@ -1539,7 +1543,7 @@
           <a:p>
             <a:fld id="{313A364D-2FEE-40D0-84BC-D46804C2E8FA}" type="datetimeFigureOut">
               <a:rPr lang="pt-BR" smtClean="0"/>
-              <a:t>04/01/2019</a:t>
+              <a:t>09/01/2019</a:t>
             </a:fld>
             <a:endParaRPr lang="pt-BR"/>
           </a:p>
@@ -1822,7 +1826,7 @@
           <a:p>
             <a:fld id="{313A364D-2FEE-40D0-84BC-D46804C2E8FA}" type="datetimeFigureOut">
               <a:rPr lang="pt-BR" smtClean="0"/>
-              <a:t>04/01/2019</a:t>
+              <a:t>09/01/2019</a:t>
             </a:fld>
             <a:endParaRPr lang="pt-BR"/>
           </a:p>
@@ -2239,7 +2243,7 @@
           <a:p>
             <a:fld id="{313A364D-2FEE-40D0-84BC-D46804C2E8FA}" type="datetimeFigureOut">
               <a:rPr lang="pt-BR" smtClean="0"/>
-              <a:t>04/01/2019</a:t>
+              <a:t>09/01/2019</a:t>
             </a:fld>
             <a:endParaRPr lang="pt-BR"/>
           </a:p>
@@ -2352,7 +2356,7 @@
           <a:p>
             <a:fld id="{313A364D-2FEE-40D0-84BC-D46804C2E8FA}" type="datetimeFigureOut">
               <a:rPr lang="pt-BR" smtClean="0"/>
-              <a:t>04/01/2019</a:t>
+              <a:t>09/01/2019</a:t>
             </a:fld>
             <a:endParaRPr lang="pt-BR"/>
           </a:p>
@@ -2442,7 +2446,7 @@
           <a:p>
             <a:fld id="{313A364D-2FEE-40D0-84BC-D46804C2E8FA}" type="datetimeFigureOut">
               <a:rPr lang="pt-BR" smtClean="0"/>
-              <a:t>04/01/2019</a:t>
+              <a:t>09/01/2019</a:t>
             </a:fld>
             <a:endParaRPr lang="pt-BR"/>
           </a:p>
@@ -2714,7 +2718,7 @@
           <a:p>
             <a:fld id="{313A364D-2FEE-40D0-84BC-D46804C2E8FA}" type="datetimeFigureOut">
               <a:rPr lang="pt-BR" smtClean="0"/>
-              <a:t>04/01/2019</a:t>
+              <a:t>09/01/2019</a:t>
             </a:fld>
             <a:endParaRPr lang="pt-BR"/>
           </a:p>
@@ -2962,7 +2966,7 @@
           <a:p>
             <a:fld id="{313A364D-2FEE-40D0-84BC-D46804C2E8FA}" type="datetimeFigureOut">
               <a:rPr lang="pt-BR" smtClean="0"/>
-              <a:t>04/01/2019</a:t>
+              <a:t>09/01/2019</a:t>
             </a:fld>
             <a:endParaRPr lang="pt-BR"/>
           </a:p>
@@ -3170,7 +3174,7 @@
           <a:p>
             <a:fld id="{313A364D-2FEE-40D0-84BC-D46804C2E8FA}" type="datetimeFigureOut">
               <a:rPr lang="pt-BR" smtClean="0"/>
-              <a:t>04/01/2019</a:t>
+              <a:t>09/01/2019</a:t>
             </a:fld>
             <a:endParaRPr lang="pt-BR"/>
           </a:p>
@@ -3552,7 +3556,7 @@
         </p:nvSpPr>
         <p:spPr>
           <a:xfrm>
-            <a:off x="685800" y="2465462"/>
+            <a:off x="685800" y="2204864"/>
             <a:ext cx="7772400" cy="1899642"/>
           </a:xfrm>
         </p:spPr>
@@ -3604,7 +3608,9 @@
             <a:r>
               <a:rPr lang="pt-BR" sz="2800" dirty="0" smtClean="0">
                 <a:solidFill>
-                  <a:schemeClr val="tx1"/>
+                  <a:schemeClr val="bg1">
+                    <a:lumMod val="50000"/>
+                  </a:schemeClr>
                 </a:solidFill>
               </a:rPr>
               <a:t>Vander </a:t>
@@ -3612,7 +3618,9 @@
             <a:r>
               <a:rPr lang="pt-BR" sz="2800" dirty="0" err="1" smtClean="0">
                 <a:solidFill>
-                  <a:schemeClr val="tx1"/>
+                  <a:schemeClr val="bg1">
+                    <a:lumMod val="50000"/>
+                  </a:schemeClr>
                 </a:solidFill>
               </a:rPr>
               <a:t>Fillipe</a:t>
@@ -3620,7 +3628,9 @@
             <a:r>
               <a:rPr lang="pt-BR" sz="2800" dirty="0" smtClean="0">
                 <a:solidFill>
-                  <a:schemeClr val="tx1"/>
+                  <a:schemeClr val="bg1">
+                    <a:lumMod val="50000"/>
+                  </a:schemeClr>
                 </a:solidFill>
               </a:rPr>
               <a:t> de Souza</a:t>
@@ -3630,9 +3640,56 @@
             <a:pPr algn="r"/>
             <a:endParaRPr lang="pt-BR" sz="2800" dirty="0">
               <a:solidFill>
-                <a:schemeClr val="tx1"/>
+                <a:schemeClr val="bg1">
+                  <a:lumMod val="50000"/>
+                </a:schemeClr>
               </a:solidFill>
             </a:endParaRPr>
+          </a:p>
+        </p:txBody>
+      </p:sp>
+      <p:sp>
+        <p:nvSpPr>
+          <p:cNvPr id="4" name="CaixaDeTexto 3"/>
+          <p:cNvSpPr txBox="1"/>
+          <p:nvPr/>
+        </p:nvSpPr>
+        <p:spPr>
+          <a:xfrm>
+            <a:off x="2051720" y="4293096"/>
+            <a:ext cx="5040560" cy="553998"/>
+          </a:xfrm>
+          <a:prstGeom prst="rect">
+            <a:avLst/>
+          </a:prstGeom>
+          <a:noFill/>
+        </p:spPr>
+        <p:txBody>
+          <a:bodyPr wrap="square" rtlCol="0">
+            <a:spAutoFit/>
+          </a:bodyPr>
+          <a:lstStyle/>
+          <a:p>
+            <a:pPr algn="ctr"/>
+            <a:r>
+              <a:rPr lang="pt-BR" sz="3000" dirty="0" smtClean="0">
+                <a:hlinkClick r:id="rId2"/>
+              </a:rPr>
+              <a:t>https</a:t>
+            </a:r>
+            <a:r>
+              <a:rPr lang="pt-BR" sz="3000" dirty="0">
+                <a:hlinkClick r:id="rId2"/>
+              </a:rPr>
+              <a:t>://</a:t>
+            </a:r>
+            <a:r>
+              <a:rPr lang="pt-BR" sz="3000" dirty="0" smtClean="0">
+                <a:hlinkClick r:id="rId2"/>
+              </a:rPr>
+              <a:t>bit.ly/2VCtqGk</a:t>
+            </a:r>
+            <a:endParaRPr lang="pt-BR" sz="3000" dirty="0"/>
           </a:p>
         </p:txBody>
       </p:sp>
@@ -3676,6 +3733,1415 @@
           <a:bodyPr/>
           <a:lstStyle/>
           <a:p>
+            <a:r>
+              <a:rPr lang="pt-BR" dirty="0" smtClean="0"/>
+              <a:t>Teste t</a:t>
+            </a:r>
+            <a:endParaRPr lang="pt-BR" dirty="0"/>
+          </a:p>
+        </p:txBody>
+      </p:sp>
+      <p:sp>
+        <p:nvSpPr>
+          <p:cNvPr id="3" name="Espaço Reservado para Conteúdo 2"/>
+          <p:cNvSpPr>
+            <a:spLocks noGrp="1"/>
+          </p:cNvSpPr>
+          <p:nvPr>
+            <p:ph idx="1"/>
+          </p:nvPr>
+        </p:nvSpPr>
+        <p:spPr>
+          <a:xfrm>
+            <a:off x="611560" y="1268760"/>
+            <a:ext cx="8229600" cy="4872249"/>
+          </a:xfrm>
+        </p:spPr>
+        <p:txBody>
+          <a:bodyPr/>
+          <a:lstStyle/>
+          <a:p>
+            <a:pPr algn="just"/>
+            <a:r>
+              <a:rPr lang="pt-BR" dirty="0"/>
+              <a:t> </a:t>
+            </a:r>
+            <a:r>
+              <a:rPr lang="pt-BR" sz="2800" dirty="0"/>
+              <a:t>Se não conhecemos o valor do desvio padrão populacional  </a:t>
+            </a:r>
+            <a:r>
+              <a:rPr lang="pt-BR" sz="2800" dirty="0" smtClean="0"/>
+              <a:t>e </a:t>
+            </a:r>
+            <a:r>
+              <a:rPr lang="pt-BR" sz="2800" dirty="0"/>
+              <a:t>a amostra é </a:t>
+            </a:r>
+            <a:r>
+              <a:rPr lang="pt-BR" sz="2800" dirty="0" smtClean="0"/>
+              <a:t>pequena</a:t>
+            </a:r>
+            <a:r>
+              <a:rPr lang="pt-BR" sz="2800" dirty="0"/>
+              <a:t> </a:t>
+            </a:r>
+            <a:r>
+              <a:rPr lang="pt-BR" sz="2800" dirty="0" smtClean="0"/>
+              <a:t>(n&lt;30), </a:t>
+            </a:r>
+            <a:r>
+              <a:rPr lang="pt-BR" sz="2800" dirty="0"/>
+              <a:t>devemos substituir a expressão </a:t>
+            </a:r>
+            <a:r>
+              <a:rPr lang="pt-BR" sz="2800" dirty="0" smtClean="0"/>
+              <a:t>(Z) pela </a:t>
+            </a:r>
+            <a:r>
+              <a:rPr lang="pt-BR" sz="2800" dirty="0"/>
+              <a:t>expressão </a:t>
+            </a:r>
+            <a:r>
+              <a:rPr lang="pt-BR" sz="2800" dirty="0" smtClean="0"/>
+              <a:t>(T)</a:t>
+            </a:r>
+            <a:endParaRPr lang="pt-BR" sz="2800" dirty="0"/>
+          </a:p>
+          <a:p>
+            <a:endParaRPr lang="pt-BR" dirty="0"/>
+          </a:p>
+        </p:txBody>
+      </p:sp>
+      <p:pic>
+        <p:nvPicPr>
+          <p:cNvPr id="5129" name="Picture 9" descr="\[Z=\frac{\overline{X}-\mu_0}{\frac{\sigma}{\sqrt{n}}}\]"/>
+          <p:cNvPicPr>
+            <a:picLocks noChangeAspect="1" noChangeArrowheads="1"/>
+          </p:cNvPicPr>
+          <p:nvPr/>
+        </p:nvPicPr>
+        <p:blipFill>
+          <a:blip r:embed="rId2">
+            <a:extLst>
+              <a:ext uri="{28A0092B-C50C-407E-A947-70E740481C1C}">
+                <a14:useLocalDpi xmlns:a14="http://schemas.microsoft.com/office/drawing/2010/main" val="0"/>
+              </a:ext>
+            </a:extLst>
+          </a:blip>
+          <a:srcRect/>
+          <a:stretch>
+            <a:fillRect/>
+          </a:stretch>
+        </p:blipFill>
+        <p:spPr bwMode="auto">
+          <a:xfrm>
+            <a:off x="1115616" y="3140968"/>
+            <a:ext cx="1683902" cy="852345"/>
+          </a:xfrm>
+          <a:prstGeom prst="rect">
+            <a:avLst/>
+          </a:prstGeom>
+          <a:noFill/>
+          <a:extLst>
+            <a:ext uri="{909E8E84-426E-40DD-AFC4-6F175D3DCCD1}">
+              <a14:hiddenFill xmlns:a14="http://schemas.microsoft.com/office/drawing/2010/main">
+                <a:solidFill>
+                  <a:srgbClr val="FFFFFF"/>
+                </a:solidFill>
+              </a14:hiddenFill>
+            </a:ext>
+          </a:extLst>
+        </p:spPr>
+      </p:pic>
+      <p:pic>
+        <p:nvPicPr>
+          <p:cNvPr id="5130" name="Picture 10" descr="\[T=\frac{\overline{X}-\mu_0}{\frac{s}{\sqrt{n}}}\]"/>
+          <p:cNvPicPr>
+            <a:picLocks noChangeAspect="1" noChangeArrowheads="1"/>
+          </p:cNvPicPr>
+          <p:nvPr/>
+        </p:nvPicPr>
+        <p:blipFill>
+          <a:blip r:embed="rId3">
+            <a:extLst>
+              <a:ext uri="{28A0092B-C50C-407E-A947-70E740481C1C}">
+                <a14:useLocalDpi xmlns:a14="http://schemas.microsoft.com/office/drawing/2010/main" val="0"/>
+              </a:ext>
+            </a:extLst>
+          </a:blip>
+          <a:srcRect/>
+          <a:stretch>
+            <a:fillRect/>
+          </a:stretch>
+        </p:blipFill>
+        <p:spPr bwMode="auto">
+          <a:xfrm>
+            <a:off x="1108301" y="4508890"/>
+            <a:ext cx="1683902" cy="863000"/>
+          </a:xfrm>
+          <a:prstGeom prst="rect">
+            <a:avLst/>
+          </a:prstGeom>
+          <a:noFill/>
+          <a:extLst>
+            <a:ext uri="{909E8E84-426E-40DD-AFC4-6F175D3DCCD1}">
+              <a14:hiddenFill xmlns:a14="http://schemas.microsoft.com/office/drawing/2010/main">
+                <a:solidFill>
+                  <a:srgbClr val="FFFFFF"/>
+                </a:solidFill>
+              </a14:hiddenFill>
+            </a:ext>
+          </a:extLst>
+        </p:spPr>
+      </p:pic>
+      <p:sp>
+        <p:nvSpPr>
+          <p:cNvPr id="7" name="CaixaDeTexto 6"/>
+          <p:cNvSpPr txBox="1"/>
+          <p:nvPr/>
+        </p:nvSpPr>
+        <p:spPr>
+          <a:xfrm>
+            <a:off x="971600" y="6372036"/>
+            <a:ext cx="7272808" cy="369332"/>
+          </a:xfrm>
+          <a:prstGeom prst="rect">
+            <a:avLst/>
+          </a:prstGeom>
+          <a:noFill/>
+        </p:spPr>
+        <p:txBody>
+          <a:bodyPr wrap="square" rtlCol="0">
+            <a:spAutoFit/>
+          </a:bodyPr>
+          <a:lstStyle/>
+          <a:p>
+            <a:r>
+              <a:rPr lang="pt-BR" dirty="0"/>
+              <a:t>onde </a:t>
+            </a:r>
+            <a:r>
+              <a:rPr lang="pt-BR" dirty="0" smtClean="0"/>
+              <a:t>T </a:t>
+            </a:r>
+            <a:r>
+              <a:rPr lang="pt-BR" dirty="0"/>
+              <a:t>tem distribuição t de </a:t>
+            </a:r>
+            <a:r>
+              <a:rPr lang="pt-BR" dirty="0" err="1"/>
+              <a:t>Student</a:t>
+            </a:r>
+            <a:r>
+              <a:rPr lang="pt-BR" dirty="0"/>
+              <a:t> com </a:t>
+            </a:r>
+            <a:r>
+              <a:rPr lang="pt-BR" dirty="0" smtClean="0"/>
+              <a:t>n-1 </a:t>
+            </a:r>
+            <a:r>
+              <a:rPr lang="pt-BR" dirty="0"/>
+              <a:t>graus de liberdade. </a:t>
+            </a:r>
+          </a:p>
+        </p:txBody>
+      </p:sp>
+      <p:pic>
+        <p:nvPicPr>
+          <p:cNvPr id="9" name="Imagem 8"/>
+          <p:cNvPicPr>
+            <a:picLocks noChangeAspect="1"/>
+          </p:cNvPicPr>
+          <p:nvPr/>
+        </p:nvPicPr>
+        <p:blipFill>
+          <a:blip r:embed="rId4">
+            <a:extLst>
+              <a:ext uri="{28A0092B-C50C-407E-A947-70E740481C1C}">
+                <a14:useLocalDpi xmlns:a14="http://schemas.microsoft.com/office/drawing/2010/main" val="0"/>
+              </a:ext>
+            </a:extLst>
+          </a:blip>
+          <a:stretch>
+            <a:fillRect/>
+          </a:stretch>
+        </p:blipFill>
+        <p:spPr>
+          <a:xfrm>
+            <a:off x="4515053" y="2809591"/>
+            <a:ext cx="4171747" cy="3420219"/>
+          </a:xfrm>
+          <a:prstGeom prst="rect">
+            <a:avLst/>
+          </a:prstGeom>
+        </p:spPr>
+      </p:pic>
+    </p:spTree>
+    <p:extLst>
+      <p:ext uri="{BB962C8B-B14F-4D97-AF65-F5344CB8AC3E}">
+        <p14:creationId xmlns:p14="http://schemas.microsoft.com/office/powerpoint/2010/main" val="2339602367"/>
+      </p:ext>
+    </p:extLst>
+  </p:cSld>
+  <p:clrMapOvr>
+    <a:masterClrMapping/>
+  </p:clrMapOvr>
+  <p:timing>
+    <p:tnLst>
+      <p:par>
+        <p:cTn id="1" dur="indefinite" restart="never" nodeType="tmRoot"/>
+      </p:par>
+    </p:tnLst>
+  </p:timing>
+</p:sld>
+</file>
+
+<file path=ppt/slides/slide11.xml><?xml version="1.0" encoding="utf-8"?>
+<p:sld xmlns:a="http://schemas.openxmlformats.org/drawingml/2006/main" xmlns:r="http://schemas.openxmlformats.org/officeDocument/2006/relationships" xmlns:p="http://schemas.openxmlformats.org/presentationml/2006/main">
+  <p:cSld>
+    <p:spTree>
+      <p:nvGrpSpPr>
+        <p:cNvPr id="1" name=""/>
+        <p:cNvGrpSpPr/>
+        <p:nvPr/>
+      </p:nvGrpSpPr>
+      <p:grpSpPr>
+        <a:xfrm>
+          <a:off x="0" y="0"/>
+          <a:ext cx="0" cy="0"/>
+          <a:chOff x="0" y="0"/>
+          <a:chExt cx="0" cy="0"/>
+        </a:xfrm>
+      </p:grpSpPr>
+      <p:sp>
+        <p:nvSpPr>
+          <p:cNvPr id="2" name="Título 1"/>
+          <p:cNvSpPr>
+            <a:spLocks noGrp="1"/>
+          </p:cNvSpPr>
+          <p:nvPr>
+            <p:ph type="title"/>
+          </p:nvPr>
+        </p:nvSpPr>
+        <p:spPr/>
+        <p:txBody>
+          <a:bodyPr/>
+          <a:lstStyle/>
+          <a:p>
+            <a:r>
+              <a:rPr lang="pt-BR" dirty="0" smtClean="0"/>
+              <a:t>Teste t</a:t>
+            </a:r>
+            <a:endParaRPr lang="pt-BR" dirty="0"/>
+          </a:p>
+        </p:txBody>
+      </p:sp>
+      <p:pic>
+        <p:nvPicPr>
+          <p:cNvPr id="4" name="Espaço Reservado para Conteúdo 3"/>
+          <p:cNvPicPr>
+            <a:picLocks noGrp="1" noChangeAspect="1"/>
+          </p:cNvPicPr>
+          <p:nvPr>
+            <p:ph idx="1"/>
+          </p:nvPr>
+        </p:nvPicPr>
+        <p:blipFill>
+          <a:blip r:embed="rId2" cstate="print">
+            <a:extLst>
+              <a:ext uri="{28A0092B-C50C-407E-A947-70E740481C1C}">
+                <a14:useLocalDpi xmlns:a14="http://schemas.microsoft.com/office/drawing/2010/main" val="0"/>
+              </a:ext>
+            </a:extLst>
+          </a:blip>
+          <a:stretch>
+            <a:fillRect/>
+          </a:stretch>
+        </p:blipFill>
+        <p:spPr>
+          <a:xfrm>
+            <a:off x="1718614" y="2204864"/>
+            <a:ext cx="5706772" cy="3496257"/>
+          </a:xfrm>
+        </p:spPr>
+      </p:pic>
+      <p:sp>
+        <p:nvSpPr>
+          <p:cNvPr id="3" name="CaixaDeTexto 2"/>
+          <p:cNvSpPr txBox="1"/>
+          <p:nvPr/>
+        </p:nvSpPr>
+        <p:spPr>
+          <a:xfrm>
+            <a:off x="616319" y="6085435"/>
+            <a:ext cx="8075239" cy="646331"/>
+          </a:xfrm>
+          <a:prstGeom prst="rect">
+            <a:avLst/>
+          </a:prstGeom>
+          <a:noFill/>
+        </p:spPr>
+        <p:txBody>
+          <a:bodyPr wrap="square" rtlCol="0">
+            <a:spAutoFit/>
+          </a:bodyPr>
+          <a:lstStyle/>
+          <a:p>
+            <a:pPr marL="285750" indent="-285750">
+              <a:buFont typeface="Arial" panose="020B0604020202020204" pitchFamily="34" charset="0"/>
+              <a:buChar char="•"/>
+            </a:pPr>
+            <a:r>
+              <a:rPr lang="pt-BR" dirty="0" smtClean="0"/>
+              <a:t>Teste t para duas amostras independentes:</a:t>
+            </a:r>
+          </a:p>
+          <a:p>
+            <a:pPr marL="742950" lvl="1" indent="-285750">
+              <a:buFont typeface="Arial" panose="020B0604020202020204" pitchFamily="34" charset="0"/>
+              <a:buChar char="•"/>
+            </a:pPr>
+            <a:r>
+              <a:rPr lang="pt-BR" b="1" dirty="0"/>
+              <a:t>As duas amostras devem ter distribuição </a:t>
+            </a:r>
+            <a:r>
+              <a:rPr lang="pt-BR" b="1" dirty="0" smtClean="0"/>
+              <a:t>normal</a:t>
+            </a:r>
+            <a:r>
+              <a:rPr lang="pt-BR" b="1" dirty="0"/>
+              <a:t> </a:t>
+            </a:r>
+            <a:r>
+              <a:rPr lang="pt-BR" b="1" dirty="0" smtClean="0"/>
+              <a:t>e </a:t>
+            </a:r>
+            <a:r>
+              <a:rPr lang="pt-BR" b="1" dirty="0"/>
+              <a:t>ter mesma variância.</a:t>
+            </a:r>
+            <a:r>
+              <a:rPr lang="pt-BR" dirty="0" smtClean="0"/>
+              <a:t> </a:t>
+            </a:r>
+            <a:endParaRPr lang="pt-BR" dirty="0"/>
+          </a:p>
+        </p:txBody>
+      </p:sp>
+      <p:sp>
+        <p:nvSpPr>
+          <p:cNvPr id="5" name="CaixaDeTexto 4"/>
+          <p:cNvSpPr txBox="1"/>
+          <p:nvPr/>
+        </p:nvSpPr>
+        <p:spPr>
+          <a:xfrm>
+            <a:off x="1115616" y="1417638"/>
+            <a:ext cx="6984776" cy="523220"/>
+          </a:xfrm>
+          <a:prstGeom prst="rect">
+            <a:avLst/>
+          </a:prstGeom>
+          <a:noFill/>
+        </p:spPr>
+        <p:txBody>
+          <a:bodyPr wrap="square" rtlCol="0">
+            <a:spAutoFit/>
+          </a:bodyPr>
+          <a:lstStyle/>
+          <a:p>
+            <a:pPr marL="285750" indent="-285750">
+              <a:buFont typeface="Arial" panose="020B0604020202020204" pitchFamily="34" charset="0"/>
+              <a:buChar char="•"/>
+            </a:pPr>
+            <a:r>
+              <a:rPr lang="pt-BR" sz="2800" dirty="0" smtClean="0"/>
+              <a:t>Teste de Hipótese – </a:t>
+            </a:r>
+            <a:r>
+              <a:rPr lang="pt-BR" sz="2800" dirty="0" err="1" smtClean="0"/>
+              <a:t>Unicaudal</a:t>
+            </a:r>
+            <a:r>
+              <a:rPr lang="pt-BR" sz="2800" dirty="0" smtClean="0"/>
+              <a:t> ou Bicaudal</a:t>
+            </a:r>
+            <a:endParaRPr lang="pt-BR" sz="2800" dirty="0"/>
+          </a:p>
+        </p:txBody>
+      </p:sp>
+    </p:spTree>
+    <p:extLst>
+      <p:ext uri="{BB962C8B-B14F-4D97-AF65-F5344CB8AC3E}">
+        <p14:creationId xmlns:p14="http://schemas.microsoft.com/office/powerpoint/2010/main" val="467291959"/>
+      </p:ext>
+    </p:extLst>
+  </p:cSld>
+  <p:clrMapOvr>
+    <a:masterClrMapping/>
+  </p:clrMapOvr>
+</p:sld>
+</file>
+
+<file path=ppt/slides/slide12.xml><?xml version="1.0" encoding="utf-8"?>
+<p:sld xmlns:a="http://schemas.openxmlformats.org/drawingml/2006/main" xmlns:r="http://schemas.openxmlformats.org/officeDocument/2006/relationships" xmlns:p="http://schemas.openxmlformats.org/presentationml/2006/main">
+  <p:cSld>
+    <p:spTree>
+      <p:nvGrpSpPr>
+        <p:cNvPr id="1" name=""/>
+        <p:cNvGrpSpPr/>
+        <p:nvPr/>
+      </p:nvGrpSpPr>
+      <p:grpSpPr>
+        <a:xfrm>
+          <a:off x="0" y="0"/>
+          <a:ext cx="0" cy="0"/>
+          <a:chOff x="0" y="0"/>
+          <a:chExt cx="0" cy="0"/>
+        </a:xfrm>
+      </p:grpSpPr>
+      <p:sp>
+        <p:nvSpPr>
+          <p:cNvPr id="2" name="Título 1"/>
+          <p:cNvSpPr>
+            <a:spLocks noGrp="1"/>
+          </p:cNvSpPr>
+          <p:nvPr>
+            <p:ph type="title"/>
+          </p:nvPr>
+        </p:nvSpPr>
+        <p:spPr>
+          <a:xfrm>
+            <a:off x="457200" y="44624"/>
+            <a:ext cx="8229600" cy="1143000"/>
+          </a:xfrm>
+        </p:spPr>
+        <p:txBody>
+          <a:bodyPr/>
+          <a:lstStyle/>
+          <a:p>
+            <a:r>
+              <a:rPr lang="pt-BR" dirty="0" smtClean="0"/>
+              <a:t>Anova  - Exemplo prático</a:t>
+            </a:r>
+            <a:endParaRPr lang="pt-BR" dirty="0"/>
+          </a:p>
+        </p:txBody>
+      </p:sp>
+      <p:pic>
+        <p:nvPicPr>
+          <p:cNvPr id="4" name="Imagem 3"/>
+          <p:cNvPicPr>
+            <a:picLocks noChangeAspect="1"/>
+          </p:cNvPicPr>
+          <p:nvPr/>
+        </p:nvPicPr>
+        <p:blipFill>
+          <a:blip r:embed="rId2"/>
+          <a:stretch>
+            <a:fillRect/>
+          </a:stretch>
+        </p:blipFill>
+        <p:spPr>
+          <a:xfrm>
+            <a:off x="1259632" y="1052736"/>
+            <a:ext cx="6547445" cy="3639359"/>
+          </a:xfrm>
+          <a:prstGeom prst="rect">
+            <a:avLst/>
+          </a:prstGeom>
+        </p:spPr>
+      </p:pic>
+      <p:sp>
+        <p:nvSpPr>
+          <p:cNvPr id="5" name="Elipse 4"/>
+          <p:cNvSpPr/>
+          <p:nvPr/>
+        </p:nvSpPr>
+        <p:spPr>
+          <a:xfrm>
+            <a:off x="1907704" y="1268760"/>
+            <a:ext cx="1224136" cy="1152128"/>
+          </a:xfrm>
+          <a:prstGeom prst="ellipse">
+            <a:avLst/>
+          </a:prstGeom>
+          <a:noFill/>
+        </p:spPr>
+        <p:style>
+          <a:lnRef idx="2">
+            <a:schemeClr val="accent1">
+              <a:shade val="50000"/>
+            </a:schemeClr>
+          </a:lnRef>
+          <a:fillRef idx="1">
+            <a:schemeClr val="accent1"/>
+          </a:fillRef>
+          <a:effectRef idx="0">
+            <a:schemeClr val="accent1"/>
+          </a:effectRef>
+          <a:fontRef idx="minor">
+            <a:schemeClr val="lt1"/>
+          </a:fontRef>
+        </p:style>
+        <p:txBody>
+          <a:bodyPr rtlCol="0" anchor="ctr"/>
+          <a:lstStyle/>
+          <a:p>
+            <a:pPr algn="ctr"/>
+            <a:endParaRPr lang="pt-BR"/>
+          </a:p>
+        </p:txBody>
+      </p:sp>
+      <p:sp>
+        <p:nvSpPr>
+          <p:cNvPr id="9" name="CaixaDeTexto 8"/>
+          <p:cNvSpPr txBox="1"/>
+          <p:nvPr/>
+        </p:nvSpPr>
+        <p:spPr>
+          <a:xfrm>
+            <a:off x="1043608" y="5571237"/>
+            <a:ext cx="7123509" cy="954107"/>
+          </a:xfrm>
+          <a:prstGeom prst="rect">
+            <a:avLst/>
+          </a:prstGeom>
+          <a:noFill/>
+        </p:spPr>
+        <p:txBody>
+          <a:bodyPr wrap="square" rtlCol="0">
+            <a:spAutoFit/>
+          </a:bodyPr>
+          <a:lstStyle/>
+          <a:p>
+            <a:pPr algn="ctr"/>
+            <a:r>
+              <a:rPr lang="pt-BR" sz="2800" dirty="0" smtClean="0"/>
+              <a:t>Hipótese:  H</a:t>
+            </a:r>
+            <a:r>
+              <a:rPr lang="pt-BR" sz="2800" baseline="-25000" dirty="0" smtClean="0"/>
+              <a:t>0</a:t>
+            </a:r>
+            <a:r>
+              <a:rPr lang="pt-BR" sz="2800" dirty="0" smtClean="0"/>
+              <a:t>: Não existe diferença na média do tempo de reação dos três grupos </a:t>
+            </a:r>
+            <a:endParaRPr lang="pt-BR" sz="2800" dirty="0"/>
+          </a:p>
+        </p:txBody>
+      </p:sp>
+      <p:sp>
+        <p:nvSpPr>
+          <p:cNvPr id="10" name="CaixaDeTexto 9"/>
+          <p:cNvSpPr txBox="1"/>
+          <p:nvPr/>
+        </p:nvSpPr>
+        <p:spPr>
+          <a:xfrm>
+            <a:off x="2051720" y="2420888"/>
+            <a:ext cx="864096" cy="430887"/>
+          </a:xfrm>
+          <a:prstGeom prst="rect">
+            <a:avLst/>
+          </a:prstGeom>
+          <a:noFill/>
+        </p:spPr>
+        <p:txBody>
+          <a:bodyPr wrap="square" rtlCol="0">
+            <a:spAutoFit/>
+          </a:bodyPr>
+          <a:lstStyle/>
+          <a:p>
+            <a:pPr algn="ctr"/>
+            <a:r>
+              <a:rPr lang="pt-BR" sz="2200" dirty="0" smtClean="0"/>
+              <a:t>Água</a:t>
+            </a:r>
+            <a:endParaRPr lang="pt-BR" sz="2200" dirty="0"/>
+          </a:p>
+        </p:txBody>
+      </p:sp>
+      <p:sp>
+        <p:nvSpPr>
+          <p:cNvPr id="11" name="CaixaDeTexto 10"/>
+          <p:cNvSpPr txBox="1"/>
+          <p:nvPr/>
+        </p:nvSpPr>
+        <p:spPr>
+          <a:xfrm>
+            <a:off x="3419872" y="2420888"/>
+            <a:ext cx="2232248" cy="430887"/>
+          </a:xfrm>
+          <a:prstGeom prst="rect">
+            <a:avLst/>
+          </a:prstGeom>
+          <a:noFill/>
+        </p:spPr>
+        <p:txBody>
+          <a:bodyPr wrap="square" rtlCol="0">
+            <a:spAutoFit/>
+          </a:bodyPr>
+          <a:lstStyle/>
+          <a:p>
+            <a:pPr algn="ctr"/>
+            <a:r>
+              <a:rPr lang="pt-BR" sz="2200" dirty="0" smtClean="0"/>
+              <a:t>Suco de Maracujá</a:t>
+            </a:r>
+            <a:endParaRPr lang="pt-BR" sz="2200" dirty="0"/>
+          </a:p>
+        </p:txBody>
+      </p:sp>
+      <p:sp>
+        <p:nvSpPr>
+          <p:cNvPr id="12" name="CaixaDeTexto 11"/>
+          <p:cNvSpPr txBox="1"/>
+          <p:nvPr/>
+        </p:nvSpPr>
+        <p:spPr>
+          <a:xfrm>
+            <a:off x="6228184" y="2420888"/>
+            <a:ext cx="864096" cy="430887"/>
+          </a:xfrm>
+          <a:prstGeom prst="rect">
+            <a:avLst/>
+          </a:prstGeom>
+          <a:noFill/>
+        </p:spPr>
+        <p:txBody>
+          <a:bodyPr wrap="square" rtlCol="0">
+            <a:spAutoFit/>
+          </a:bodyPr>
+          <a:lstStyle/>
+          <a:p>
+            <a:pPr algn="ctr"/>
+            <a:r>
+              <a:rPr lang="pt-BR" sz="2200" dirty="0" smtClean="0"/>
+              <a:t>Café</a:t>
+            </a:r>
+            <a:endParaRPr lang="pt-BR" sz="2200" dirty="0"/>
+          </a:p>
+        </p:txBody>
+      </p:sp>
+      <p:sp>
+        <p:nvSpPr>
+          <p:cNvPr id="14" name="Retângulo 13"/>
+          <p:cNvSpPr/>
+          <p:nvPr/>
+        </p:nvSpPr>
+        <p:spPr>
+          <a:xfrm>
+            <a:off x="4293096" y="6488668"/>
+            <a:ext cx="5454352" cy="369332"/>
+          </a:xfrm>
+          <a:prstGeom prst="rect">
+            <a:avLst/>
+          </a:prstGeom>
+        </p:spPr>
+        <p:txBody>
+          <a:bodyPr wrap="square">
+            <a:spAutoFit/>
+          </a:bodyPr>
+          <a:lstStyle/>
+          <a:p>
+            <a:r>
+              <a:rPr lang="pt-BR" dirty="0"/>
+              <a:t>https://www.youtube.com/watch?v=ITf4vHhyGpc</a:t>
+            </a:r>
+          </a:p>
+        </p:txBody>
+      </p:sp>
+      <p:sp>
+        <p:nvSpPr>
+          <p:cNvPr id="13" name="CaixaDeTexto 12"/>
+          <p:cNvSpPr txBox="1"/>
+          <p:nvPr/>
+        </p:nvSpPr>
+        <p:spPr>
+          <a:xfrm>
+            <a:off x="904876" y="4365104"/>
+            <a:ext cx="7334250" cy="892552"/>
+          </a:xfrm>
+          <a:prstGeom prst="rect">
+            <a:avLst/>
+          </a:prstGeom>
+          <a:noFill/>
+        </p:spPr>
+        <p:txBody>
+          <a:bodyPr wrap="square" rtlCol="0">
+            <a:spAutoFit/>
+          </a:bodyPr>
+          <a:lstStyle/>
+          <a:p>
+            <a:pPr algn="ctr"/>
+            <a:r>
+              <a:rPr lang="pt-BR" sz="2600" dirty="0" smtClean="0"/>
+              <a:t>Grupos de 5 pessoas foram avaliados quanto ao tempo de reposta após ingerirem 3 tipos de bebidas</a:t>
+            </a:r>
+            <a:endParaRPr lang="pt-BR" sz="2600" dirty="0"/>
+          </a:p>
+        </p:txBody>
+      </p:sp>
+      <p:sp>
+        <p:nvSpPr>
+          <p:cNvPr id="15" name="Elipse 14"/>
+          <p:cNvSpPr/>
+          <p:nvPr/>
+        </p:nvSpPr>
+        <p:spPr>
+          <a:xfrm>
+            <a:off x="3923928" y="1268760"/>
+            <a:ext cx="1224136" cy="1152128"/>
+          </a:xfrm>
+          <a:prstGeom prst="ellipse">
+            <a:avLst/>
+          </a:prstGeom>
+          <a:noFill/>
+        </p:spPr>
+        <p:style>
+          <a:lnRef idx="2">
+            <a:schemeClr val="accent1">
+              <a:shade val="50000"/>
+            </a:schemeClr>
+          </a:lnRef>
+          <a:fillRef idx="1">
+            <a:schemeClr val="accent1"/>
+          </a:fillRef>
+          <a:effectRef idx="0">
+            <a:schemeClr val="accent1"/>
+          </a:effectRef>
+          <a:fontRef idx="minor">
+            <a:schemeClr val="lt1"/>
+          </a:fontRef>
+        </p:style>
+        <p:txBody>
+          <a:bodyPr rtlCol="0" anchor="ctr"/>
+          <a:lstStyle/>
+          <a:p>
+            <a:pPr algn="ctr"/>
+            <a:endParaRPr lang="pt-BR"/>
+          </a:p>
+        </p:txBody>
+      </p:sp>
+      <p:sp>
+        <p:nvSpPr>
+          <p:cNvPr id="16" name="Elipse 15"/>
+          <p:cNvSpPr/>
+          <p:nvPr/>
+        </p:nvSpPr>
+        <p:spPr>
+          <a:xfrm>
+            <a:off x="6048164" y="1268760"/>
+            <a:ext cx="1224136" cy="1152128"/>
+          </a:xfrm>
+          <a:prstGeom prst="ellipse">
+            <a:avLst/>
+          </a:prstGeom>
+          <a:noFill/>
+        </p:spPr>
+        <p:style>
+          <a:lnRef idx="2">
+            <a:schemeClr val="accent1">
+              <a:shade val="50000"/>
+            </a:schemeClr>
+          </a:lnRef>
+          <a:fillRef idx="1">
+            <a:schemeClr val="accent1"/>
+          </a:fillRef>
+          <a:effectRef idx="0">
+            <a:schemeClr val="accent1"/>
+          </a:effectRef>
+          <a:fontRef idx="minor">
+            <a:schemeClr val="lt1"/>
+          </a:fontRef>
+        </p:style>
+        <p:txBody>
+          <a:bodyPr rtlCol="0" anchor="ctr"/>
+          <a:lstStyle/>
+          <a:p>
+            <a:pPr algn="ctr"/>
+            <a:endParaRPr lang="pt-BR"/>
+          </a:p>
+        </p:txBody>
+      </p:sp>
+    </p:spTree>
+    <p:extLst>
+      <p:ext uri="{BB962C8B-B14F-4D97-AF65-F5344CB8AC3E}">
+        <p14:creationId xmlns:p14="http://schemas.microsoft.com/office/powerpoint/2010/main" val="1750575002"/>
+      </p:ext>
+    </p:extLst>
+  </p:cSld>
+  <p:clrMapOvr>
+    <a:masterClrMapping/>
+  </p:clrMapOvr>
+  <p:timing>
+    <p:tnLst>
+      <p:par>
+        <p:cTn id="1" dur="indefinite" restart="never" nodeType="tmRoot"/>
+      </p:par>
+    </p:tnLst>
+  </p:timing>
+</p:sld>
+</file>
+
+<file path=ppt/slides/slide13.xml><?xml version="1.0" encoding="utf-8"?>
+<p:sld xmlns:a="http://schemas.openxmlformats.org/drawingml/2006/main" xmlns:r="http://schemas.openxmlformats.org/officeDocument/2006/relationships" xmlns:p="http://schemas.openxmlformats.org/presentationml/2006/main">
+  <p:cSld>
+    <p:spTree>
+      <p:nvGrpSpPr>
+        <p:cNvPr id="1" name=""/>
+        <p:cNvGrpSpPr/>
+        <p:nvPr/>
+      </p:nvGrpSpPr>
+      <p:grpSpPr>
+        <a:xfrm>
+          <a:off x="0" y="0"/>
+          <a:ext cx="0" cy="0"/>
+          <a:chOff x="0" y="0"/>
+          <a:chExt cx="0" cy="0"/>
+        </a:xfrm>
+      </p:grpSpPr>
+      <p:sp>
+        <p:nvSpPr>
+          <p:cNvPr id="3" name="Espaço Reservado para Conteúdo 2"/>
+          <p:cNvSpPr>
+            <a:spLocks noGrp="1"/>
+          </p:cNvSpPr>
+          <p:nvPr>
+            <p:ph idx="1"/>
+          </p:nvPr>
+        </p:nvSpPr>
+        <p:spPr/>
+        <p:txBody>
+          <a:bodyPr/>
+          <a:lstStyle/>
+          <a:p>
+            <a:r>
+              <a:rPr lang="pt-BR" dirty="0" smtClean="0"/>
+              <a:t>Observação:</a:t>
+            </a:r>
+          </a:p>
+          <a:p>
+            <a:endParaRPr lang="pt-BR" dirty="0"/>
+          </a:p>
+          <a:p>
+            <a:endParaRPr lang="pt-BR" dirty="0" smtClean="0"/>
+          </a:p>
+          <a:p>
+            <a:endParaRPr lang="pt-BR" dirty="0"/>
+          </a:p>
+          <a:p>
+            <a:endParaRPr lang="pt-BR" dirty="0" smtClean="0"/>
+          </a:p>
+          <a:p>
+            <a:r>
+              <a:rPr lang="pt-BR" dirty="0" smtClean="0"/>
+              <a:t>Para testar apenas 2 grupos poderia ser utilizado o teste t de </a:t>
+            </a:r>
+            <a:r>
+              <a:rPr lang="pt-BR" dirty="0" err="1" smtClean="0"/>
+              <a:t>student</a:t>
+            </a:r>
+            <a:endParaRPr lang="pt-BR" dirty="0"/>
+          </a:p>
+          <a:p>
+            <a:endParaRPr lang="pt-BR" dirty="0"/>
+          </a:p>
+        </p:txBody>
+      </p:sp>
+      <p:pic>
+        <p:nvPicPr>
+          <p:cNvPr id="4" name="Imagem 3"/>
+          <p:cNvPicPr>
+            <a:picLocks noChangeAspect="1"/>
+          </p:cNvPicPr>
+          <p:nvPr/>
+        </p:nvPicPr>
+        <p:blipFill>
+          <a:blip r:embed="rId2"/>
+          <a:stretch>
+            <a:fillRect/>
+          </a:stretch>
+        </p:blipFill>
+        <p:spPr>
+          <a:xfrm>
+            <a:off x="1910016" y="2364681"/>
+            <a:ext cx="5326280" cy="2000423"/>
+          </a:xfrm>
+          <a:prstGeom prst="rect">
+            <a:avLst/>
+          </a:prstGeom>
+        </p:spPr>
+      </p:pic>
+      <p:sp>
+        <p:nvSpPr>
+          <p:cNvPr id="5" name="Retângulo 4"/>
+          <p:cNvSpPr/>
+          <p:nvPr/>
+        </p:nvSpPr>
+        <p:spPr>
+          <a:xfrm>
+            <a:off x="4293096" y="6488668"/>
+            <a:ext cx="5454352" cy="369332"/>
+          </a:xfrm>
+          <a:prstGeom prst="rect">
+            <a:avLst/>
+          </a:prstGeom>
+        </p:spPr>
+        <p:txBody>
+          <a:bodyPr wrap="square">
+            <a:spAutoFit/>
+          </a:bodyPr>
+          <a:lstStyle/>
+          <a:p>
+            <a:r>
+              <a:rPr lang="pt-BR" dirty="0"/>
+              <a:t>https://www.youtube.com/watch?v=ITf4vHhyGpc</a:t>
+            </a:r>
+          </a:p>
+        </p:txBody>
+      </p:sp>
+      <p:sp>
+        <p:nvSpPr>
+          <p:cNvPr id="6" name="Título 1"/>
+          <p:cNvSpPr>
+            <a:spLocks noGrp="1"/>
+          </p:cNvSpPr>
+          <p:nvPr>
+            <p:ph type="title"/>
+          </p:nvPr>
+        </p:nvSpPr>
+        <p:spPr>
+          <a:xfrm>
+            <a:off x="457200" y="44624"/>
+            <a:ext cx="8229600" cy="1143000"/>
+          </a:xfrm>
+        </p:spPr>
+        <p:txBody>
+          <a:bodyPr/>
+          <a:lstStyle/>
+          <a:p>
+            <a:r>
+              <a:rPr lang="pt-BR" dirty="0" smtClean="0"/>
+              <a:t>Anova  - Exemplo prático</a:t>
+            </a:r>
+            <a:endParaRPr lang="pt-BR" dirty="0"/>
+          </a:p>
+        </p:txBody>
+      </p:sp>
+    </p:spTree>
+    <p:extLst>
+      <p:ext uri="{BB962C8B-B14F-4D97-AF65-F5344CB8AC3E}">
+        <p14:creationId xmlns:p14="http://schemas.microsoft.com/office/powerpoint/2010/main" val="2227932793"/>
+      </p:ext>
+    </p:extLst>
+  </p:cSld>
+  <p:clrMapOvr>
+    <a:masterClrMapping/>
+  </p:clrMapOvr>
+  <p:timing>
+    <p:tnLst>
+      <p:par>
+        <p:cTn id="1" dur="indefinite" restart="never" nodeType="tmRoot"/>
+      </p:par>
+    </p:tnLst>
+  </p:timing>
+</p:sld>
+</file>
+
+<file path=ppt/slides/slide14.xml><?xml version="1.0" encoding="utf-8"?>
+<p:sld xmlns:a="http://schemas.openxmlformats.org/drawingml/2006/main" xmlns:r="http://schemas.openxmlformats.org/officeDocument/2006/relationships" xmlns:p="http://schemas.openxmlformats.org/presentationml/2006/main">
+  <p:cSld>
+    <p:spTree>
+      <p:nvGrpSpPr>
+        <p:cNvPr id="1" name=""/>
+        <p:cNvGrpSpPr/>
+        <p:nvPr/>
+      </p:nvGrpSpPr>
+      <p:grpSpPr>
+        <a:xfrm>
+          <a:off x="0" y="0"/>
+          <a:ext cx="0" cy="0"/>
+          <a:chOff x="0" y="0"/>
+          <a:chExt cx="0" cy="0"/>
+        </a:xfrm>
+      </p:grpSpPr>
+      <p:pic>
+        <p:nvPicPr>
+          <p:cNvPr id="6" name="Imagem 5"/>
+          <p:cNvPicPr>
+            <a:picLocks noChangeAspect="1"/>
+          </p:cNvPicPr>
+          <p:nvPr/>
+        </p:nvPicPr>
+        <p:blipFill>
+          <a:blip r:embed="rId2"/>
+          <a:stretch>
+            <a:fillRect/>
+          </a:stretch>
+        </p:blipFill>
+        <p:spPr>
+          <a:xfrm>
+            <a:off x="-36512" y="1844824"/>
+            <a:ext cx="4593714" cy="2853998"/>
+          </a:xfrm>
+          <a:prstGeom prst="rect">
+            <a:avLst/>
+          </a:prstGeom>
+        </p:spPr>
+      </p:pic>
+      <p:pic>
+        <p:nvPicPr>
+          <p:cNvPr id="7" name="Imagem 6"/>
+          <p:cNvPicPr>
+            <a:picLocks noChangeAspect="1"/>
+          </p:cNvPicPr>
+          <p:nvPr/>
+        </p:nvPicPr>
+        <p:blipFill>
+          <a:blip r:embed="rId3"/>
+          <a:stretch>
+            <a:fillRect/>
+          </a:stretch>
+        </p:blipFill>
+        <p:spPr>
+          <a:xfrm>
+            <a:off x="4716016" y="1847290"/>
+            <a:ext cx="4320480" cy="2877854"/>
+          </a:xfrm>
+          <a:prstGeom prst="rect">
+            <a:avLst/>
+          </a:prstGeom>
+        </p:spPr>
+      </p:pic>
+      <p:sp>
+        <p:nvSpPr>
+          <p:cNvPr id="8" name="Retângulo 7"/>
+          <p:cNvSpPr/>
+          <p:nvPr/>
+        </p:nvSpPr>
+        <p:spPr>
+          <a:xfrm>
+            <a:off x="0" y="1844824"/>
+            <a:ext cx="4572000" cy="3888432"/>
+          </a:xfrm>
+          <a:prstGeom prst="rect">
+            <a:avLst/>
+          </a:prstGeom>
+          <a:noFill/>
+        </p:spPr>
+        <p:style>
+          <a:lnRef idx="2">
+            <a:schemeClr val="accent1">
+              <a:shade val="50000"/>
+            </a:schemeClr>
+          </a:lnRef>
+          <a:fillRef idx="1">
+            <a:schemeClr val="accent1"/>
+          </a:fillRef>
+          <a:effectRef idx="0">
+            <a:schemeClr val="accent1"/>
+          </a:effectRef>
+          <a:fontRef idx="minor">
+            <a:schemeClr val="lt1"/>
+          </a:fontRef>
+        </p:style>
+        <p:txBody>
+          <a:bodyPr rtlCol="0" anchor="ctr"/>
+          <a:lstStyle/>
+          <a:p>
+            <a:pPr algn="ctr"/>
+            <a:endParaRPr lang="pt-BR"/>
+          </a:p>
+        </p:txBody>
+      </p:sp>
+      <p:sp>
+        <p:nvSpPr>
+          <p:cNvPr id="9" name="Retângulo 8"/>
+          <p:cNvSpPr/>
+          <p:nvPr/>
+        </p:nvSpPr>
+        <p:spPr>
+          <a:xfrm>
+            <a:off x="4608004" y="1844824"/>
+            <a:ext cx="4528851" cy="3888432"/>
+          </a:xfrm>
+          <a:prstGeom prst="rect">
+            <a:avLst/>
+          </a:prstGeom>
+          <a:noFill/>
+        </p:spPr>
+        <p:style>
+          <a:lnRef idx="2">
+            <a:schemeClr val="accent1">
+              <a:shade val="50000"/>
+            </a:schemeClr>
+          </a:lnRef>
+          <a:fillRef idx="1">
+            <a:schemeClr val="accent1"/>
+          </a:fillRef>
+          <a:effectRef idx="0">
+            <a:schemeClr val="accent1"/>
+          </a:effectRef>
+          <a:fontRef idx="minor">
+            <a:schemeClr val="lt1"/>
+          </a:fontRef>
+        </p:style>
+        <p:txBody>
+          <a:bodyPr rtlCol="0" anchor="ctr"/>
+          <a:lstStyle/>
+          <a:p>
+            <a:pPr algn="ctr"/>
+            <a:endParaRPr lang="pt-BR"/>
+          </a:p>
+        </p:txBody>
+      </p:sp>
+      <p:sp>
+        <p:nvSpPr>
+          <p:cNvPr id="10" name="CaixaDeTexto 9"/>
+          <p:cNvSpPr txBox="1"/>
+          <p:nvPr/>
+        </p:nvSpPr>
+        <p:spPr>
+          <a:xfrm>
+            <a:off x="447196" y="4998647"/>
+            <a:ext cx="3811111" cy="430887"/>
+          </a:xfrm>
+          <a:prstGeom prst="rect">
+            <a:avLst/>
+          </a:prstGeom>
+          <a:noFill/>
+        </p:spPr>
+        <p:txBody>
+          <a:bodyPr wrap="square" rtlCol="0">
+            <a:spAutoFit/>
+          </a:bodyPr>
+          <a:lstStyle/>
+          <a:p>
+            <a:pPr algn="ctr"/>
+            <a:r>
+              <a:rPr lang="pt-BR" sz="2200" dirty="0" smtClean="0"/>
+              <a:t>Variação dentro de cada grupo</a:t>
+            </a:r>
+            <a:endParaRPr lang="pt-BR" sz="2200" dirty="0"/>
+          </a:p>
+        </p:txBody>
+      </p:sp>
+      <p:sp>
+        <p:nvSpPr>
+          <p:cNvPr id="11" name="CaixaDeTexto 10"/>
+          <p:cNvSpPr txBox="1"/>
+          <p:nvPr/>
+        </p:nvSpPr>
+        <p:spPr>
+          <a:xfrm>
+            <a:off x="5081369" y="5014337"/>
+            <a:ext cx="3811111" cy="430887"/>
+          </a:xfrm>
+          <a:prstGeom prst="rect">
+            <a:avLst/>
+          </a:prstGeom>
+          <a:noFill/>
+        </p:spPr>
+        <p:txBody>
+          <a:bodyPr wrap="square" rtlCol="0">
+            <a:spAutoFit/>
+          </a:bodyPr>
+          <a:lstStyle/>
+          <a:p>
+            <a:pPr algn="ctr"/>
+            <a:r>
+              <a:rPr lang="pt-BR" sz="2200" dirty="0" smtClean="0"/>
+              <a:t>Variação entre os grupos</a:t>
+            </a:r>
+            <a:endParaRPr lang="pt-BR" sz="2200" dirty="0"/>
+          </a:p>
+        </p:txBody>
+      </p:sp>
+      <p:sp>
+        <p:nvSpPr>
+          <p:cNvPr id="12" name="Retângulo 11"/>
+          <p:cNvSpPr/>
+          <p:nvPr/>
+        </p:nvSpPr>
+        <p:spPr>
+          <a:xfrm>
+            <a:off x="4293096" y="6488668"/>
+            <a:ext cx="5454352" cy="369332"/>
+          </a:xfrm>
+          <a:prstGeom prst="rect">
+            <a:avLst/>
+          </a:prstGeom>
+        </p:spPr>
+        <p:txBody>
+          <a:bodyPr wrap="square">
+            <a:spAutoFit/>
+          </a:bodyPr>
+          <a:lstStyle/>
+          <a:p>
+            <a:r>
+              <a:rPr lang="pt-BR" dirty="0"/>
+              <a:t>https://www.youtube.com/watch?v=ITf4vHhyGpc</a:t>
+            </a:r>
+          </a:p>
+        </p:txBody>
+      </p:sp>
+      <p:sp>
+        <p:nvSpPr>
+          <p:cNvPr id="13" name="Título 1"/>
+          <p:cNvSpPr>
+            <a:spLocks noGrp="1"/>
+          </p:cNvSpPr>
+          <p:nvPr>
+            <p:ph type="title"/>
+          </p:nvPr>
+        </p:nvSpPr>
+        <p:spPr>
+          <a:xfrm>
+            <a:off x="457200" y="44624"/>
+            <a:ext cx="8229600" cy="1143000"/>
+          </a:xfrm>
+        </p:spPr>
+        <p:txBody>
+          <a:bodyPr/>
+          <a:lstStyle/>
+          <a:p>
+            <a:r>
+              <a:rPr lang="pt-BR" dirty="0" smtClean="0"/>
+              <a:t>Anova  - Exemplo prático</a:t>
+            </a:r>
+            <a:endParaRPr lang="pt-BR" dirty="0"/>
+          </a:p>
+        </p:txBody>
+      </p:sp>
+    </p:spTree>
+    <p:extLst>
+      <p:ext uri="{BB962C8B-B14F-4D97-AF65-F5344CB8AC3E}">
+        <p14:creationId xmlns:p14="http://schemas.microsoft.com/office/powerpoint/2010/main" val="4220033582"/>
+      </p:ext>
+    </p:extLst>
+  </p:cSld>
+  <p:clrMapOvr>
+    <a:masterClrMapping/>
+  </p:clrMapOvr>
+  <p:timing>
+    <p:tnLst>
+      <p:par>
+        <p:cTn id="1" dur="indefinite" restart="never" nodeType="tmRoot"/>
+      </p:par>
+    </p:tnLst>
+  </p:timing>
+</p:sld>
+</file>
+
+<file path=ppt/slides/slide15.xml><?xml version="1.0" encoding="utf-8"?>
+<p:sld xmlns:a="http://schemas.openxmlformats.org/drawingml/2006/main" xmlns:r="http://schemas.openxmlformats.org/officeDocument/2006/relationships" xmlns:p="http://schemas.openxmlformats.org/presentationml/2006/main">
+  <p:cSld>
+    <p:spTree>
+      <p:nvGrpSpPr>
+        <p:cNvPr id="1" name=""/>
+        <p:cNvGrpSpPr/>
+        <p:nvPr/>
+      </p:nvGrpSpPr>
+      <p:grpSpPr>
+        <a:xfrm>
+          <a:off x="0" y="0"/>
+          <a:ext cx="0" cy="0"/>
+          <a:chOff x="0" y="0"/>
+          <a:chExt cx="0" cy="0"/>
+        </a:xfrm>
+      </p:grpSpPr>
+      <p:sp>
+        <p:nvSpPr>
+          <p:cNvPr id="3" name="Espaço Reservado para Conteúdo 2"/>
+          <p:cNvSpPr>
+            <a:spLocks noGrp="1"/>
+          </p:cNvSpPr>
+          <p:nvPr>
+            <p:ph idx="1"/>
+          </p:nvPr>
+        </p:nvSpPr>
+        <p:spPr/>
+        <p:txBody>
+          <a:bodyPr/>
+          <a:lstStyle/>
+          <a:p>
+            <a:endParaRPr lang="pt-BR" dirty="0" smtClean="0"/>
+          </a:p>
+          <a:p>
+            <a:endParaRPr lang="pt-BR" dirty="0"/>
+          </a:p>
+          <a:p>
+            <a:pPr algn="ctr"/>
+            <a:r>
+              <a:rPr lang="pt-BR" sz="4500" dirty="0" smtClean="0"/>
+              <a:t>Exemplo 1</a:t>
+            </a:r>
+            <a:endParaRPr lang="pt-BR" sz="4500" dirty="0"/>
+          </a:p>
+        </p:txBody>
+      </p:sp>
+    </p:spTree>
+    <p:extLst>
+      <p:ext uri="{BB962C8B-B14F-4D97-AF65-F5344CB8AC3E}">
+        <p14:creationId xmlns:p14="http://schemas.microsoft.com/office/powerpoint/2010/main" val="3701737634"/>
+      </p:ext>
+    </p:extLst>
+  </p:cSld>
+  <p:clrMapOvr>
+    <a:masterClrMapping/>
+  </p:clrMapOvr>
+  <p:timing>
+    <p:tnLst>
+      <p:par>
+        <p:cTn id="1" dur="indefinite" restart="never" nodeType="tmRoot"/>
+      </p:par>
+    </p:tnLst>
+  </p:timing>
+</p:sld>
+</file>
+
+<file path=ppt/slides/slide16.xml><?xml version="1.0" encoding="utf-8"?>
+<p:sld xmlns:a="http://schemas.openxmlformats.org/drawingml/2006/main" xmlns:r="http://schemas.openxmlformats.org/officeDocument/2006/relationships" xmlns:p="http://schemas.openxmlformats.org/presentationml/2006/main">
+  <p:cSld>
+    <p:spTree>
+      <p:nvGrpSpPr>
+        <p:cNvPr id="1" name=""/>
+        <p:cNvGrpSpPr/>
+        <p:nvPr/>
+      </p:nvGrpSpPr>
+      <p:grpSpPr>
+        <a:xfrm>
+          <a:off x="0" y="0"/>
+          <a:ext cx="0" cy="0"/>
+          <a:chOff x="0" y="0"/>
+          <a:chExt cx="0" cy="0"/>
+        </a:xfrm>
+      </p:grpSpPr>
+      <p:sp>
+        <p:nvSpPr>
+          <p:cNvPr id="2" name="Título 1"/>
+          <p:cNvSpPr>
+            <a:spLocks noGrp="1"/>
+          </p:cNvSpPr>
+          <p:nvPr>
+            <p:ph type="title"/>
+          </p:nvPr>
+        </p:nvSpPr>
+        <p:spPr/>
+        <p:txBody>
+          <a:bodyPr/>
+          <a:lstStyle/>
+          <a:p>
+            <a:r>
+              <a:rPr lang="pt-BR" dirty="0" smtClean="0"/>
+              <a:t>Exemplo 1</a:t>
+            </a:r>
             <a:endParaRPr lang="pt-BR" dirty="0"/>
           </a:p>
         </p:txBody>
@@ -3940,7 +5406,7 @@
 </p:sld>
 </file>
 
-<file path=ppt/slides/slide11.xml><?xml version="1.0" encoding="utf-8"?>
+<file path=ppt/slides/slide17.xml><?xml version="1.0" encoding="utf-8"?>
 <p:sld xmlns:a="http://schemas.openxmlformats.org/drawingml/2006/main" xmlns:r="http://schemas.openxmlformats.org/officeDocument/2006/relationships" xmlns:p="http://schemas.openxmlformats.org/presentationml/2006/main">
   <p:cSld>
     <p:spTree>
@@ -3972,7 +5438,11 @@
           <a:bodyPr/>
           <a:lstStyle/>
           <a:p>
-            <a:endParaRPr lang="pt-BR"/>
+            <a:r>
+              <a:rPr lang="pt-BR" dirty="0" smtClean="0"/>
+              <a:t>Exemplo 1</a:t>
+            </a:r>
+            <a:endParaRPr lang="pt-BR" dirty="0"/>
           </a:p>
         </p:txBody>
       </p:sp>
@@ -4098,7 +5568,7 @@
 </p:sld>
 </file>
 
-<file path=ppt/slides/slide12.xml><?xml version="1.0" encoding="utf-8"?>
+<file path=ppt/slides/slide18.xml><?xml version="1.0" encoding="utf-8"?>
 <p:sld xmlns:a="http://schemas.openxmlformats.org/drawingml/2006/main" xmlns:r="http://schemas.openxmlformats.org/officeDocument/2006/relationships" xmlns:p="http://schemas.openxmlformats.org/presentationml/2006/main">
   <p:cSld>
     <p:spTree>
@@ -4130,7 +5600,11 @@
           <a:bodyPr/>
           <a:lstStyle/>
           <a:p>
-            <a:endParaRPr lang="pt-BR"/>
+            <a:r>
+              <a:rPr lang="pt-BR" dirty="0" smtClean="0"/>
+              <a:t>Exemplo 1</a:t>
+            </a:r>
+            <a:endParaRPr lang="pt-BR" dirty="0"/>
           </a:p>
         </p:txBody>
       </p:sp>
@@ -4256,7 +5730,7 @@
 </p:sld>
 </file>
 
-<file path=ppt/slides/slide13.xml><?xml version="1.0" encoding="utf-8"?>
+<file path=ppt/slides/slide19.xml><?xml version="1.0" encoding="utf-8"?>
 <p:sld xmlns:a="http://schemas.openxmlformats.org/drawingml/2006/main" xmlns:r="http://schemas.openxmlformats.org/officeDocument/2006/relationships" xmlns:p="http://schemas.openxmlformats.org/presentationml/2006/main">
   <p:cSld>
     <p:spTree>
@@ -4323,7 +5797,7 @@
 </p:sld>
 </file>
 
-<file path=ppt/slides/slide14.xml><?xml version="1.0" encoding="utf-8"?>
+<file path=ppt/slides/slide2.xml><?xml version="1.0" encoding="utf-8"?>
 <p:sld xmlns:a="http://schemas.openxmlformats.org/drawingml/2006/main" xmlns:r="http://schemas.openxmlformats.org/officeDocument/2006/relationships" xmlns:p="http://schemas.openxmlformats.org/presentationml/2006/main">
   <p:cSld>
     <p:spTree>
@@ -4355,7 +5829,114 @@
           <a:bodyPr/>
           <a:lstStyle/>
           <a:p>
-            <a:endParaRPr lang="pt-BR"/>
+            <a:r>
+              <a:rPr lang="pt-BR" dirty="0"/>
+              <a:t>O que é estatística?</a:t>
+            </a:r>
+          </a:p>
+        </p:txBody>
+      </p:sp>
+      <p:sp>
+        <p:nvSpPr>
+          <p:cNvPr id="3" name="Espaço Reservado para Conteúdo 2"/>
+          <p:cNvSpPr>
+            <a:spLocks noGrp="1"/>
+          </p:cNvSpPr>
+          <p:nvPr>
+            <p:ph idx="1"/>
+          </p:nvPr>
+        </p:nvSpPr>
+        <p:spPr/>
+        <p:txBody>
+          <a:bodyPr/>
+          <a:lstStyle/>
+          <a:p>
+            <a:r>
+              <a:rPr lang="pt-BR" dirty="0"/>
+              <a:t>R</a:t>
+            </a:r>
+            <a:r>
+              <a:rPr lang="pt-BR" dirty="0" smtClean="0"/>
+              <a:t>amo da matemática que trata da coleta, da análise, da interpretação e da apresentação de massas de dados numéricos (</a:t>
+            </a:r>
+            <a:r>
+              <a:rPr lang="pt-BR" dirty="0" err="1" smtClean="0"/>
+              <a:t>google</a:t>
+            </a:r>
+            <a:r>
+              <a:rPr lang="pt-BR" dirty="0" smtClean="0"/>
+              <a:t>)</a:t>
+            </a:r>
+          </a:p>
+          <a:p>
+            <a:endParaRPr lang="pt-BR" dirty="0"/>
+          </a:p>
+          <a:p>
+            <a:r>
+              <a:rPr lang="pt-BR" dirty="0" smtClean="0"/>
+              <a:t> ...é um conjunto de métodos usados para se analisar dados. Ou, medidas resultantes de um conjunto de dados (leg.ufpr.br)</a:t>
+            </a:r>
+            <a:endParaRPr lang="pt-BR" dirty="0"/>
+          </a:p>
+        </p:txBody>
+      </p:sp>
+    </p:spTree>
+    <p:extLst>
+      <p:ext uri="{BB962C8B-B14F-4D97-AF65-F5344CB8AC3E}">
+        <p14:creationId xmlns:p14="http://schemas.microsoft.com/office/powerpoint/2010/main" val="776349072"/>
+      </p:ext>
+    </p:extLst>
+  </p:cSld>
+  <p:clrMapOvr>
+    <a:masterClrMapping/>
+  </p:clrMapOvr>
+  <p:timing>
+    <p:tnLst>
+      <p:par>
+        <p:cTn id="1" dur="indefinite" restart="never" nodeType="tmRoot"/>
+      </p:par>
+    </p:tnLst>
+  </p:timing>
+</p:sld>
+</file>
+
+<file path=ppt/slides/slide20.xml><?xml version="1.0" encoding="utf-8"?>
+<p:sld xmlns:a="http://schemas.openxmlformats.org/drawingml/2006/main" xmlns:r="http://schemas.openxmlformats.org/officeDocument/2006/relationships" xmlns:p="http://schemas.openxmlformats.org/presentationml/2006/main">
+  <p:cSld>
+    <p:spTree>
+      <p:nvGrpSpPr>
+        <p:cNvPr id="1" name=""/>
+        <p:cNvGrpSpPr/>
+        <p:nvPr/>
+      </p:nvGrpSpPr>
+      <p:grpSpPr>
+        <a:xfrm>
+          <a:off x="0" y="0"/>
+          <a:ext cx="0" cy="0"/>
+          <a:chOff x="0" y="0"/>
+          <a:chExt cx="0" cy="0"/>
+        </a:xfrm>
+      </p:grpSpPr>
+      <p:sp>
+        <p:nvSpPr>
+          <p:cNvPr id="2" name="Título 1"/>
+          <p:cNvSpPr>
+            <a:spLocks noGrp="1"/>
+          </p:cNvSpPr>
+          <p:nvPr>
+            <p:ph type="title"/>
+          </p:nvPr>
+        </p:nvSpPr>
+        <p:spPr/>
+        <p:txBody>
+          <a:bodyPr/>
+          <a:lstStyle/>
+          <a:p>
+            <a:r>
+              <a:rPr lang="pt-BR" dirty="0" smtClean="0"/>
+              <a:t>Exemplo 2</a:t>
+            </a:r>
+            <a:endParaRPr lang="pt-BR" dirty="0"/>
           </a:p>
         </p:txBody>
       </p:sp>
@@ -4481,7 +6062,7 @@
 </p:sld>
 </file>
 
-<file path=ppt/slides/slide15.xml><?xml version="1.0" encoding="utf-8"?>
+<file path=ppt/slides/slide21.xml><?xml version="1.0" encoding="utf-8"?>
 <p:sld xmlns:a="http://schemas.openxmlformats.org/drawingml/2006/main" xmlns:r="http://schemas.openxmlformats.org/officeDocument/2006/relationships" xmlns:p="http://schemas.openxmlformats.org/presentationml/2006/main">
   <p:cSld>
     <p:spTree>
@@ -4513,7 +6094,11 @@
           <a:bodyPr/>
           <a:lstStyle/>
           <a:p>
-            <a:endParaRPr lang="pt-BR"/>
+            <a:r>
+              <a:rPr lang="pt-BR" dirty="0" smtClean="0"/>
+              <a:t>Exemplo 2</a:t>
+            </a:r>
+            <a:endParaRPr lang="pt-BR" dirty="0"/>
           </a:p>
         </p:txBody>
       </p:sp>
@@ -4639,7 +6224,7 @@
 </p:sld>
 </file>
 
-<file path=ppt/slides/slide16.xml><?xml version="1.0" encoding="utf-8"?>
+<file path=ppt/slides/slide22.xml><?xml version="1.0" encoding="utf-8"?>
 <p:sld xmlns:a="http://schemas.openxmlformats.org/drawingml/2006/main" xmlns:r="http://schemas.openxmlformats.org/officeDocument/2006/relationships" xmlns:p="http://schemas.openxmlformats.org/presentationml/2006/main">
   <p:cSld>
     <p:spTree>
@@ -4671,7 +6256,11 @@
           <a:bodyPr/>
           <a:lstStyle/>
           <a:p>
-            <a:endParaRPr lang="pt-BR"/>
+            <a:r>
+              <a:rPr lang="pt-BR" dirty="0" smtClean="0"/>
+              <a:t>Exemplo 2</a:t>
+            </a:r>
+            <a:endParaRPr lang="pt-BR" dirty="0"/>
           </a:p>
         </p:txBody>
       </p:sp>
@@ -4804,7 +6393,7 @@
 </p:sld>
 </file>
 
-<file path=ppt/slides/slide17.xml><?xml version="1.0" encoding="utf-8"?>
+<file path=ppt/slides/slide23.xml><?xml version="1.0" encoding="utf-8"?>
 <p:sld xmlns:a="http://schemas.openxmlformats.org/drawingml/2006/main" xmlns:r="http://schemas.openxmlformats.org/officeDocument/2006/relationships" xmlns:p="http://schemas.openxmlformats.org/presentationml/2006/main">
   <p:cSld>
     <p:spTree>
@@ -5154,7 +6743,7 @@
 </p:sld>
 </file>
 
-<file path=ppt/slides/slide18.xml><?xml version="1.0" encoding="utf-8"?>
+<file path=ppt/slides/slide24.xml><?xml version="1.0" encoding="utf-8"?>
 <p:sld xmlns:a="http://schemas.openxmlformats.org/drawingml/2006/main" xmlns:r="http://schemas.openxmlformats.org/officeDocument/2006/relationships" xmlns:p="http://schemas.openxmlformats.org/presentationml/2006/main">
   <p:cSld>
     <p:spTree>
@@ -5600,7 +7189,7 @@
 </p:sld>
 </file>
 
-<file path=ppt/slides/slide19.xml><?xml version="1.0" encoding="utf-8"?>
+<file path=ppt/slides/slide25.xml><?xml version="1.0" encoding="utf-8"?>
 <p:sld xmlns:a="http://schemas.openxmlformats.org/drawingml/2006/main" xmlns:r="http://schemas.openxmlformats.org/officeDocument/2006/relationships" xmlns:p="http://schemas.openxmlformats.org/presentationml/2006/main">
   <p:cSld>
     <p:spTree>
@@ -5938,110 +7527,7 @@
 </p:sld>
 </file>
 
-<file path=ppt/slides/slide2.xml><?xml version="1.0" encoding="utf-8"?>
-<p:sld xmlns:a="http://schemas.openxmlformats.org/drawingml/2006/main" xmlns:r="http://schemas.openxmlformats.org/officeDocument/2006/relationships" xmlns:p="http://schemas.openxmlformats.org/presentationml/2006/main">
-  <p:cSld>
-    <p:spTree>
-      <p:nvGrpSpPr>
-        <p:cNvPr id="1" name=""/>
-        <p:cNvGrpSpPr/>
-        <p:nvPr/>
-      </p:nvGrpSpPr>
-      <p:grpSpPr>
-        <a:xfrm>
-          <a:off x="0" y="0"/>
-          <a:ext cx="0" cy="0"/>
-          <a:chOff x="0" y="0"/>
-          <a:chExt cx="0" cy="0"/>
-        </a:xfrm>
-      </p:grpSpPr>
-      <p:sp>
-        <p:nvSpPr>
-          <p:cNvPr id="2" name="Título 1"/>
-          <p:cNvSpPr>
-            <a:spLocks noGrp="1"/>
-          </p:cNvSpPr>
-          <p:nvPr>
-            <p:ph type="title"/>
-          </p:nvPr>
-        </p:nvSpPr>
-        <p:spPr/>
-        <p:txBody>
-          <a:bodyPr/>
-          <a:lstStyle/>
-          <a:p>
-            <a:r>
-              <a:rPr lang="pt-BR" dirty="0"/>
-              <a:t>O que é estatística?</a:t>
-            </a:r>
-          </a:p>
-        </p:txBody>
-      </p:sp>
-      <p:sp>
-        <p:nvSpPr>
-          <p:cNvPr id="3" name="Espaço Reservado para Conteúdo 2"/>
-          <p:cNvSpPr>
-            <a:spLocks noGrp="1"/>
-          </p:cNvSpPr>
-          <p:nvPr>
-            <p:ph idx="1"/>
-          </p:nvPr>
-        </p:nvSpPr>
-        <p:spPr/>
-        <p:txBody>
-          <a:bodyPr/>
-          <a:lstStyle/>
-          <a:p>
-            <a:r>
-              <a:rPr lang="pt-BR" dirty="0"/>
-              <a:t>R</a:t>
-            </a:r>
-            <a:r>
-              <a:rPr lang="pt-BR" dirty="0" smtClean="0"/>
-              <a:t>amo da matemática que trata da coleta, da análise, da interpretação e da apresentação de massas de dados numéricos (</a:t>
-            </a:r>
-            <a:r>
-              <a:rPr lang="pt-BR" dirty="0" err="1" smtClean="0"/>
-              <a:t>google</a:t>
-            </a:r>
-            <a:r>
-              <a:rPr lang="pt-BR" dirty="0" smtClean="0"/>
-              <a:t>)</a:t>
-            </a:r>
-          </a:p>
-          <a:p>
-            <a:endParaRPr lang="pt-BR" dirty="0"/>
-          </a:p>
-          <a:p>
-            <a:r>
-              <a:rPr lang="pt-BR" dirty="0" smtClean="0"/>
-              <a:t> ...é um conjunto de métodos usados para se analisar dados. Ou, medidas resultantes de um conjunto de dados (leg.ufpr.br)</a:t>
-            </a:r>
-            <a:endParaRPr lang="pt-BR" dirty="0"/>
-          </a:p>
-        </p:txBody>
-      </p:sp>
-    </p:spTree>
-    <p:extLst>
-      <p:ext uri="{BB962C8B-B14F-4D97-AF65-F5344CB8AC3E}">
-        <p14:creationId xmlns:p14="http://schemas.microsoft.com/office/powerpoint/2010/main" val="776349072"/>
-      </p:ext>
-    </p:extLst>
-  </p:cSld>
-  <p:clrMapOvr>
-    <a:masterClrMapping/>
-  </p:clrMapOvr>
-  <p:timing>
-    <p:tnLst>
-      <p:par>
-        <p:cTn id="1" dur="indefinite" restart="never" nodeType="tmRoot"/>
-      </p:par>
-    </p:tnLst>
-  </p:timing>
-</p:sld>
-</file>
-
-<file path=ppt/slides/slide20.xml><?xml version="1.0" encoding="utf-8"?>
+<file path=ppt/slides/slide26.xml><?xml version="1.0" encoding="utf-8"?>
 <p:sld xmlns:a="http://schemas.openxmlformats.org/drawingml/2006/main" xmlns:r="http://schemas.openxmlformats.org/officeDocument/2006/relationships" xmlns:p="http://schemas.openxmlformats.org/presentationml/2006/main">
   <p:cSld>
     <p:spTree>
@@ -6205,7 +7691,7 @@
 </p:sld>
 </file>
 
-<file path=ppt/slides/slide21.xml><?xml version="1.0" encoding="utf-8"?>
+<file path=ppt/slides/slide27.xml><?xml version="1.0" encoding="utf-8"?>
 <p:sld xmlns:a="http://schemas.openxmlformats.org/drawingml/2006/main" xmlns:r="http://schemas.openxmlformats.org/officeDocument/2006/relationships" xmlns:p="http://schemas.openxmlformats.org/presentationml/2006/main">
   <p:cSld>
     <p:spTree>
@@ -6327,7 +7813,7 @@
 </p:sld>
 </file>
 
-<file path=ppt/slides/slide22.xml><?xml version="1.0" encoding="utf-8"?>
+<file path=ppt/slides/slide28.xml><?xml version="1.0" encoding="utf-8"?>
 <p:sld xmlns:a="http://schemas.openxmlformats.org/drawingml/2006/main" xmlns:r="http://schemas.openxmlformats.org/officeDocument/2006/relationships" xmlns:p="http://schemas.openxmlformats.org/presentationml/2006/main">
   <p:cSld>
     <p:spTree>
@@ -6487,7 +7973,7 @@
 </p:sld>
 </file>
 
-<file path=ppt/slides/slide23.xml><?xml version="1.0" encoding="utf-8"?>
+<file path=ppt/slides/slide29.xml><?xml version="1.0" encoding="utf-8"?>
 <p:sld xmlns:a="http://schemas.openxmlformats.org/drawingml/2006/main" xmlns:r="http://schemas.openxmlformats.org/officeDocument/2006/relationships" xmlns:p="http://schemas.openxmlformats.org/presentationml/2006/main">
   <p:cSld>
     <p:spTree>
@@ -6663,7 +8149,150 @@
 </p:sld>
 </file>
 
-<file path=ppt/slides/slide24.xml><?xml version="1.0" encoding="utf-8"?>
+<file path=ppt/slides/slide3.xml><?xml version="1.0" encoding="utf-8"?>
+<p:sld xmlns:a="http://schemas.openxmlformats.org/drawingml/2006/main" xmlns:r="http://schemas.openxmlformats.org/officeDocument/2006/relationships" xmlns:p="http://schemas.openxmlformats.org/presentationml/2006/main">
+  <p:cSld>
+    <p:spTree>
+      <p:nvGrpSpPr>
+        <p:cNvPr id="1" name=""/>
+        <p:cNvGrpSpPr/>
+        <p:nvPr/>
+      </p:nvGrpSpPr>
+      <p:grpSpPr>
+        <a:xfrm>
+          <a:off x="0" y="0"/>
+          <a:ext cx="0" cy="0"/>
+          <a:chOff x="0" y="0"/>
+          <a:chExt cx="0" cy="0"/>
+        </a:xfrm>
+      </p:grpSpPr>
+      <p:sp>
+        <p:nvSpPr>
+          <p:cNvPr id="2" name="Título 1"/>
+          <p:cNvSpPr>
+            <a:spLocks noGrp="1"/>
+          </p:cNvSpPr>
+          <p:nvPr>
+            <p:ph type="title"/>
+          </p:nvPr>
+        </p:nvSpPr>
+        <p:spPr/>
+        <p:txBody>
+          <a:bodyPr/>
+          <a:lstStyle/>
+          <a:p>
+            <a:r>
+              <a:rPr lang="pt-BR" dirty="0"/>
+              <a:t>O que é estatística?</a:t>
+            </a:r>
+          </a:p>
+        </p:txBody>
+      </p:sp>
+      <p:sp>
+        <p:nvSpPr>
+          <p:cNvPr id="3" name="Espaço Reservado para Conteúdo 2"/>
+          <p:cNvSpPr>
+            <a:spLocks noGrp="1"/>
+          </p:cNvSpPr>
+          <p:nvPr>
+            <p:ph idx="1"/>
+          </p:nvPr>
+        </p:nvSpPr>
+        <p:spPr>
+          <a:xfrm>
+            <a:off x="457200" y="1600200"/>
+            <a:ext cx="8229600" cy="4853136"/>
+          </a:xfrm>
+        </p:spPr>
+        <p:txBody>
+          <a:bodyPr>
+            <a:normAutofit/>
+          </a:bodyPr>
+          <a:lstStyle/>
+          <a:p>
+            <a:pPr algn="just"/>
+            <a:r>
+              <a:rPr lang="pt-BR" dirty="0" smtClean="0"/>
+              <a:t>"</a:t>
+            </a:r>
+            <a:r>
+              <a:rPr lang="pt-BR" dirty="0"/>
+              <a:t>A estatística é a arte de torturar os números até que eles </a:t>
+            </a:r>
+            <a:r>
+              <a:rPr lang="pt-BR" dirty="0" smtClean="0"/>
+              <a:t>confessem“</a:t>
+            </a:r>
+          </a:p>
+          <a:p>
+            <a:pPr marL="0" lvl="3" indent="0" algn="ctr">
+              <a:buNone/>
+            </a:pPr>
+            <a:r>
+              <a:rPr lang="pt-BR" dirty="0"/>
+              <a:t>(</a:t>
+            </a:r>
+            <a:r>
+              <a:rPr lang="pt-BR" dirty="0">
+                <a:hlinkClick r:id="rId2"/>
+              </a:rPr>
+              <a:t>http://www.ufpa.br/dicas/cartao/fra-esta.html</a:t>
+            </a:r>
+            <a:r>
+              <a:rPr lang="pt-BR" dirty="0"/>
+              <a:t>)</a:t>
+            </a:r>
+          </a:p>
+          <a:p>
+            <a:pPr algn="just"/>
+            <a:endParaRPr lang="pt-BR" dirty="0"/>
+          </a:p>
+          <a:p>
+            <a:pPr algn="just"/>
+            <a:r>
+              <a:rPr lang="pt-BR" dirty="0" smtClean="0"/>
+              <a:t> “Números não mentem, mas têm a propensão de dizer a verdade com intenção de enganar” </a:t>
+            </a:r>
+            <a:r>
+              <a:rPr lang="pt-BR" sz="2800" dirty="0" smtClean="0"/>
+              <a:t>(Eric </a:t>
+            </a:r>
+            <a:r>
+              <a:rPr lang="pt-BR" sz="2800" dirty="0" err="1" smtClean="0"/>
+              <a:t>Temple</a:t>
+            </a:r>
+            <a:r>
+              <a:rPr lang="pt-BR" sz="2800" dirty="0" smtClean="0"/>
+              <a:t> Bell)</a:t>
+            </a:r>
+          </a:p>
+          <a:p>
+            <a:pPr algn="just"/>
+            <a:endParaRPr lang="pt-BR" sz="2800" dirty="0"/>
+          </a:p>
+        </p:txBody>
+      </p:sp>
+    </p:spTree>
+    <p:extLst>
+      <p:ext uri="{BB962C8B-B14F-4D97-AF65-F5344CB8AC3E}">
+        <p14:creationId xmlns:p14="http://schemas.microsoft.com/office/powerpoint/2010/main" val="1667332735"/>
+      </p:ext>
+    </p:extLst>
+  </p:cSld>
+  <p:clrMapOvr>
+    <a:masterClrMapping/>
+  </p:clrMapOvr>
+  <p:timing>
+    <p:tnLst>
+      <p:par>
+        <p:cTn id="1" dur="indefinite" restart="never" nodeType="tmRoot"/>
+      </p:par>
+    </p:tnLst>
+  </p:timing>
+</p:sld>
+</file>
+
+<file path=ppt/slides/slide30.xml><?xml version="1.0" encoding="utf-8"?>
 <p:sld xmlns:a="http://schemas.openxmlformats.org/drawingml/2006/main" xmlns:r="http://schemas.openxmlformats.org/officeDocument/2006/relationships" xmlns:p="http://schemas.openxmlformats.org/presentationml/2006/main">
   <p:cSld>
     <p:spTree>
@@ -6937,329 +8566,7 @@
 </p:sld>
 </file>
 
-<file path=ppt/slides/slide25.xml><?xml version="1.0" encoding="utf-8"?>
-<p:sld xmlns:a="http://schemas.openxmlformats.org/drawingml/2006/main" xmlns:r="http://schemas.openxmlformats.org/officeDocument/2006/relationships" xmlns:p="http://schemas.openxmlformats.org/presentationml/2006/main">
-  <p:cSld>
-    <p:spTree>
-      <p:nvGrpSpPr>
-        <p:cNvPr id="1" name=""/>
-        <p:cNvGrpSpPr/>
-        <p:nvPr/>
-      </p:nvGrpSpPr>
-      <p:grpSpPr>
-        <a:xfrm>
-          <a:off x="0" y="0"/>
-          <a:ext cx="0" cy="0"/>
-          <a:chOff x="0" y="0"/>
-          <a:chExt cx="0" cy="0"/>
-        </a:xfrm>
-      </p:grpSpPr>
-      <p:sp>
-        <p:nvSpPr>
-          <p:cNvPr id="2" name="Título 1"/>
-          <p:cNvSpPr>
-            <a:spLocks noGrp="1"/>
-          </p:cNvSpPr>
-          <p:nvPr>
-            <p:ph type="title"/>
-          </p:nvPr>
-        </p:nvSpPr>
-        <p:spPr/>
-        <p:txBody>
-          <a:bodyPr>
-            <a:normAutofit fontScale="90000"/>
-          </a:bodyPr>
-          <a:lstStyle/>
-          <a:p>
-            <a:r>
-              <a:rPr lang="pt-BR" dirty="0"/>
-              <a:t>Soma dos Desvios em Relação a Média (SD)</a:t>
-            </a:r>
-          </a:p>
-        </p:txBody>
-      </p:sp>
-      <p:sp>
-        <p:nvSpPr>
-          <p:cNvPr id="3" name="Espaço Reservado para Conteúdo 2"/>
-          <p:cNvSpPr>
-            <a:spLocks noGrp="1"/>
-          </p:cNvSpPr>
-          <p:nvPr>
-            <p:ph idx="1"/>
-          </p:nvPr>
-        </p:nvSpPr>
-        <p:spPr>
-          <a:xfrm>
-            <a:off x="457200" y="1772816"/>
-            <a:ext cx="8229600" cy="4353347"/>
-          </a:xfrm>
-        </p:spPr>
-        <p:txBody>
-          <a:bodyPr/>
-          <a:lstStyle/>
-          <a:p>
-            <a:pPr marL="0" indent="0" algn="ctr">
-              <a:buNone/>
-            </a:pPr>
-            <a:r>
-              <a:rPr lang="pt-BR" dirty="0" smtClean="0"/>
-              <a:t>x = 2, 1, 1, 3, 3 </a:t>
-            </a:r>
-          </a:p>
-        </p:txBody>
-      </p:sp>
-      <p:graphicFrame>
-        <p:nvGraphicFramePr>
-          <p:cNvPr id="4" name="Objeto 3"/>
-          <p:cNvGraphicFramePr>
-            <a:graphicFrameLocks noChangeAspect="1"/>
-          </p:cNvGraphicFramePr>
-          <p:nvPr>
-            <p:extLst>
-              <p:ext uri="{D42A27DB-BD31-4B8C-83A1-F6EECF244321}">
-                <p14:modId xmlns:p14="http://schemas.microsoft.com/office/powerpoint/2010/main" val="3161030349"/>
-              </p:ext>
-            </p:extLst>
-          </p:nvPr>
-        </p:nvGraphicFramePr>
-        <p:xfrm>
-          <a:off x="2482056" y="2789238"/>
-          <a:ext cx="4179888" cy="3519487"/>
-        </p:xfrm>
-        <a:graphic>
-          <a:graphicData uri="http://schemas.openxmlformats.org/presentationml/2006/ole">
-            <mc:AlternateContent xmlns:mc="http://schemas.openxmlformats.org/markup-compatibility/2006">
-              <mc:Choice xmlns:v="urn:schemas-microsoft-com:vml" Requires="v">
-                <p:oleObj spid="_x0000_s1118" name="Equação" r:id="rId3" imgW="1409400" imgH="1600200" progId="Equation.3">
-                  <p:embed/>
-                </p:oleObj>
-              </mc:Choice>
-              <mc:Fallback>
-                <p:oleObj name="Equação" r:id="rId3" imgW="1409400" imgH="1600200" progId="Equation.3">
-                  <p:embed/>
-                  <p:pic>
-                    <p:nvPicPr>
-                      <p:cNvPr id="0" name="Picture 2"/>
-                      <p:cNvPicPr>
-                        <a:picLocks noChangeAspect="1" noChangeArrowheads="1"/>
-                      </p:cNvPicPr>
-                      <p:nvPr/>
-                    </p:nvPicPr>
-                    <p:blipFill>
-                      <a:blip r:embed="rId4">
-                        <a:extLst>
-                          <a:ext uri="{28A0092B-C50C-407E-A947-70E740481C1C}">
-                            <a14:useLocalDpi xmlns:a14="http://schemas.microsoft.com/office/drawing/2010/main" val="0"/>
-                          </a:ext>
-                        </a:extLst>
-                      </a:blip>
-                      <a:srcRect/>
-                      <a:stretch>
-                        <a:fillRect/>
-                      </a:stretch>
-                    </p:blipFill>
-                    <p:spPr bwMode="auto">
-                      <a:xfrm>
-                        <a:off x="2482056" y="2789238"/>
-                        <a:ext cx="4179888" cy="3519487"/>
-                      </a:xfrm>
-                      <a:prstGeom prst="rect">
-                        <a:avLst/>
-                      </a:prstGeom>
-                      <a:noFill/>
-                      <a:extLst>
-                        <a:ext uri="{909E8E84-426E-40DD-AFC4-6F175D3DCCD1}">
-                          <a14:hiddenFill xmlns:a14="http://schemas.microsoft.com/office/drawing/2010/main">
-                            <a:solidFill>
-                              <a:srgbClr val="FFFFFF"/>
-                            </a:solidFill>
-                          </a14:hiddenFill>
-                        </a:ext>
-                      </a:extLst>
-                    </p:spPr>
-                  </p:pic>
-                </p:oleObj>
-              </mc:Fallback>
-            </mc:AlternateContent>
-          </a:graphicData>
-        </a:graphic>
-      </p:graphicFrame>
-    </p:spTree>
-  </p:cSld>
-  <p:clrMapOvr>
-    <a:masterClrMapping/>
-  </p:clrMapOvr>
-  <p:timing>
-    <p:tnLst>
-      <p:par>
-        <p:cTn id="1" dur="indefinite" restart="never" nodeType="tmRoot"/>
-      </p:par>
-    </p:tnLst>
-  </p:timing>
-</p:sld>
-</file>
-
-<file path=ppt/slides/slide26.xml><?xml version="1.0" encoding="utf-8"?>
-<p:sld xmlns:a="http://schemas.openxmlformats.org/drawingml/2006/main" xmlns:r="http://schemas.openxmlformats.org/officeDocument/2006/relationships" xmlns:p="http://schemas.openxmlformats.org/presentationml/2006/main">
-  <p:cSld>
-    <p:spTree>
-      <p:nvGrpSpPr>
-        <p:cNvPr id="1" name=""/>
-        <p:cNvGrpSpPr/>
-        <p:nvPr/>
-      </p:nvGrpSpPr>
-      <p:grpSpPr>
-        <a:xfrm>
-          <a:off x="0" y="0"/>
-          <a:ext cx="0" cy="0"/>
-          <a:chOff x="0" y="0"/>
-          <a:chExt cx="0" cy="0"/>
-        </a:xfrm>
-      </p:grpSpPr>
-      <p:sp>
-        <p:nvSpPr>
-          <p:cNvPr id="2" name="Título 1"/>
-          <p:cNvSpPr>
-            <a:spLocks noGrp="1"/>
-          </p:cNvSpPr>
-          <p:nvPr>
-            <p:ph type="title"/>
-          </p:nvPr>
-        </p:nvSpPr>
-        <p:spPr/>
-        <p:txBody>
-          <a:bodyPr>
-            <a:normAutofit fontScale="90000"/>
-          </a:bodyPr>
-          <a:lstStyle/>
-          <a:p>
-            <a:r>
-              <a:rPr lang="pt-BR" dirty="0"/>
-              <a:t>Soma dos Quadrados dos Desvios (SQD</a:t>
-            </a:r>
-            <a:r>
-              <a:rPr lang="pt-BR" dirty="0" smtClean="0"/>
-              <a:t>)</a:t>
-            </a:r>
-            <a:endParaRPr lang="pt-BR" dirty="0"/>
-          </a:p>
-        </p:txBody>
-      </p:sp>
-      <p:graphicFrame>
-        <p:nvGraphicFramePr>
-          <p:cNvPr id="2050" name="Object 2"/>
-          <p:cNvGraphicFramePr>
-            <a:graphicFrameLocks noChangeAspect="1"/>
-          </p:cNvGraphicFramePr>
-          <p:nvPr>
-            <p:extLst>
-              <p:ext uri="{D42A27DB-BD31-4B8C-83A1-F6EECF244321}">
-                <p14:modId xmlns:p14="http://schemas.microsoft.com/office/powerpoint/2010/main" val="158699135"/>
-              </p:ext>
-            </p:extLst>
-          </p:nvPr>
-        </p:nvGraphicFramePr>
-        <p:xfrm>
-          <a:off x="2293144" y="2060848"/>
-          <a:ext cx="4583112" cy="4197350"/>
-        </p:xfrm>
-        <a:graphic>
-          <a:graphicData uri="http://schemas.openxmlformats.org/presentationml/2006/ole">
-            <mc:AlternateContent xmlns:mc="http://schemas.openxmlformats.org/markup-compatibility/2006">
-              <mc:Choice xmlns:v="urn:schemas-microsoft-com:vml" Requires="v">
-                <p:oleObj spid="_x0000_s2142" name="Equação" r:id="rId3" imgW="1676160" imgH="1701720" progId="Equation.3">
-                  <p:embed/>
-                </p:oleObj>
-              </mc:Choice>
-              <mc:Fallback>
-                <p:oleObj name="Equação" r:id="rId3" imgW="1676160" imgH="1701720" progId="Equation.3">
-                  <p:embed/>
-                  <p:pic>
-                    <p:nvPicPr>
-                      <p:cNvPr id="0" name="Picture 2"/>
-                      <p:cNvPicPr>
-                        <a:picLocks noChangeAspect="1" noChangeArrowheads="1"/>
-                      </p:cNvPicPr>
-                      <p:nvPr/>
-                    </p:nvPicPr>
-                    <p:blipFill>
-                      <a:blip r:embed="rId4">
-                        <a:extLst>
-                          <a:ext uri="{28A0092B-C50C-407E-A947-70E740481C1C}">
-                            <a14:useLocalDpi xmlns:a14="http://schemas.microsoft.com/office/drawing/2010/main" val="0"/>
-                          </a:ext>
-                        </a:extLst>
-                      </a:blip>
-                      <a:srcRect/>
-                      <a:stretch>
-                        <a:fillRect/>
-                      </a:stretch>
-                    </p:blipFill>
-                    <p:spPr bwMode="auto">
-                      <a:xfrm>
-                        <a:off x="2293144" y="2060848"/>
-                        <a:ext cx="4583112" cy="4197350"/>
-                      </a:xfrm>
-                      <a:prstGeom prst="rect">
-                        <a:avLst/>
-                      </a:prstGeom>
-                      <a:noFill/>
-                      <a:ln>
-                        <a:noFill/>
-                      </a:ln>
-                      <a:effectLst/>
-                      <a:extLst>
-                        <a:ext uri="{909E8E84-426E-40DD-AFC4-6F175D3DCCD1}">
-                          <a14:hiddenFill xmlns:a14="http://schemas.microsoft.com/office/drawing/2010/main">
-                            <a:solidFill>
-                              <a:schemeClr val="accent1"/>
-                            </a:solidFill>
-                          </a14:hiddenFill>
-                        </a:ext>
-                        <a:ext uri="{91240B29-F687-4F45-9708-019B960494DF}">
-                          <a14:hiddenLine xmlns:a14="http://schemas.microsoft.com/office/drawing/2010/main" w="9525">
-                            <a:solidFill>
-                              <a:schemeClr val="tx1"/>
-                            </a:solidFill>
-                            <a:miter lim="800000"/>
-                            <a:headEnd/>
-                            <a:tailEnd/>
-                          </a14:hiddenLine>
-                        </a:ext>
-                        <a:ext uri="{AF507438-7753-43E0-B8FC-AC1667EBCBE1}">
-                          <a14:hiddenEffects xmlns:a14="http://schemas.microsoft.com/office/drawing/2010/main">
-                            <a:effectLst>
-                              <a:outerShdw dist="35921" dir="2700000" algn="ctr" rotWithShape="0">
-                                <a:schemeClr val="bg2"/>
-                              </a:outerShdw>
-                            </a:effectLst>
-                          </a14:hiddenEffects>
-                        </a:ext>
-                      </a:extLst>
-                    </p:spPr>
-                  </p:pic>
-                </p:oleObj>
-              </mc:Fallback>
-            </mc:AlternateContent>
-          </a:graphicData>
-        </a:graphic>
-      </p:graphicFrame>
-    </p:spTree>
-  </p:cSld>
-  <p:clrMapOvr>
-    <a:masterClrMapping/>
-  </p:clrMapOvr>
-  <p:timing>
-    <p:tnLst>
-      <p:par>
-        <p:cTn id="1" dur="indefinite" restart="never" nodeType="tmRoot"/>
-      </p:par>
-    </p:tnLst>
-  </p:timing>
-</p:sld>
-</file>
-
-<file path=ppt/slides/slide27.xml><?xml version="1.0" encoding="utf-8"?>
+<file path=ppt/slides/slide31.xml><?xml version="1.0" encoding="utf-8"?>
 <p:sld xmlns:a="http://schemas.openxmlformats.org/drawingml/2006/main" xmlns:r="http://schemas.openxmlformats.org/officeDocument/2006/relationships" xmlns:p="http://schemas.openxmlformats.org/presentationml/2006/main">
   <p:cSld>
     <p:spTree>
@@ -7292,7 +8599,7 @@
           <a:graphicData uri="http://schemas.openxmlformats.org/presentationml/2006/ole">
             <mc:AlternateContent xmlns:mc="http://schemas.openxmlformats.org/markup-compatibility/2006">
               <mc:Choice xmlns:v="urn:schemas-microsoft-com:vml" Requires="v">
-                <p:oleObj spid="_x0000_s3258" name="Equação" r:id="rId3" imgW="1460160" imgH="1600200" progId="Equation.3">
+                <p:oleObj spid="_x0000_s3306" name="Equação" r:id="rId3" imgW="1460160" imgH="1600200" progId="Equation.3">
                   <p:embed/>
                 </p:oleObj>
               </mc:Choice>
@@ -7362,7 +8669,7 @@
           <a:graphicData uri="http://schemas.openxmlformats.org/presentationml/2006/ole">
             <mc:AlternateContent xmlns:mc="http://schemas.openxmlformats.org/markup-compatibility/2006">
               <mc:Choice xmlns:v="urn:schemas-microsoft-com:vml" Requires="v">
-                <p:oleObj spid="_x0000_s3259" name="Equação" r:id="rId5" imgW="1765080" imgH="1701720" progId="Equation.3">
+                <p:oleObj spid="_x0000_s3307" name="Equação" r:id="rId5" imgW="1765080" imgH="1701720" progId="Equation.3">
                   <p:embed/>
                 </p:oleObj>
               </mc:Choice>
@@ -7516,7 +8823,7 @@
 </p:sld>
 </file>
 
-<file path=ppt/slides/slide28.xml><?xml version="1.0" encoding="utf-8"?>
+<file path=ppt/slides/slide32.xml><?xml version="1.0" encoding="utf-8"?>
 <p:sld xmlns:a="http://schemas.openxmlformats.org/drawingml/2006/main" xmlns:r="http://schemas.openxmlformats.org/officeDocument/2006/relationships" xmlns:p="http://schemas.openxmlformats.org/presentationml/2006/main">
   <p:cSld>
     <p:spTree>
@@ -7600,7 +8907,7 @@
           <a:graphicData uri="http://schemas.openxmlformats.org/presentationml/2006/ole">
             <mc:AlternateContent xmlns:mc="http://schemas.openxmlformats.org/markup-compatibility/2006">
               <mc:Choice xmlns:v="urn:schemas-microsoft-com:vml" Requires="v">
-                <p:oleObj spid="_x0000_s4288" name="Equation" r:id="rId3" imgW="1574640" imgH="431640" progId="Equation.3">
+                <p:oleObj spid="_x0000_s4336" name="Equation" r:id="rId3" imgW="1574640" imgH="431640" progId="Equation.3">
                   <p:embed/>
                 </p:oleObj>
               </mc:Choice>
@@ -7670,7 +8977,7 @@
           <a:graphicData uri="http://schemas.openxmlformats.org/presentationml/2006/ole">
             <mc:AlternateContent xmlns:mc="http://schemas.openxmlformats.org/markup-compatibility/2006">
               <mc:Choice xmlns:v="urn:schemas-microsoft-com:vml" Requires="v">
-                <p:oleObj spid="_x0000_s4289" name="Equation" r:id="rId5" imgW="1574640" imgH="482400" progId="Equation.3">
+                <p:oleObj spid="_x0000_s4337" name="Equation" r:id="rId5" imgW="1574640" imgH="482400" progId="Equation.3">
                   <p:embed/>
                 </p:oleObj>
               </mc:Choice>
@@ -7764,7 +9071,7 @@
 </p:sld>
 </file>
 
-<file path=ppt/slides/slide29.xml><?xml version="1.0" encoding="utf-8"?>
+<file path=ppt/slides/slide33.xml><?xml version="1.0" encoding="utf-8"?>
 <p:sld xmlns:a="http://schemas.openxmlformats.org/drawingml/2006/main" xmlns:r="http://schemas.openxmlformats.org/officeDocument/2006/relationships" xmlns:p="http://schemas.openxmlformats.org/presentationml/2006/main">
   <p:cSld>
     <p:spTree>
@@ -8120,150 +9427,7 @@
 </p:sld>
 </file>
 
-<file path=ppt/slides/slide3.xml><?xml version="1.0" encoding="utf-8"?>
-<p:sld xmlns:a="http://schemas.openxmlformats.org/drawingml/2006/main" xmlns:r="http://schemas.openxmlformats.org/officeDocument/2006/relationships" xmlns:p="http://schemas.openxmlformats.org/presentationml/2006/main">
-  <p:cSld>
-    <p:spTree>
-      <p:nvGrpSpPr>
-        <p:cNvPr id="1" name=""/>
-        <p:cNvGrpSpPr/>
-        <p:nvPr/>
-      </p:nvGrpSpPr>
-      <p:grpSpPr>
-        <a:xfrm>
-          <a:off x="0" y="0"/>
-          <a:ext cx="0" cy="0"/>
-          <a:chOff x="0" y="0"/>
-          <a:chExt cx="0" cy="0"/>
-        </a:xfrm>
-      </p:grpSpPr>
-      <p:sp>
-        <p:nvSpPr>
-          <p:cNvPr id="2" name="Título 1"/>
-          <p:cNvSpPr>
-            <a:spLocks noGrp="1"/>
-          </p:cNvSpPr>
-          <p:nvPr>
-            <p:ph type="title"/>
-          </p:nvPr>
-        </p:nvSpPr>
-        <p:spPr/>
-        <p:txBody>
-          <a:bodyPr/>
-          <a:lstStyle/>
-          <a:p>
-            <a:r>
-              <a:rPr lang="pt-BR" dirty="0"/>
-              <a:t>O que é estatística?</a:t>
-            </a:r>
-          </a:p>
-        </p:txBody>
-      </p:sp>
-      <p:sp>
-        <p:nvSpPr>
-          <p:cNvPr id="3" name="Espaço Reservado para Conteúdo 2"/>
-          <p:cNvSpPr>
-            <a:spLocks noGrp="1"/>
-          </p:cNvSpPr>
-          <p:nvPr>
-            <p:ph idx="1"/>
-          </p:nvPr>
-        </p:nvSpPr>
-        <p:spPr>
-          <a:xfrm>
-            <a:off x="457200" y="1600200"/>
-            <a:ext cx="8229600" cy="4853136"/>
-          </a:xfrm>
-        </p:spPr>
-        <p:txBody>
-          <a:bodyPr>
-            <a:normAutofit/>
-          </a:bodyPr>
-          <a:lstStyle/>
-          <a:p>
-            <a:pPr algn="just"/>
-            <a:r>
-              <a:rPr lang="pt-BR" dirty="0" smtClean="0"/>
-              <a:t>"</a:t>
-            </a:r>
-            <a:r>
-              <a:rPr lang="pt-BR" dirty="0"/>
-              <a:t>A estatística é a arte de torturar os números até que eles </a:t>
-            </a:r>
-            <a:r>
-              <a:rPr lang="pt-BR" dirty="0" smtClean="0"/>
-              <a:t>confessem“</a:t>
-            </a:r>
-          </a:p>
-          <a:p>
-            <a:pPr marL="0" lvl="3" indent="0" algn="ctr">
-              <a:buNone/>
-            </a:pPr>
-            <a:r>
-              <a:rPr lang="pt-BR" dirty="0"/>
-              <a:t>(</a:t>
-            </a:r>
-            <a:r>
-              <a:rPr lang="pt-BR" dirty="0">
-                <a:hlinkClick r:id="rId2"/>
-              </a:rPr>
-              <a:t>http://www.ufpa.br/dicas/cartao/fra-esta.html</a:t>
-            </a:r>
-            <a:r>
-              <a:rPr lang="pt-BR" dirty="0"/>
-              <a:t>)</a:t>
-            </a:r>
-          </a:p>
-          <a:p>
-            <a:pPr algn="just"/>
-            <a:endParaRPr lang="pt-BR" dirty="0"/>
-          </a:p>
-          <a:p>
-            <a:pPr algn="just"/>
-            <a:r>
-              <a:rPr lang="pt-BR" dirty="0" smtClean="0"/>
-              <a:t> “Números não mentem, mas têm a propensão de dizer a verdade com intenção de enganar” </a:t>
-            </a:r>
-            <a:r>
-              <a:rPr lang="pt-BR" sz="2800" dirty="0" smtClean="0"/>
-              <a:t>(Eric </a:t>
-            </a:r>
-            <a:r>
-              <a:rPr lang="pt-BR" sz="2800" dirty="0" err="1" smtClean="0"/>
-              <a:t>Temple</a:t>
-            </a:r>
-            <a:r>
-              <a:rPr lang="pt-BR" sz="2800" dirty="0" smtClean="0"/>
-              <a:t> Bell)</a:t>
-            </a:r>
-          </a:p>
-          <a:p>
-            <a:pPr algn="just"/>
-            <a:endParaRPr lang="pt-BR" sz="2800" dirty="0"/>
-          </a:p>
-        </p:txBody>
-      </p:sp>
-    </p:spTree>
-    <p:extLst>
-      <p:ext uri="{BB962C8B-B14F-4D97-AF65-F5344CB8AC3E}">
-        <p14:creationId xmlns:p14="http://schemas.microsoft.com/office/powerpoint/2010/main" val="1667332735"/>
-      </p:ext>
-    </p:extLst>
-  </p:cSld>
-  <p:clrMapOvr>
-    <a:masterClrMapping/>
-  </p:clrMapOvr>
-  <p:timing>
-    <p:tnLst>
-      <p:par>
-        <p:cTn id="1" dur="indefinite" restart="never" nodeType="tmRoot"/>
-      </p:par>
-    </p:tnLst>
-  </p:timing>
-</p:sld>
-</file>
-
-<file path=ppt/slides/slide30.xml><?xml version="1.0" encoding="utf-8"?>
+<file path=ppt/slides/slide34.xml><?xml version="1.0" encoding="utf-8"?>
 <p:sld xmlns:a="http://schemas.openxmlformats.org/drawingml/2006/main" xmlns:r="http://schemas.openxmlformats.org/officeDocument/2006/relationships" xmlns:p="http://schemas.openxmlformats.org/presentationml/2006/main">
   <p:cSld>
     <p:spTree>
@@ -8424,7 +9588,7 @@
 </p:sld>
 </file>
 
-<file path=ppt/slides/slide31.xml><?xml version="1.0" encoding="utf-8"?>
+<file path=ppt/slides/slide35.xml><?xml version="1.0" encoding="utf-8"?>
 <p:sld xmlns:a="http://schemas.openxmlformats.org/drawingml/2006/main" xmlns:r="http://schemas.openxmlformats.org/officeDocument/2006/relationships" xmlns:p="http://schemas.openxmlformats.org/presentationml/2006/main">
   <p:cSld>
     <p:spTree>
@@ -9147,7 +10311,7 @@
 </p:sld>
 </file>
 
-<file path=ppt/slides/slide32.xml><?xml version="1.0" encoding="utf-8"?>
+<file path=ppt/slides/slide36.xml><?xml version="1.0" encoding="utf-8"?>
 <p:sld xmlns:a="http://schemas.openxmlformats.org/drawingml/2006/main" xmlns:r="http://schemas.openxmlformats.org/officeDocument/2006/relationships" xmlns:p="http://schemas.openxmlformats.org/presentationml/2006/main">
   <p:cSld>
     <p:spTree>
@@ -9620,7 +10784,7 @@
 </p:sld>
 </file>
 
-<file path=ppt/slides/slide33.xml><?xml version="1.0" encoding="utf-8"?>
+<file path=ppt/slides/slide37.xml><?xml version="1.0" encoding="utf-8"?>
 <p:sld xmlns:a="http://schemas.openxmlformats.org/drawingml/2006/main" xmlns:r="http://schemas.openxmlformats.org/officeDocument/2006/relationships" xmlns:p="http://schemas.openxmlformats.org/presentationml/2006/main">
   <p:cSld>
     <p:spTree>
@@ -10333,7 +11497,7 @@
 </p:sld>
 </file>
 
-<file path=ppt/slides/slide34.xml><?xml version="1.0" encoding="utf-8"?>
+<file path=ppt/slides/slide38.xml><?xml version="1.0" encoding="utf-8"?>
 <p:sld xmlns:a="http://schemas.openxmlformats.org/drawingml/2006/main" xmlns:r="http://schemas.openxmlformats.org/officeDocument/2006/relationships" xmlns:p="http://schemas.openxmlformats.org/presentationml/2006/main">
   <p:cSld>
     <p:spTree>
@@ -10667,498 +11831,6 @@
 </p:sld>
 </file>
 
-<file path=ppt/slides/slide35.xml><?xml version="1.0" encoding="utf-8"?>
-<p:sld xmlns:a="http://schemas.openxmlformats.org/drawingml/2006/main" xmlns:r="http://schemas.openxmlformats.org/officeDocument/2006/relationships" xmlns:p="http://schemas.openxmlformats.org/presentationml/2006/main">
-  <p:cSld>
-    <p:spTree>
-      <p:nvGrpSpPr>
-        <p:cNvPr id="1" name=""/>
-        <p:cNvGrpSpPr/>
-        <p:nvPr/>
-      </p:nvGrpSpPr>
-      <p:grpSpPr>
-        <a:xfrm>
-          <a:off x="0" y="0"/>
-          <a:ext cx="0" cy="0"/>
-          <a:chOff x="0" y="0"/>
-          <a:chExt cx="0" cy="0"/>
-        </a:xfrm>
-      </p:grpSpPr>
-      <p:sp>
-        <p:nvSpPr>
-          <p:cNvPr id="2" name="Título 1"/>
-          <p:cNvSpPr>
-            <a:spLocks noGrp="1"/>
-          </p:cNvSpPr>
-          <p:nvPr>
-            <p:ph type="title"/>
-          </p:nvPr>
-        </p:nvSpPr>
-        <p:spPr/>
-        <p:txBody>
-          <a:bodyPr/>
-          <a:lstStyle/>
-          <a:p>
-            <a:r>
-              <a:rPr lang="pt-BR" dirty="0" smtClean="0"/>
-              <a:t>Teste de </a:t>
-            </a:r>
-            <a:r>
-              <a:rPr lang="pt-BR" dirty="0" err="1" smtClean="0"/>
-              <a:t>Tukey</a:t>
-            </a:r>
-            <a:endParaRPr lang="pt-BR" dirty="0"/>
-          </a:p>
-        </p:txBody>
-      </p:sp>
-      <p:sp>
-        <p:nvSpPr>
-          <p:cNvPr id="3" name="Espaço Reservado para Conteúdo 2"/>
-          <p:cNvSpPr>
-            <a:spLocks noGrp="1"/>
-          </p:cNvSpPr>
-          <p:nvPr>
-            <p:ph idx="1"/>
-          </p:nvPr>
-        </p:nvSpPr>
-        <p:spPr/>
-        <p:txBody>
-          <a:bodyPr/>
-          <a:lstStyle/>
-          <a:p>
-            <a:r>
-              <a:rPr lang="pt-BR" dirty="0" smtClean="0"/>
-              <a:t>Diferença Mínima Significativa – DMS</a:t>
-            </a:r>
-          </a:p>
-          <a:p>
-            <a:pPr lvl="1"/>
-            <a:r>
-              <a:rPr lang="pt-BR" dirty="0" smtClean="0"/>
-              <a:t>Exemplo:</a:t>
-            </a:r>
-            <a:endParaRPr lang="pt-BR" dirty="0"/>
-          </a:p>
-        </p:txBody>
-      </p:sp>
-      <p:pic>
-        <p:nvPicPr>
-          <p:cNvPr id="4" name="Imagem 3"/>
-          <p:cNvPicPr>
-            <a:picLocks noChangeAspect="1"/>
-          </p:cNvPicPr>
-          <p:nvPr/>
-        </p:nvPicPr>
-        <p:blipFill>
-          <a:blip r:embed="rId2"/>
-          <a:stretch>
-            <a:fillRect/>
-          </a:stretch>
-        </p:blipFill>
-        <p:spPr>
-          <a:xfrm>
-            <a:off x="2362200" y="2676103"/>
-            <a:ext cx="4419600" cy="3705225"/>
-          </a:xfrm>
-          <a:prstGeom prst="rect">
-            <a:avLst/>
-          </a:prstGeom>
-        </p:spPr>
-      </p:pic>
-    </p:spTree>
-    <p:extLst>
-      <p:ext uri="{BB962C8B-B14F-4D97-AF65-F5344CB8AC3E}">
-        <p14:creationId xmlns:p14="http://schemas.microsoft.com/office/powerpoint/2010/main" val="3164606534"/>
-      </p:ext>
-    </p:extLst>
-  </p:cSld>
-  <p:clrMapOvr>
-    <a:masterClrMapping/>
-  </p:clrMapOvr>
-</p:sld>
-</file>
-
-<file path=ppt/slides/slide36.xml><?xml version="1.0" encoding="utf-8"?>
-<p:sld xmlns:a="http://schemas.openxmlformats.org/drawingml/2006/main" xmlns:r="http://schemas.openxmlformats.org/officeDocument/2006/relationships" xmlns:p="http://schemas.openxmlformats.org/presentationml/2006/main">
-  <p:cSld>
-    <p:spTree>
-      <p:nvGrpSpPr>
-        <p:cNvPr id="1" name=""/>
-        <p:cNvGrpSpPr/>
-        <p:nvPr/>
-      </p:nvGrpSpPr>
-      <p:grpSpPr>
-        <a:xfrm>
-          <a:off x="0" y="0"/>
-          <a:ext cx="0" cy="0"/>
-          <a:chOff x="0" y="0"/>
-          <a:chExt cx="0" cy="0"/>
-        </a:xfrm>
-      </p:grpSpPr>
-      <p:sp>
-        <p:nvSpPr>
-          <p:cNvPr id="2" name="Título 1"/>
-          <p:cNvSpPr>
-            <a:spLocks noGrp="1"/>
-          </p:cNvSpPr>
-          <p:nvPr>
-            <p:ph type="ctrTitle"/>
-          </p:nvPr>
-        </p:nvSpPr>
-        <p:spPr>
-          <a:xfrm>
-            <a:off x="683568" y="2636912"/>
-            <a:ext cx="7772400" cy="1470025"/>
-          </a:xfrm>
-        </p:spPr>
-        <p:txBody>
-          <a:bodyPr/>
-          <a:lstStyle/>
-          <a:p>
-            <a:r>
-              <a:rPr lang="pt-BR" dirty="0"/>
-              <a:t>Análise de regressão </a:t>
-            </a:r>
-            <a:r>
-              <a:rPr lang="pt-BR" dirty="0" smtClean="0"/>
-              <a:t>linear</a:t>
-            </a:r>
-            <a:endParaRPr lang="pt-BR" dirty="0"/>
-          </a:p>
-        </p:txBody>
-      </p:sp>
-    </p:spTree>
-    <p:extLst>
-      <p:ext uri="{BB962C8B-B14F-4D97-AF65-F5344CB8AC3E}">
-        <p14:creationId xmlns:p14="http://schemas.microsoft.com/office/powerpoint/2010/main" val="2068531583"/>
-      </p:ext>
-    </p:extLst>
-  </p:cSld>
-  <p:clrMapOvr>
-    <a:masterClrMapping/>
-  </p:clrMapOvr>
-  <p:timing>
-    <p:tnLst>
-      <p:par>
-        <p:cTn id="1" dur="indefinite" restart="never" nodeType="tmRoot"/>
-      </p:par>
-    </p:tnLst>
-  </p:timing>
-</p:sld>
-</file>
-
-<file path=ppt/slides/slide37.xml><?xml version="1.0" encoding="utf-8"?>
-<p:sld xmlns:a="http://schemas.openxmlformats.org/drawingml/2006/main" xmlns:r="http://schemas.openxmlformats.org/officeDocument/2006/relationships" xmlns:p="http://schemas.openxmlformats.org/presentationml/2006/main">
-  <p:cSld>
-    <p:spTree>
-      <p:nvGrpSpPr>
-        <p:cNvPr id="1" name=""/>
-        <p:cNvGrpSpPr/>
-        <p:nvPr/>
-      </p:nvGrpSpPr>
-      <p:grpSpPr>
-        <a:xfrm>
-          <a:off x="0" y="0"/>
-          <a:ext cx="0" cy="0"/>
-          <a:chOff x="0" y="0"/>
-          <a:chExt cx="0" cy="0"/>
-        </a:xfrm>
-      </p:grpSpPr>
-      <p:sp>
-        <p:nvSpPr>
-          <p:cNvPr id="2" name="Título 1"/>
-          <p:cNvSpPr>
-            <a:spLocks noGrp="1"/>
-          </p:cNvSpPr>
-          <p:nvPr>
-            <p:ph type="title"/>
-          </p:nvPr>
-        </p:nvSpPr>
-        <p:spPr/>
-        <p:txBody>
-          <a:bodyPr/>
-          <a:lstStyle/>
-          <a:p>
-            <a:r>
-              <a:rPr lang="pt-BR" dirty="0" smtClean="0"/>
-              <a:t>Introdução</a:t>
-            </a:r>
-            <a:endParaRPr lang="pt-BR" dirty="0"/>
-          </a:p>
-        </p:txBody>
-      </p:sp>
-      <p:sp>
-        <p:nvSpPr>
-          <p:cNvPr id="3" name="Espaço Reservado para Conteúdo 2"/>
-          <p:cNvSpPr>
-            <a:spLocks noGrp="1"/>
-          </p:cNvSpPr>
-          <p:nvPr>
-            <p:ph idx="1"/>
-          </p:nvPr>
-        </p:nvSpPr>
-        <p:spPr/>
-        <p:txBody>
-          <a:bodyPr>
-            <a:normAutofit/>
-          </a:bodyPr>
-          <a:lstStyle/>
-          <a:p>
-            <a:pPr algn="just"/>
-            <a:endParaRPr lang="pt-BR" dirty="0" smtClean="0"/>
-          </a:p>
-          <a:p>
-            <a:pPr algn="just"/>
-            <a:r>
-              <a:rPr lang="pt-BR" dirty="0" smtClean="0"/>
-              <a:t>A análise de regressão estuda a relação entre variáveis, denominadas variáveis dependentes (eixo y) e independentes (eixo x)</a:t>
-            </a:r>
-          </a:p>
-          <a:p>
-            <a:pPr algn="just"/>
-            <a:endParaRPr lang="pt-BR" dirty="0"/>
-          </a:p>
-          <a:p>
-            <a:pPr algn="just"/>
-            <a:r>
-              <a:rPr lang="pt-BR" dirty="0" smtClean="0"/>
-              <a:t>As técnicas de análise de correlação e regressão estão intimamente ligadas </a:t>
-            </a:r>
-          </a:p>
-        </p:txBody>
-      </p:sp>
-    </p:spTree>
-    <p:extLst>
-      <p:ext uri="{BB962C8B-B14F-4D97-AF65-F5344CB8AC3E}">
-        <p14:creationId xmlns:p14="http://schemas.microsoft.com/office/powerpoint/2010/main" val="879245942"/>
-      </p:ext>
-    </p:extLst>
-  </p:cSld>
-  <p:clrMapOvr>
-    <a:masterClrMapping/>
-  </p:clrMapOvr>
-  <p:timing>
-    <p:tnLst>
-      <p:par>
-        <p:cTn id="1" dur="indefinite" restart="never" nodeType="tmRoot"/>
-      </p:par>
-    </p:tnLst>
-  </p:timing>
-</p:sld>
-</file>
-
-<file path=ppt/slides/slide38.xml><?xml version="1.0" encoding="utf-8"?>
-<p:sld xmlns:a="http://schemas.openxmlformats.org/drawingml/2006/main" xmlns:r="http://schemas.openxmlformats.org/officeDocument/2006/relationships" xmlns:p="http://schemas.openxmlformats.org/presentationml/2006/main">
-  <p:cSld>
-    <p:spTree>
-      <p:nvGrpSpPr>
-        <p:cNvPr id="1" name=""/>
-        <p:cNvGrpSpPr/>
-        <p:nvPr/>
-      </p:nvGrpSpPr>
-      <p:grpSpPr>
-        <a:xfrm>
-          <a:off x="0" y="0"/>
-          <a:ext cx="0" cy="0"/>
-          <a:chOff x="0" y="0"/>
-          <a:chExt cx="0" cy="0"/>
-        </a:xfrm>
-      </p:grpSpPr>
-      <p:sp>
-        <p:nvSpPr>
-          <p:cNvPr id="2" name="Título 1"/>
-          <p:cNvSpPr>
-            <a:spLocks noGrp="1"/>
-          </p:cNvSpPr>
-          <p:nvPr>
-            <p:ph type="title"/>
-          </p:nvPr>
-        </p:nvSpPr>
-        <p:spPr/>
-        <p:txBody>
-          <a:bodyPr/>
-          <a:lstStyle/>
-          <a:p>
-            <a:r>
-              <a:rPr lang="pt-BR" dirty="0" smtClean="0"/>
-              <a:t>Diagrama de Dispersão</a:t>
-            </a:r>
-            <a:endParaRPr lang="pt-BR" dirty="0"/>
-          </a:p>
-        </p:txBody>
-      </p:sp>
-      <p:sp>
-        <p:nvSpPr>
-          <p:cNvPr id="3" name="Espaço Reservado para Conteúdo 2"/>
-          <p:cNvSpPr>
-            <a:spLocks noGrp="1"/>
-          </p:cNvSpPr>
-          <p:nvPr>
-            <p:ph idx="1"/>
-          </p:nvPr>
-        </p:nvSpPr>
-        <p:spPr/>
-        <p:txBody>
-          <a:bodyPr>
-            <a:normAutofit/>
-          </a:bodyPr>
-          <a:lstStyle/>
-          <a:p>
-            <a:pPr algn="just"/>
-            <a:r>
-              <a:rPr lang="pt-BR" sz="2800" dirty="0" smtClean="0"/>
-              <a:t>A utilização de um diagrama de dispersão permite determinar empiricamente se um relacionamento linear entre as variáveis deve ser assumido e se o grau de relacionamento é forte ou fraco. </a:t>
-            </a:r>
-            <a:endParaRPr lang="pt-BR" sz="2800" dirty="0"/>
-          </a:p>
-        </p:txBody>
-      </p:sp>
-      <p:pic>
-        <p:nvPicPr>
-          <p:cNvPr id="4" name="Picture 2"/>
-          <p:cNvPicPr>
-            <a:picLocks noChangeAspect="1" noChangeArrowheads="1"/>
-          </p:cNvPicPr>
-          <p:nvPr/>
-        </p:nvPicPr>
-        <p:blipFill>
-          <a:blip r:embed="rId2" cstate="print"/>
-          <a:srcRect/>
-          <a:stretch>
-            <a:fillRect/>
-          </a:stretch>
-        </p:blipFill>
-        <p:spPr bwMode="auto">
-          <a:xfrm>
-            <a:off x="899592" y="3356992"/>
-            <a:ext cx="3240360" cy="2736304"/>
-          </a:xfrm>
-          <a:prstGeom prst="rect">
-            <a:avLst/>
-          </a:prstGeom>
-          <a:noFill/>
-          <a:ln w="9525">
-            <a:noFill/>
-            <a:miter lim="800000"/>
-            <a:headEnd/>
-            <a:tailEnd/>
-          </a:ln>
-        </p:spPr>
-      </p:pic>
-      <p:pic>
-        <p:nvPicPr>
-          <p:cNvPr id="3074" name="Picture 2"/>
-          <p:cNvPicPr>
-            <a:picLocks noChangeAspect="1" noChangeArrowheads="1"/>
-          </p:cNvPicPr>
-          <p:nvPr/>
-        </p:nvPicPr>
-        <p:blipFill>
-          <a:blip r:embed="rId3" cstate="print"/>
-          <a:srcRect/>
-          <a:stretch>
-            <a:fillRect/>
-          </a:stretch>
-        </p:blipFill>
-        <p:spPr bwMode="auto">
-          <a:xfrm>
-            <a:off x="4932040" y="3429000"/>
-            <a:ext cx="3343275" cy="2664295"/>
-          </a:xfrm>
-          <a:prstGeom prst="rect">
-            <a:avLst/>
-          </a:prstGeom>
-          <a:noFill/>
-          <a:ln w="9525">
-            <a:noFill/>
-            <a:miter lim="800000"/>
-            <a:headEnd/>
-            <a:tailEnd/>
-          </a:ln>
-        </p:spPr>
-      </p:pic>
-      <p:sp>
-        <p:nvSpPr>
-          <p:cNvPr id="7" name="CaixaDeTexto 6"/>
-          <p:cNvSpPr txBox="1"/>
-          <p:nvPr/>
-        </p:nvSpPr>
-        <p:spPr>
-          <a:xfrm>
-            <a:off x="1115616" y="6165304"/>
-            <a:ext cx="2880320" cy="369332"/>
-          </a:xfrm>
-          <a:prstGeom prst="rect">
-            <a:avLst/>
-          </a:prstGeom>
-          <a:noFill/>
-        </p:spPr>
-        <p:txBody>
-          <a:bodyPr wrap="square" rtlCol="0">
-            <a:spAutoFit/>
-          </a:bodyPr>
-          <a:lstStyle/>
-          <a:p>
-            <a:pPr algn="ctr"/>
-            <a:r>
-              <a:rPr lang="pt-BR" dirty="0" smtClean="0"/>
-              <a:t>Correlação positiva</a:t>
-            </a:r>
-            <a:endParaRPr lang="pt-BR" dirty="0"/>
-          </a:p>
-        </p:txBody>
-      </p:sp>
-      <p:sp>
-        <p:nvSpPr>
-          <p:cNvPr id="8" name="CaixaDeTexto 7"/>
-          <p:cNvSpPr txBox="1"/>
-          <p:nvPr/>
-        </p:nvSpPr>
-        <p:spPr>
-          <a:xfrm>
-            <a:off x="5292080" y="6165304"/>
-            <a:ext cx="2880320" cy="369332"/>
-          </a:xfrm>
-          <a:prstGeom prst="rect">
-            <a:avLst/>
-          </a:prstGeom>
-          <a:noFill/>
-        </p:spPr>
-        <p:txBody>
-          <a:bodyPr wrap="square" rtlCol="0">
-            <a:spAutoFit/>
-          </a:bodyPr>
-          <a:lstStyle/>
-          <a:p>
-            <a:pPr algn="ctr"/>
-            <a:r>
-              <a:rPr lang="pt-BR" dirty="0" smtClean="0"/>
-              <a:t>Correlação negativa</a:t>
-            </a:r>
-            <a:endParaRPr lang="pt-BR" dirty="0"/>
-          </a:p>
-        </p:txBody>
-      </p:sp>
-    </p:spTree>
-    <p:extLst>
-      <p:ext uri="{BB962C8B-B14F-4D97-AF65-F5344CB8AC3E}">
-        <p14:creationId xmlns:p14="http://schemas.microsoft.com/office/powerpoint/2010/main" val="786994318"/>
-      </p:ext>
-    </p:extLst>
-  </p:cSld>
-  <p:clrMapOvr>
-    <a:masterClrMapping/>
-  </p:clrMapOvr>
-  <p:timing>
-    <p:tnLst>
-      <p:par>
-        <p:cTn id="1" dur="indefinite" restart="never" nodeType="tmRoot"/>
-      </p:par>
-    </p:tnLst>
-  </p:timing>
-</p:sld>
-</file>
-
 <file path=ppt/slides/slide39.xml><?xml version="1.0" encoding="utf-8"?>
 <p:sld xmlns:a="http://schemas.openxmlformats.org/drawingml/2006/main" xmlns:r="http://schemas.openxmlformats.org/officeDocument/2006/relationships" xmlns:p="http://schemas.openxmlformats.org/presentationml/2006/main">
   <p:cSld>
@@ -11193,7 +11865,11 @@
           <a:p>
             <a:r>
               <a:rPr lang="pt-BR" dirty="0" smtClean="0"/>
-              <a:t>Diagrama de Dispersão</a:t>
+              <a:t>Teste de </a:t>
+            </a:r>
+            <a:r>
+              <a:rPr lang="pt-BR" dirty="0" err="1" smtClean="0"/>
+              <a:t>Tukey</a:t>
             </a:r>
             <a:endParaRPr lang="pt-BR" dirty="0"/>
           </a:p>
@@ -11209,20 +11885,21 @@
             <p:ph idx="1"/>
           </p:nvPr>
         </p:nvSpPr>
-        <p:spPr>
-          <a:xfrm>
-            <a:off x="457200" y="4725144"/>
-            <a:ext cx="8229600" cy="1401019"/>
-          </a:xfrm>
-        </p:spPr>
+        <p:spPr/>
         <p:txBody>
           <a:bodyPr/>
           <a:lstStyle/>
           <a:p>
-            <a:pPr algn="ctr"/>
             <a:r>
               <a:rPr lang="pt-BR" dirty="0" smtClean="0"/>
-              <a:t>Sugerem regressão não linear</a:t>
+              <a:t>Diferença Mínima Significativa – DMS</a:t>
+            </a:r>
+          </a:p>
+          <a:p>
+            <a:pPr lvl="1"/>
+            <a:r>
+              <a:rPr lang="pt-BR" dirty="0" smtClean="0"/>
+              <a:t>Exemplo:</a:t>
             </a:r>
             <a:endParaRPr lang="pt-BR" dirty="0"/>
           </a:p>
@@ -11230,53 +11907,38 @@
       </p:sp>
       <p:pic>
         <p:nvPicPr>
-          <p:cNvPr id="4" name="Picture 3"/>
+          <p:cNvPr id="4" name="Imagem 3"/>
           <p:cNvPicPr>
-            <a:picLocks noChangeAspect="1" noChangeArrowheads="1"/>
+            <a:picLocks noChangeAspect="1"/>
           </p:cNvPicPr>
           <p:nvPr/>
         </p:nvPicPr>
         <p:blipFill>
-          <a:blip r:embed="rId2" cstate="print"/>
-          <a:srcRect/>
+          <a:blip r:embed="rId2"/>
           <a:stretch>
             <a:fillRect/>
           </a:stretch>
         </p:blipFill>
-        <p:spPr bwMode="auto">
-          <a:xfrm>
-            <a:off x="842963" y="2443163"/>
-            <a:ext cx="7458075" cy="1971675"/>
+        <p:spPr>
+          <a:xfrm>
+            <a:off x="2362200" y="2676103"/>
+            <a:ext cx="4419600" cy="3705225"/>
           </a:xfrm>
           <a:prstGeom prst="rect">
             <a:avLst/>
           </a:prstGeom>
-          <a:noFill/>
-          <a:ln w="9525">
-            <a:noFill/>
-            <a:miter lim="800000"/>
-            <a:headEnd/>
-            <a:tailEnd/>
-          </a:ln>
         </p:spPr>
       </p:pic>
     </p:spTree>
     <p:extLst>
       <p:ext uri="{BB962C8B-B14F-4D97-AF65-F5344CB8AC3E}">
-        <p14:creationId xmlns:p14="http://schemas.microsoft.com/office/powerpoint/2010/main" val="1376373757"/>
+        <p14:creationId xmlns:p14="http://schemas.microsoft.com/office/powerpoint/2010/main" val="3164606534"/>
       </p:ext>
     </p:extLst>
   </p:cSld>
   <p:clrMapOvr>
     <a:masterClrMapping/>
   </p:clrMapOvr>
-  <p:timing>
-    <p:tnLst>
-      <p:par>
-        <p:cTn id="1" dur="indefinite" restart="never" nodeType="tmRoot"/>
-      </p:par>
-    </p:tnLst>
-  </p:timing>
 </p:sld>
 </file>
 
@@ -11585,6 +12247,508 @@
 </file>
 
 <file path=ppt/slides/slide40.xml><?xml version="1.0" encoding="utf-8"?>
+<p:sld xmlns:a="http://schemas.openxmlformats.org/drawingml/2006/main" xmlns:r="http://schemas.openxmlformats.org/officeDocument/2006/relationships" xmlns:p="http://schemas.openxmlformats.org/presentationml/2006/main">
+  <p:cSld>
+    <p:spTree>
+      <p:nvGrpSpPr>
+        <p:cNvPr id="1" name=""/>
+        <p:cNvGrpSpPr/>
+        <p:nvPr/>
+      </p:nvGrpSpPr>
+      <p:grpSpPr>
+        <a:xfrm>
+          <a:off x="0" y="0"/>
+          <a:ext cx="0" cy="0"/>
+          <a:chOff x="0" y="0"/>
+          <a:chExt cx="0" cy="0"/>
+        </a:xfrm>
+      </p:grpSpPr>
+      <p:sp>
+        <p:nvSpPr>
+          <p:cNvPr id="2" name="Título 1"/>
+          <p:cNvSpPr>
+            <a:spLocks noGrp="1"/>
+          </p:cNvSpPr>
+          <p:nvPr>
+            <p:ph type="ctrTitle"/>
+          </p:nvPr>
+        </p:nvSpPr>
+        <p:spPr>
+          <a:xfrm>
+            <a:off x="683568" y="2636912"/>
+            <a:ext cx="7772400" cy="1470025"/>
+          </a:xfrm>
+        </p:spPr>
+        <p:txBody>
+          <a:bodyPr/>
+          <a:lstStyle/>
+          <a:p>
+            <a:r>
+              <a:rPr lang="pt-BR" dirty="0"/>
+              <a:t>Análise de regressão </a:t>
+            </a:r>
+            <a:r>
+              <a:rPr lang="pt-BR" dirty="0" smtClean="0"/>
+              <a:t>linear</a:t>
+            </a:r>
+            <a:endParaRPr lang="pt-BR" dirty="0"/>
+          </a:p>
+        </p:txBody>
+      </p:sp>
+    </p:spTree>
+    <p:extLst>
+      <p:ext uri="{BB962C8B-B14F-4D97-AF65-F5344CB8AC3E}">
+        <p14:creationId xmlns:p14="http://schemas.microsoft.com/office/powerpoint/2010/main" val="2068531583"/>
+      </p:ext>
+    </p:extLst>
+  </p:cSld>
+  <p:clrMapOvr>
+    <a:masterClrMapping/>
+  </p:clrMapOvr>
+  <p:timing>
+    <p:tnLst>
+      <p:par>
+        <p:cTn id="1" dur="indefinite" restart="never" nodeType="tmRoot"/>
+      </p:par>
+    </p:tnLst>
+  </p:timing>
+</p:sld>
+</file>
+
+<file path=ppt/slides/slide41.xml><?xml version="1.0" encoding="utf-8"?>
+<p:sld xmlns:a="http://schemas.openxmlformats.org/drawingml/2006/main" xmlns:r="http://schemas.openxmlformats.org/officeDocument/2006/relationships" xmlns:p="http://schemas.openxmlformats.org/presentationml/2006/main">
+  <p:cSld>
+    <p:spTree>
+      <p:nvGrpSpPr>
+        <p:cNvPr id="1" name=""/>
+        <p:cNvGrpSpPr/>
+        <p:nvPr/>
+      </p:nvGrpSpPr>
+      <p:grpSpPr>
+        <a:xfrm>
+          <a:off x="0" y="0"/>
+          <a:ext cx="0" cy="0"/>
+          <a:chOff x="0" y="0"/>
+          <a:chExt cx="0" cy="0"/>
+        </a:xfrm>
+      </p:grpSpPr>
+      <p:sp>
+        <p:nvSpPr>
+          <p:cNvPr id="2" name="Título 1"/>
+          <p:cNvSpPr>
+            <a:spLocks noGrp="1"/>
+          </p:cNvSpPr>
+          <p:nvPr>
+            <p:ph type="title"/>
+          </p:nvPr>
+        </p:nvSpPr>
+        <p:spPr/>
+        <p:txBody>
+          <a:bodyPr/>
+          <a:lstStyle/>
+          <a:p>
+            <a:r>
+              <a:rPr lang="pt-BR" dirty="0" smtClean="0"/>
+              <a:t>Introdução</a:t>
+            </a:r>
+            <a:endParaRPr lang="pt-BR" dirty="0"/>
+          </a:p>
+        </p:txBody>
+      </p:sp>
+      <p:sp>
+        <p:nvSpPr>
+          <p:cNvPr id="3" name="Espaço Reservado para Conteúdo 2"/>
+          <p:cNvSpPr>
+            <a:spLocks noGrp="1"/>
+          </p:cNvSpPr>
+          <p:nvPr>
+            <p:ph idx="1"/>
+          </p:nvPr>
+        </p:nvSpPr>
+        <p:spPr/>
+        <p:txBody>
+          <a:bodyPr>
+            <a:normAutofit/>
+          </a:bodyPr>
+          <a:lstStyle/>
+          <a:p>
+            <a:pPr algn="just"/>
+            <a:endParaRPr lang="pt-BR" dirty="0" smtClean="0"/>
+          </a:p>
+          <a:p>
+            <a:pPr algn="just"/>
+            <a:r>
+              <a:rPr lang="pt-BR" dirty="0" smtClean="0"/>
+              <a:t>A análise de regressão estuda a relação entre variáveis, denominadas variáveis dependentes (eixo y) e independentes (eixo x)</a:t>
+            </a:r>
+          </a:p>
+          <a:p>
+            <a:pPr algn="just"/>
+            <a:endParaRPr lang="pt-BR" dirty="0"/>
+          </a:p>
+          <a:p>
+            <a:pPr algn="just"/>
+            <a:r>
+              <a:rPr lang="pt-BR" dirty="0" smtClean="0"/>
+              <a:t>As técnicas de análise de correlação e regressão estão intimamente ligadas </a:t>
+            </a:r>
+          </a:p>
+        </p:txBody>
+      </p:sp>
+    </p:spTree>
+    <p:extLst>
+      <p:ext uri="{BB962C8B-B14F-4D97-AF65-F5344CB8AC3E}">
+        <p14:creationId xmlns:p14="http://schemas.microsoft.com/office/powerpoint/2010/main" val="879245942"/>
+      </p:ext>
+    </p:extLst>
+  </p:cSld>
+  <p:clrMapOvr>
+    <a:masterClrMapping/>
+  </p:clrMapOvr>
+  <p:timing>
+    <p:tnLst>
+      <p:par>
+        <p:cTn id="1" dur="indefinite" restart="never" nodeType="tmRoot"/>
+      </p:par>
+    </p:tnLst>
+  </p:timing>
+</p:sld>
+</file>
+
+<file path=ppt/slides/slide42.xml><?xml version="1.0" encoding="utf-8"?>
+<p:sld xmlns:a="http://schemas.openxmlformats.org/drawingml/2006/main" xmlns:r="http://schemas.openxmlformats.org/officeDocument/2006/relationships" xmlns:p="http://schemas.openxmlformats.org/presentationml/2006/main">
+  <p:cSld>
+    <p:spTree>
+      <p:nvGrpSpPr>
+        <p:cNvPr id="1" name=""/>
+        <p:cNvGrpSpPr/>
+        <p:nvPr/>
+      </p:nvGrpSpPr>
+      <p:grpSpPr>
+        <a:xfrm>
+          <a:off x="0" y="0"/>
+          <a:ext cx="0" cy="0"/>
+          <a:chOff x="0" y="0"/>
+          <a:chExt cx="0" cy="0"/>
+        </a:xfrm>
+      </p:grpSpPr>
+      <p:sp>
+        <p:nvSpPr>
+          <p:cNvPr id="2" name="Título 1"/>
+          <p:cNvSpPr>
+            <a:spLocks noGrp="1"/>
+          </p:cNvSpPr>
+          <p:nvPr>
+            <p:ph type="title"/>
+          </p:nvPr>
+        </p:nvSpPr>
+        <p:spPr/>
+        <p:txBody>
+          <a:bodyPr/>
+          <a:lstStyle/>
+          <a:p>
+            <a:r>
+              <a:rPr lang="pt-BR" dirty="0" smtClean="0"/>
+              <a:t>Diagrama de Dispersão</a:t>
+            </a:r>
+            <a:endParaRPr lang="pt-BR" dirty="0"/>
+          </a:p>
+        </p:txBody>
+      </p:sp>
+      <p:sp>
+        <p:nvSpPr>
+          <p:cNvPr id="3" name="Espaço Reservado para Conteúdo 2"/>
+          <p:cNvSpPr>
+            <a:spLocks noGrp="1"/>
+          </p:cNvSpPr>
+          <p:nvPr>
+            <p:ph idx="1"/>
+          </p:nvPr>
+        </p:nvSpPr>
+        <p:spPr/>
+        <p:txBody>
+          <a:bodyPr>
+            <a:normAutofit/>
+          </a:bodyPr>
+          <a:lstStyle/>
+          <a:p>
+            <a:pPr algn="just"/>
+            <a:r>
+              <a:rPr lang="pt-BR" sz="2800" dirty="0" smtClean="0"/>
+              <a:t>A utilização de um diagrama de dispersão permite determinar empiricamente se um relacionamento linear entre as variáveis deve ser assumido e se o grau de relacionamento é forte ou fraco. </a:t>
+            </a:r>
+            <a:endParaRPr lang="pt-BR" sz="2800" dirty="0"/>
+          </a:p>
+        </p:txBody>
+      </p:sp>
+      <p:pic>
+        <p:nvPicPr>
+          <p:cNvPr id="4" name="Picture 2"/>
+          <p:cNvPicPr>
+            <a:picLocks noChangeAspect="1" noChangeArrowheads="1"/>
+          </p:cNvPicPr>
+          <p:nvPr/>
+        </p:nvPicPr>
+        <p:blipFill>
+          <a:blip r:embed="rId2" cstate="print"/>
+          <a:srcRect/>
+          <a:stretch>
+            <a:fillRect/>
+          </a:stretch>
+        </p:blipFill>
+        <p:spPr bwMode="auto">
+          <a:xfrm>
+            <a:off x="899592" y="3356992"/>
+            <a:ext cx="3240360" cy="2736304"/>
+          </a:xfrm>
+          <a:prstGeom prst="rect">
+            <a:avLst/>
+          </a:prstGeom>
+          <a:noFill/>
+          <a:ln w="9525">
+            <a:noFill/>
+            <a:miter lim="800000"/>
+            <a:headEnd/>
+            <a:tailEnd/>
+          </a:ln>
+        </p:spPr>
+      </p:pic>
+      <p:pic>
+        <p:nvPicPr>
+          <p:cNvPr id="3074" name="Picture 2"/>
+          <p:cNvPicPr>
+            <a:picLocks noChangeAspect="1" noChangeArrowheads="1"/>
+          </p:cNvPicPr>
+          <p:nvPr/>
+        </p:nvPicPr>
+        <p:blipFill>
+          <a:blip r:embed="rId3" cstate="print"/>
+          <a:srcRect/>
+          <a:stretch>
+            <a:fillRect/>
+          </a:stretch>
+        </p:blipFill>
+        <p:spPr bwMode="auto">
+          <a:xfrm>
+            <a:off x="4932040" y="3429000"/>
+            <a:ext cx="3343275" cy="2664295"/>
+          </a:xfrm>
+          <a:prstGeom prst="rect">
+            <a:avLst/>
+          </a:prstGeom>
+          <a:noFill/>
+          <a:ln w="9525">
+            <a:noFill/>
+            <a:miter lim="800000"/>
+            <a:headEnd/>
+            <a:tailEnd/>
+          </a:ln>
+        </p:spPr>
+      </p:pic>
+      <p:sp>
+        <p:nvSpPr>
+          <p:cNvPr id="7" name="CaixaDeTexto 6"/>
+          <p:cNvSpPr txBox="1"/>
+          <p:nvPr/>
+        </p:nvSpPr>
+        <p:spPr>
+          <a:xfrm>
+            <a:off x="1115616" y="6165304"/>
+            <a:ext cx="2880320" cy="369332"/>
+          </a:xfrm>
+          <a:prstGeom prst="rect">
+            <a:avLst/>
+          </a:prstGeom>
+          <a:noFill/>
+        </p:spPr>
+        <p:txBody>
+          <a:bodyPr wrap="square" rtlCol="0">
+            <a:spAutoFit/>
+          </a:bodyPr>
+          <a:lstStyle/>
+          <a:p>
+            <a:pPr algn="ctr"/>
+            <a:r>
+              <a:rPr lang="pt-BR" dirty="0" smtClean="0"/>
+              <a:t>Correlação positiva</a:t>
+            </a:r>
+            <a:endParaRPr lang="pt-BR" dirty="0"/>
+          </a:p>
+        </p:txBody>
+      </p:sp>
+      <p:sp>
+        <p:nvSpPr>
+          <p:cNvPr id="8" name="CaixaDeTexto 7"/>
+          <p:cNvSpPr txBox="1"/>
+          <p:nvPr/>
+        </p:nvSpPr>
+        <p:spPr>
+          <a:xfrm>
+            <a:off x="5292080" y="6165304"/>
+            <a:ext cx="2880320" cy="369332"/>
+          </a:xfrm>
+          <a:prstGeom prst="rect">
+            <a:avLst/>
+          </a:prstGeom>
+          <a:noFill/>
+        </p:spPr>
+        <p:txBody>
+          <a:bodyPr wrap="square" rtlCol="0">
+            <a:spAutoFit/>
+          </a:bodyPr>
+          <a:lstStyle/>
+          <a:p>
+            <a:pPr algn="ctr"/>
+            <a:r>
+              <a:rPr lang="pt-BR" dirty="0" smtClean="0"/>
+              <a:t>Correlação negativa</a:t>
+            </a:r>
+            <a:endParaRPr lang="pt-BR" dirty="0"/>
+          </a:p>
+        </p:txBody>
+      </p:sp>
+    </p:spTree>
+    <p:extLst>
+      <p:ext uri="{BB962C8B-B14F-4D97-AF65-F5344CB8AC3E}">
+        <p14:creationId xmlns:p14="http://schemas.microsoft.com/office/powerpoint/2010/main" val="786994318"/>
+      </p:ext>
+    </p:extLst>
+  </p:cSld>
+  <p:clrMapOvr>
+    <a:masterClrMapping/>
+  </p:clrMapOvr>
+  <p:timing>
+    <p:tnLst>
+      <p:par>
+        <p:cTn id="1" dur="indefinite" restart="never" nodeType="tmRoot"/>
+      </p:par>
+    </p:tnLst>
+  </p:timing>
+</p:sld>
+</file>
+
+<file path=ppt/slides/slide43.xml><?xml version="1.0" encoding="utf-8"?>
+<p:sld xmlns:a="http://schemas.openxmlformats.org/drawingml/2006/main" xmlns:r="http://schemas.openxmlformats.org/officeDocument/2006/relationships" xmlns:p="http://schemas.openxmlformats.org/presentationml/2006/main">
+  <p:cSld>
+    <p:spTree>
+      <p:nvGrpSpPr>
+        <p:cNvPr id="1" name=""/>
+        <p:cNvGrpSpPr/>
+        <p:nvPr/>
+      </p:nvGrpSpPr>
+      <p:grpSpPr>
+        <a:xfrm>
+          <a:off x="0" y="0"/>
+          <a:ext cx="0" cy="0"/>
+          <a:chOff x="0" y="0"/>
+          <a:chExt cx="0" cy="0"/>
+        </a:xfrm>
+      </p:grpSpPr>
+      <p:sp>
+        <p:nvSpPr>
+          <p:cNvPr id="2" name="Título 1"/>
+          <p:cNvSpPr>
+            <a:spLocks noGrp="1"/>
+          </p:cNvSpPr>
+          <p:nvPr>
+            <p:ph type="title"/>
+          </p:nvPr>
+        </p:nvSpPr>
+        <p:spPr/>
+        <p:txBody>
+          <a:bodyPr/>
+          <a:lstStyle/>
+          <a:p>
+            <a:r>
+              <a:rPr lang="pt-BR" dirty="0" smtClean="0"/>
+              <a:t>Diagrama de Dispersão</a:t>
+            </a:r>
+            <a:endParaRPr lang="pt-BR" dirty="0"/>
+          </a:p>
+        </p:txBody>
+      </p:sp>
+      <p:sp>
+        <p:nvSpPr>
+          <p:cNvPr id="3" name="Espaço Reservado para Conteúdo 2"/>
+          <p:cNvSpPr>
+            <a:spLocks noGrp="1"/>
+          </p:cNvSpPr>
+          <p:nvPr>
+            <p:ph idx="1"/>
+          </p:nvPr>
+        </p:nvSpPr>
+        <p:spPr>
+          <a:xfrm>
+            <a:off x="457200" y="4725144"/>
+            <a:ext cx="8229600" cy="1401019"/>
+          </a:xfrm>
+        </p:spPr>
+        <p:txBody>
+          <a:bodyPr/>
+          <a:lstStyle/>
+          <a:p>
+            <a:pPr algn="ctr"/>
+            <a:r>
+              <a:rPr lang="pt-BR" dirty="0" smtClean="0"/>
+              <a:t>Sugerem regressão não linear</a:t>
+            </a:r>
+            <a:endParaRPr lang="pt-BR" dirty="0"/>
+          </a:p>
+        </p:txBody>
+      </p:sp>
+      <p:pic>
+        <p:nvPicPr>
+          <p:cNvPr id="4" name="Picture 3"/>
+          <p:cNvPicPr>
+            <a:picLocks noChangeAspect="1" noChangeArrowheads="1"/>
+          </p:cNvPicPr>
+          <p:nvPr/>
+        </p:nvPicPr>
+        <p:blipFill>
+          <a:blip r:embed="rId2" cstate="print"/>
+          <a:srcRect/>
+          <a:stretch>
+            <a:fillRect/>
+          </a:stretch>
+        </p:blipFill>
+        <p:spPr bwMode="auto">
+          <a:xfrm>
+            <a:off x="842963" y="2443163"/>
+            <a:ext cx="7458075" cy="1971675"/>
+          </a:xfrm>
+          <a:prstGeom prst="rect">
+            <a:avLst/>
+          </a:prstGeom>
+          <a:noFill/>
+          <a:ln w="9525">
+            <a:noFill/>
+            <a:miter lim="800000"/>
+            <a:headEnd/>
+            <a:tailEnd/>
+          </a:ln>
+        </p:spPr>
+      </p:pic>
+    </p:spTree>
+    <p:extLst>
+      <p:ext uri="{BB962C8B-B14F-4D97-AF65-F5344CB8AC3E}">
+        <p14:creationId xmlns:p14="http://schemas.microsoft.com/office/powerpoint/2010/main" val="1376373757"/>
+      </p:ext>
+    </p:extLst>
+  </p:cSld>
+  <p:clrMapOvr>
+    <a:masterClrMapping/>
+  </p:clrMapOvr>
+  <p:timing>
+    <p:tnLst>
+      <p:par>
+        <p:cTn id="1" dur="indefinite" restart="never" nodeType="tmRoot"/>
+      </p:par>
+    </p:tnLst>
+  </p:timing>
+</p:sld>
+</file>
+
+<file path=ppt/slides/slide44.xml><?xml version="1.0" encoding="utf-8"?>
 <p:sld xmlns:a="http://schemas.openxmlformats.org/drawingml/2006/main" xmlns:r="http://schemas.openxmlformats.org/officeDocument/2006/relationships" xmlns:p="http://schemas.openxmlformats.org/presentationml/2006/main">
   <p:cSld>
     <p:spTree>
@@ -12018,7 +13182,7 @@
 </p:sld>
 </file>
 
-<file path=ppt/slides/slide41.xml><?xml version="1.0" encoding="utf-8"?>
+<file path=ppt/slides/slide45.xml><?xml version="1.0" encoding="utf-8"?>
 <p:sld xmlns:a="http://schemas.openxmlformats.org/drawingml/2006/main" xmlns:r="http://schemas.openxmlformats.org/officeDocument/2006/relationships" xmlns:p="http://schemas.openxmlformats.org/presentationml/2006/main">
   <p:cSld>
     <p:spTree>
@@ -12236,679 +13400,6 @@
     <p:extLst>
       <p:ext uri="{BB962C8B-B14F-4D97-AF65-F5344CB8AC3E}">
         <p14:creationId xmlns:p14="http://schemas.microsoft.com/office/powerpoint/2010/main" val="3510513403"/>
-      </p:ext>
-    </p:extLst>
-  </p:cSld>
-  <p:clrMapOvr>
-    <a:masterClrMapping/>
-  </p:clrMapOvr>
-  <p:timing>
-    <p:tnLst>
-      <p:par>
-        <p:cTn id="1" dur="indefinite" restart="never" nodeType="tmRoot"/>
-      </p:par>
-    </p:tnLst>
-  </p:timing>
-</p:sld>
-</file>
-
-<file path=ppt/slides/slide42.xml><?xml version="1.0" encoding="utf-8"?>
-<p:sld xmlns:a="http://schemas.openxmlformats.org/drawingml/2006/main" xmlns:r="http://schemas.openxmlformats.org/officeDocument/2006/relationships" xmlns:p="http://schemas.openxmlformats.org/presentationml/2006/main">
-  <p:cSld>
-    <p:spTree>
-      <p:nvGrpSpPr>
-        <p:cNvPr id="1" name=""/>
-        <p:cNvGrpSpPr/>
-        <p:nvPr/>
-      </p:nvGrpSpPr>
-      <p:grpSpPr>
-        <a:xfrm>
-          <a:off x="0" y="0"/>
-          <a:ext cx="0" cy="0"/>
-          <a:chOff x="0" y="0"/>
-          <a:chExt cx="0" cy="0"/>
-        </a:xfrm>
-      </p:grpSpPr>
-      <p:pic>
-        <p:nvPicPr>
-          <p:cNvPr id="2" name="Imagem 1"/>
-          <p:cNvPicPr>
-            <a:picLocks noChangeAspect="1"/>
-          </p:cNvPicPr>
-          <p:nvPr/>
-        </p:nvPicPr>
-        <p:blipFill>
-          <a:blip r:embed="rId2"/>
-          <a:stretch>
-            <a:fillRect/>
-          </a:stretch>
-        </p:blipFill>
-        <p:spPr>
-          <a:xfrm>
-            <a:off x="3563888" y="4721110"/>
-            <a:ext cx="2021756" cy="1228170"/>
-          </a:xfrm>
-          <a:prstGeom prst="rect">
-            <a:avLst/>
-          </a:prstGeom>
-        </p:spPr>
-      </p:pic>
-      <p:sp>
-        <p:nvSpPr>
-          <p:cNvPr id="3" name="Espaço Reservado para Conteúdo 2"/>
-          <p:cNvSpPr>
-            <a:spLocks noGrp="1"/>
-          </p:cNvSpPr>
-          <p:nvPr>
-            <p:ph idx="1"/>
-          </p:nvPr>
-        </p:nvSpPr>
-        <p:spPr>
-          <a:xfrm>
-            <a:off x="457200" y="3933056"/>
-            <a:ext cx="8229600" cy="1473027"/>
-          </a:xfrm>
-        </p:spPr>
-        <p:txBody>
-          <a:bodyPr>
-            <a:normAutofit/>
-          </a:bodyPr>
-          <a:lstStyle/>
-          <a:p>
-            <a:pPr lvl="1"/>
-            <a:r>
-              <a:rPr lang="pt-BR" dirty="0" smtClean="0"/>
-              <a:t>O objetivo do método é escolher b</a:t>
-            </a:r>
-            <a:r>
-              <a:rPr lang="pt-BR" baseline="-25000" dirty="0" smtClean="0"/>
-              <a:t>0</a:t>
-            </a:r>
-            <a:r>
-              <a:rPr lang="pt-BR" dirty="0" smtClean="0"/>
-              <a:t> e b</a:t>
-            </a:r>
-            <a:r>
-              <a:rPr lang="pt-BR" baseline="-25000" dirty="0" smtClean="0"/>
-              <a:t>1</a:t>
-            </a:r>
-            <a:r>
-              <a:rPr lang="pt-BR" dirty="0" smtClean="0"/>
-              <a:t> de modo a minimizar a soma dos quadrados dos resíduos</a:t>
-            </a:r>
-            <a:endParaRPr lang="pt-BR" dirty="0"/>
-          </a:p>
-        </p:txBody>
-      </p:sp>
-      <p:pic>
-        <p:nvPicPr>
-          <p:cNvPr id="3074" name="Picture 2"/>
-          <p:cNvPicPr>
-            <a:picLocks noChangeAspect="1" noChangeArrowheads="1"/>
-          </p:cNvPicPr>
-          <p:nvPr/>
-        </p:nvPicPr>
-        <p:blipFill>
-          <a:blip r:embed="rId3" cstate="print"/>
-          <a:srcRect/>
-          <a:stretch>
-            <a:fillRect/>
-          </a:stretch>
-        </p:blipFill>
-        <p:spPr bwMode="auto">
-          <a:xfrm>
-            <a:off x="1835696" y="1700808"/>
-            <a:ext cx="3762375" cy="2171700"/>
-          </a:xfrm>
-          <a:prstGeom prst="rect">
-            <a:avLst/>
-          </a:prstGeom>
-          <a:noFill/>
-          <a:ln w="9525">
-            <a:noFill/>
-            <a:miter lim="800000"/>
-            <a:headEnd/>
-            <a:tailEnd/>
-          </a:ln>
-        </p:spPr>
-      </p:pic>
-      <p:sp>
-        <p:nvSpPr>
-          <p:cNvPr id="5" name="Título 1"/>
-          <p:cNvSpPr txBox="1">
-            <a:spLocks/>
-          </p:cNvSpPr>
-          <p:nvPr/>
-        </p:nvSpPr>
-        <p:spPr>
-          <a:xfrm>
-            <a:off x="609600" y="427038"/>
-            <a:ext cx="8229600" cy="1143000"/>
-          </a:xfrm>
-          <a:prstGeom prst="rect">
-            <a:avLst/>
-          </a:prstGeom>
-        </p:spPr>
-        <p:txBody>
-          <a:bodyPr vert="horz" lIns="91440" tIns="45720" rIns="91440" bIns="45720" rtlCol="0" anchor="ctr">
-            <a:normAutofit/>
-          </a:bodyPr>
-          <a:lstStyle/>
-          <a:p>
-            <a:pPr marL="0" marR="0" lvl="0" indent="0" algn="ctr" defTabSz="914400" rtl="0" eaLnBrk="1" fontAlgn="auto" latinLnBrk="0" hangingPunct="1">
-              <a:lnSpc>
-                <a:spcPct val="100000"/>
-              </a:lnSpc>
-              <a:spcBef>
-                <a:spcPct val="0"/>
-              </a:spcBef>
-              <a:spcAft>
-                <a:spcPts val="0"/>
-              </a:spcAft>
-              <a:buClrTx/>
-              <a:buSzTx/>
-              <a:buFontTx/>
-              <a:buNone/>
-              <a:tabLst/>
-              <a:defRPr/>
-            </a:pPr>
-            <a:r>
-              <a:rPr kumimoji="0" lang="pt-BR" sz="4400" b="0" i="0" u="none" strike="noStrike" kern="1200" cap="none" spc="0" normalizeH="0" baseline="0" noProof="0" dirty="0" smtClean="0">
-                <a:ln>
-                  <a:noFill/>
-                </a:ln>
-                <a:solidFill>
-                  <a:schemeClr val="tx1"/>
-                </a:solidFill>
-                <a:effectLst/>
-                <a:uLnTx/>
-                <a:uFillTx/>
-                <a:latin typeface="+mj-lt"/>
-                <a:ea typeface="+mj-ea"/>
-                <a:cs typeface="+mj-cs"/>
-              </a:rPr>
-              <a:t>Método dos Mínimos Quadrados</a:t>
-            </a:r>
-            <a:endParaRPr kumimoji="0" lang="pt-BR" sz="4400" b="0" i="0" u="none" strike="noStrike" kern="1200" cap="none" spc="0" normalizeH="0" baseline="0" noProof="0" dirty="0">
-              <a:ln>
-                <a:noFill/>
-              </a:ln>
-              <a:solidFill>
-                <a:schemeClr val="tx1"/>
-              </a:solidFill>
-              <a:effectLst/>
-              <a:uLnTx/>
-              <a:uFillTx/>
-              <a:latin typeface="+mj-lt"/>
-              <a:ea typeface="+mj-ea"/>
-              <a:cs typeface="+mj-cs"/>
-            </a:endParaRPr>
-          </a:p>
-        </p:txBody>
-      </p:sp>
-      <p:pic>
-        <p:nvPicPr>
-          <p:cNvPr id="2050" name="Picture 2"/>
-          <p:cNvPicPr>
-            <a:picLocks noChangeAspect="1" noChangeArrowheads="1"/>
-          </p:cNvPicPr>
-          <p:nvPr/>
-        </p:nvPicPr>
-        <p:blipFill>
-          <a:blip r:embed="rId4" cstate="print"/>
-          <a:srcRect/>
-          <a:stretch>
-            <a:fillRect/>
-          </a:stretch>
-        </p:blipFill>
-        <p:spPr bwMode="auto">
-          <a:xfrm>
-            <a:off x="6084168" y="2636912"/>
-            <a:ext cx="1266825" cy="390525"/>
-          </a:xfrm>
-          <a:prstGeom prst="rect">
-            <a:avLst/>
-          </a:prstGeom>
-          <a:noFill/>
-          <a:ln w="9525">
-            <a:noFill/>
-            <a:miter lim="800000"/>
-            <a:headEnd/>
-            <a:tailEnd/>
-          </a:ln>
-        </p:spPr>
-      </p:pic>
-    </p:spTree>
-    <p:extLst>
-      <p:ext uri="{BB962C8B-B14F-4D97-AF65-F5344CB8AC3E}">
-        <p14:creationId xmlns:p14="http://schemas.microsoft.com/office/powerpoint/2010/main" val="93810815"/>
-      </p:ext>
-    </p:extLst>
-  </p:cSld>
-  <p:clrMapOvr>
-    <a:masterClrMapping/>
-  </p:clrMapOvr>
-  <p:timing>
-    <p:tnLst>
-      <p:par>
-        <p:cTn id="1" dur="indefinite" restart="never" nodeType="tmRoot"/>
-      </p:par>
-    </p:tnLst>
-  </p:timing>
-</p:sld>
-</file>
-
-<file path=ppt/slides/slide43.xml><?xml version="1.0" encoding="utf-8"?>
-<p:sld xmlns:a="http://schemas.openxmlformats.org/drawingml/2006/main" xmlns:r="http://schemas.openxmlformats.org/officeDocument/2006/relationships" xmlns:p="http://schemas.openxmlformats.org/presentationml/2006/main">
-  <p:cSld>
-    <p:spTree>
-      <p:nvGrpSpPr>
-        <p:cNvPr id="1" name=""/>
-        <p:cNvGrpSpPr/>
-        <p:nvPr/>
-      </p:nvGrpSpPr>
-      <p:grpSpPr>
-        <a:xfrm>
-          <a:off x="0" y="0"/>
-          <a:ext cx="0" cy="0"/>
-          <a:chOff x="0" y="0"/>
-          <a:chExt cx="0" cy="0"/>
-        </a:xfrm>
-      </p:grpSpPr>
-      <p:sp>
-        <p:nvSpPr>
-          <p:cNvPr id="2" name="Título 1"/>
-          <p:cNvSpPr>
-            <a:spLocks noGrp="1"/>
-          </p:cNvSpPr>
-          <p:nvPr>
-            <p:ph type="title"/>
-          </p:nvPr>
-        </p:nvSpPr>
-        <p:spPr/>
-        <p:txBody>
-          <a:bodyPr/>
-          <a:lstStyle/>
-          <a:p>
-            <a:endParaRPr lang="pt-BR"/>
-          </a:p>
-        </p:txBody>
-      </p:sp>
-      <p:sp>
-        <p:nvSpPr>
-          <p:cNvPr id="3" name="Espaço Reservado para Conteúdo 2"/>
-          <p:cNvSpPr>
-            <a:spLocks noGrp="1"/>
-          </p:cNvSpPr>
-          <p:nvPr>
-            <p:ph idx="1"/>
-          </p:nvPr>
-        </p:nvSpPr>
-        <p:spPr/>
-        <p:txBody>
-          <a:bodyPr/>
-          <a:lstStyle/>
-          <a:p>
-            <a:endParaRPr lang="pt-BR" dirty="0" smtClean="0">
-              <a:hlinkClick r:id="rId2"/>
-            </a:endParaRPr>
-          </a:p>
-          <a:p>
-            <a:endParaRPr lang="pt-BR">
-              <a:hlinkClick r:id="rId2"/>
-            </a:endParaRPr>
-          </a:p>
-          <a:p>
-            <a:r>
-              <a:rPr lang="pt-BR" smtClean="0">
-                <a:hlinkClick r:id="rId2"/>
-              </a:rPr>
-              <a:t>https</a:t>
-            </a:r>
-            <a:r>
-              <a:rPr lang="pt-BR">
-                <a:hlinkClick r:id="rId2"/>
-              </a:rPr>
-              <a:t>://seeing-theory.brown.edu/index.html</a:t>
-            </a:r>
-            <a:endParaRPr lang="pt-BR"/>
-          </a:p>
-          <a:p>
-            <a:pPr marL="0" indent="0">
-              <a:buNone/>
-            </a:pPr>
-            <a:endParaRPr lang="pt-BR" dirty="0"/>
-          </a:p>
-        </p:txBody>
-      </p:sp>
-    </p:spTree>
-    <p:extLst>
-      <p:ext uri="{BB962C8B-B14F-4D97-AF65-F5344CB8AC3E}">
-        <p14:creationId xmlns:p14="http://schemas.microsoft.com/office/powerpoint/2010/main" val="1931126806"/>
-      </p:ext>
-    </p:extLst>
-  </p:cSld>
-  <p:clrMapOvr>
-    <a:masterClrMapping/>
-  </p:clrMapOvr>
-</p:sld>
-</file>
-
-<file path=ppt/slides/slide44.xml><?xml version="1.0" encoding="utf-8"?>
-<p:sld xmlns:a="http://schemas.openxmlformats.org/drawingml/2006/main" xmlns:r="http://schemas.openxmlformats.org/officeDocument/2006/relationships" xmlns:p="http://schemas.openxmlformats.org/presentationml/2006/main">
-  <p:cSld>
-    <p:spTree>
-      <p:nvGrpSpPr>
-        <p:cNvPr id="1" name=""/>
-        <p:cNvGrpSpPr/>
-        <p:nvPr/>
-      </p:nvGrpSpPr>
-      <p:grpSpPr>
-        <a:xfrm>
-          <a:off x="0" y="0"/>
-          <a:ext cx="0" cy="0"/>
-          <a:chOff x="0" y="0"/>
-          <a:chExt cx="0" cy="0"/>
-        </a:xfrm>
-      </p:grpSpPr>
-      <p:sp>
-        <p:nvSpPr>
-          <p:cNvPr id="2" name="Título 1"/>
-          <p:cNvSpPr>
-            <a:spLocks noGrp="1"/>
-          </p:cNvSpPr>
-          <p:nvPr>
-            <p:ph type="title"/>
-          </p:nvPr>
-        </p:nvSpPr>
-        <p:spPr/>
-        <p:txBody>
-          <a:bodyPr/>
-          <a:lstStyle/>
-          <a:p>
-            <a:r>
-              <a:rPr lang="pt-BR" dirty="0" smtClean="0"/>
-              <a:t>Coeficiente de Determinação</a:t>
-            </a:r>
-            <a:endParaRPr lang="pt-BR" dirty="0"/>
-          </a:p>
-        </p:txBody>
-      </p:sp>
-      <p:sp>
-        <p:nvSpPr>
-          <p:cNvPr id="3" name="Espaço Reservado para Conteúdo 2"/>
-          <p:cNvSpPr>
-            <a:spLocks noGrp="1"/>
-          </p:cNvSpPr>
-          <p:nvPr>
-            <p:ph idx="1"/>
-          </p:nvPr>
-        </p:nvSpPr>
-        <p:spPr/>
-        <p:txBody>
-          <a:bodyPr/>
-          <a:lstStyle/>
-          <a:p>
-            <a:r>
-              <a:rPr lang="pt-BR" dirty="0" smtClean="0"/>
-              <a:t>A relação entre SSR e SST fornece uma medida da proporção da variação total que é explicada pelo modelo de regressão</a:t>
-            </a:r>
-          </a:p>
-          <a:p>
-            <a:pPr lvl="1"/>
-            <a:r>
-              <a:rPr lang="pt-BR" dirty="0" smtClean="0"/>
-              <a:t>Coeficiente de determinação (r</a:t>
-            </a:r>
-            <a:r>
-              <a:rPr lang="pt-BR" baseline="30000" dirty="0" smtClean="0"/>
-              <a:t>2</a:t>
-            </a:r>
-            <a:r>
-              <a:rPr lang="pt-BR" dirty="0" smtClean="0"/>
-              <a:t>)</a:t>
-            </a:r>
-          </a:p>
-          <a:p>
-            <a:endParaRPr lang="pt-BR" dirty="0" smtClean="0"/>
-          </a:p>
-          <a:p>
-            <a:endParaRPr lang="pt-BR" dirty="0"/>
-          </a:p>
-        </p:txBody>
-      </p:sp>
-      <p:pic>
-        <p:nvPicPr>
-          <p:cNvPr id="5124" name="Picture 4"/>
-          <p:cNvPicPr>
-            <a:picLocks noChangeAspect="1" noChangeArrowheads="1"/>
-          </p:cNvPicPr>
-          <p:nvPr/>
-        </p:nvPicPr>
-        <p:blipFill>
-          <a:blip r:embed="rId2" cstate="print"/>
-          <a:srcRect/>
-          <a:stretch>
-            <a:fillRect/>
-          </a:stretch>
-        </p:blipFill>
-        <p:spPr bwMode="auto">
-          <a:xfrm>
-            <a:off x="755576" y="4077072"/>
-            <a:ext cx="7867650" cy="1104900"/>
-          </a:xfrm>
-          <a:prstGeom prst="rect">
-            <a:avLst/>
-          </a:prstGeom>
-          <a:noFill/>
-          <a:ln w="9525">
-            <a:noFill/>
-            <a:miter lim="800000"/>
-            <a:headEnd/>
-            <a:tailEnd/>
-          </a:ln>
-        </p:spPr>
-      </p:pic>
-      <p:pic>
-        <p:nvPicPr>
-          <p:cNvPr id="5126" name="Picture 6"/>
-          <p:cNvPicPr>
-            <a:picLocks noChangeAspect="1" noChangeArrowheads="1"/>
-          </p:cNvPicPr>
-          <p:nvPr/>
-        </p:nvPicPr>
-        <p:blipFill>
-          <a:blip r:embed="rId3" cstate="print"/>
-          <a:srcRect/>
-          <a:stretch>
-            <a:fillRect/>
-          </a:stretch>
-        </p:blipFill>
-        <p:spPr bwMode="auto">
-          <a:xfrm>
-            <a:off x="2051720" y="5374095"/>
-            <a:ext cx="4712221" cy="1295265"/>
-          </a:xfrm>
-          <a:prstGeom prst="rect">
-            <a:avLst/>
-          </a:prstGeom>
-          <a:noFill/>
-          <a:ln w="9525">
-            <a:noFill/>
-            <a:miter lim="800000"/>
-            <a:headEnd/>
-            <a:tailEnd/>
-          </a:ln>
-        </p:spPr>
-      </p:pic>
-    </p:spTree>
-    <p:extLst>
-      <p:ext uri="{BB962C8B-B14F-4D97-AF65-F5344CB8AC3E}">
-        <p14:creationId xmlns:p14="http://schemas.microsoft.com/office/powerpoint/2010/main" val="3621062241"/>
-      </p:ext>
-    </p:extLst>
-  </p:cSld>
-  <p:clrMapOvr>
-    <a:masterClrMapping/>
-  </p:clrMapOvr>
-  <p:timing>
-    <p:tnLst>
-      <p:par>
-        <p:cTn id="1" dur="indefinite" restart="never" nodeType="tmRoot"/>
-      </p:par>
-    </p:tnLst>
-  </p:timing>
-</p:sld>
-</file>
-
-<file path=ppt/slides/slide45.xml><?xml version="1.0" encoding="utf-8"?>
-<p:sld xmlns:a="http://schemas.openxmlformats.org/drawingml/2006/main" xmlns:r="http://schemas.openxmlformats.org/officeDocument/2006/relationships" xmlns:p="http://schemas.openxmlformats.org/presentationml/2006/main">
-  <p:cSld>
-    <p:spTree>
-      <p:nvGrpSpPr>
-        <p:cNvPr id="1" name=""/>
-        <p:cNvGrpSpPr/>
-        <p:nvPr/>
-      </p:nvGrpSpPr>
-      <p:grpSpPr>
-        <a:xfrm>
-          <a:off x="0" y="0"/>
-          <a:ext cx="0" cy="0"/>
-          <a:chOff x="0" y="0"/>
-          <a:chExt cx="0" cy="0"/>
-        </a:xfrm>
-      </p:grpSpPr>
-      <p:sp>
-        <p:nvSpPr>
-          <p:cNvPr id="2" name="Título 1"/>
-          <p:cNvSpPr>
-            <a:spLocks noGrp="1"/>
-          </p:cNvSpPr>
-          <p:nvPr>
-            <p:ph type="title"/>
-          </p:nvPr>
-        </p:nvSpPr>
-        <p:spPr/>
-        <p:txBody>
-          <a:bodyPr/>
-          <a:lstStyle/>
-          <a:p>
-            <a:r>
-              <a:rPr lang="pt-BR" dirty="0" smtClean="0"/>
-              <a:t>Coeficiente de Correlação</a:t>
-            </a:r>
-            <a:endParaRPr lang="pt-BR" dirty="0"/>
-          </a:p>
-        </p:txBody>
-      </p:sp>
-      <p:sp>
-        <p:nvSpPr>
-          <p:cNvPr id="3" name="Espaço Reservado para Conteúdo 2"/>
-          <p:cNvSpPr>
-            <a:spLocks noGrp="1"/>
-          </p:cNvSpPr>
-          <p:nvPr>
-            <p:ph idx="1"/>
-          </p:nvPr>
-        </p:nvSpPr>
-        <p:spPr/>
-        <p:txBody>
-          <a:bodyPr/>
-          <a:lstStyle/>
-          <a:p>
-            <a:r>
-              <a:rPr lang="pt-BR" dirty="0" smtClean="0"/>
-              <a:t>É a medida do grau de relacionamento linear entre as variáveis </a:t>
-            </a:r>
-            <a:r>
-              <a:rPr lang="pt-BR" i="1" dirty="0" smtClean="0"/>
-              <a:t>X</a:t>
-            </a:r>
-            <a:r>
-              <a:rPr lang="pt-BR" dirty="0" smtClean="0"/>
-              <a:t> e </a:t>
-            </a:r>
-            <a:r>
-              <a:rPr lang="pt-BR" i="1" dirty="0" smtClean="0"/>
-              <a:t>Y</a:t>
-            </a:r>
-          </a:p>
-          <a:p>
-            <a:endParaRPr lang="pt-BR" i="1" dirty="0" smtClean="0"/>
-          </a:p>
-          <a:p>
-            <a:endParaRPr lang="pt-BR" i="1" dirty="0"/>
-          </a:p>
-        </p:txBody>
-      </p:sp>
-      <p:pic>
-        <p:nvPicPr>
-          <p:cNvPr id="6146" name="Picture 2"/>
-          <p:cNvPicPr>
-            <a:picLocks noChangeAspect="1" noChangeArrowheads="1"/>
-          </p:cNvPicPr>
-          <p:nvPr/>
-        </p:nvPicPr>
-        <p:blipFill>
-          <a:blip r:embed="rId2" cstate="print"/>
-          <a:srcRect/>
-          <a:stretch>
-            <a:fillRect/>
-          </a:stretch>
-        </p:blipFill>
-        <p:spPr bwMode="auto">
-          <a:xfrm>
-            <a:off x="2543174" y="2996952"/>
-            <a:ext cx="4585109" cy="774948"/>
-          </a:xfrm>
-          <a:prstGeom prst="rect">
-            <a:avLst/>
-          </a:prstGeom>
-          <a:noFill/>
-          <a:ln w="9525">
-            <a:noFill/>
-            <a:miter lim="800000"/>
-            <a:headEnd/>
-            <a:tailEnd/>
-          </a:ln>
-        </p:spPr>
-      </p:pic>
-      <p:pic>
-        <p:nvPicPr>
-          <p:cNvPr id="6147" name="Picture 3"/>
-          <p:cNvPicPr>
-            <a:picLocks noChangeAspect="1" noChangeArrowheads="1"/>
-          </p:cNvPicPr>
-          <p:nvPr/>
-        </p:nvPicPr>
-        <p:blipFill>
-          <a:blip r:embed="rId3" cstate="print"/>
-          <a:srcRect/>
-          <a:stretch>
-            <a:fillRect/>
-          </a:stretch>
-        </p:blipFill>
-        <p:spPr bwMode="auto">
-          <a:xfrm>
-            <a:off x="827584" y="4149080"/>
-            <a:ext cx="7305547" cy="1949574"/>
-          </a:xfrm>
-          <a:prstGeom prst="rect">
-            <a:avLst/>
-          </a:prstGeom>
-          <a:noFill/>
-          <a:ln w="9525">
-            <a:noFill/>
-            <a:miter lim="800000"/>
-            <a:headEnd/>
-            <a:tailEnd/>
-          </a:ln>
-        </p:spPr>
-      </p:pic>
-    </p:spTree>
-    <p:extLst>
-      <p:ext uri="{BB962C8B-B14F-4D97-AF65-F5344CB8AC3E}">
-        <p14:creationId xmlns:p14="http://schemas.microsoft.com/office/powerpoint/2010/main" val="3082064861"/>
       </p:ext>
     </p:extLst>
   </p:cSld>
@@ -12944,7 +13435,7 @@
       </p:grpSpPr>
       <p:pic>
         <p:nvPicPr>
-          <p:cNvPr id="6" name="Imagem 5"/>
+          <p:cNvPr id="2" name="Imagem 1"/>
           <p:cNvPicPr>
             <a:picLocks noChangeAspect="1"/>
           </p:cNvPicPr>
@@ -12958,8 +13449,8 @@
         </p:blipFill>
         <p:spPr>
           <a:xfrm>
-            <a:off x="476197" y="2204864"/>
-            <a:ext cx="8344275" cy="2592288"/>
+            <a:off x="3563888" y="4721110"/>
+            <a:ext cx="2021756" cy="1228170"/>
           </a:xfrm>
           <a:prstGeom prst="rect">
             <a:avLst/>
@@ -12968,22 +13459,46 @@
       </p:pic>
       <p:sp>
         <p:nvSpPr>
-          <p:cNvPr id="2" name="Título 1"/>
+          <p:cNvPr id="3" name="Espaço Reservado para Conteúdo 2"/>
           <p:cNvSpPr>
             <a:spLocks noGrp="1"/>
           </p:cNvSpPr>
           <p:nvPr>
-            <p:ph type="title"/>
+            <p:ph idx="1"/>
           </p:nvPr>
         </p:nvSpPr>
-        <p:spPr/>
-        <p:txBody>
-          <a:bodyPr/>
-          <a:lstStyle/>
-          <a:p>
+        <p:spPr>
+          <a:xfrm>
+            <a:off x="457200" y="3933056"/>
+            <a:ext cx="8229600" cy="1473027"/>
+          </a:xfrm>
+        </p:spPr>
+        <p:txBody>
+          <a:bodyPr>
+            <a:normAutofit/>
+          </a:bodyPr>
+          <a:lstStyle/>
+          <a:p>
+            <a:pPr lvl="1"/>
             <a:r>
               <a:rPr lang="pt-BR" dirty="0" smtClean="0"/>
-              <a:t>Equação da correlação de Pearson</a:t>
+              <a:t>O objetivo do método é escolher b</a:t>
+            </a:r>
+            <a:r>
+              <a:rPr lang="pt-BR" baseline="-25000" dirty="0" smtClean="0"/>
+              <a:t>0</a:t>
+            </a:r>
+            <a:r>
+              <a:rPr lang="pt-BR" dirty="0" smtClean="0"/>
+              <a:t> e b</a:t>
+            </a:r>
+            <a:r>
+              <a:rPr lang="pt-BR" baseline="-25000" dirty="0" smtClean="0"/>
+              <a:t>1</a:t>
+            </a:r>
+            <a:r>
+              <a:rPr lang="pt-BR" dirty="0" smtClean="0"/>
+              <a:t> de modo a minimizar a soma dos quadrados dos resíduos</a:t>
             </a:r>
             <a:endParaRPr lang="pt-BR" dirty="0"/>
           </a:p>
@@ -12991,38 +13506,159 @@
       </p:sp>
       <p:pic>
         <p:nvPicPr>
-          <p:cNvPr id="7" name="Imagem 6"/>
+          <p:cNvPr id="3074" name="Picture 2"/>
           <p:cNvPicPr>
-            <a:picLocks noChangeAspect="1"/>
+            <a:picLocks noChangeAspect="1" noChangeArrowheads="1"/>
           </p:cNvPicPr>
           <p:nvPr/>
         </p:nvPicPr>
         <p:blipFill>
-          <a:blip r:embed="rId3"/>
+          <a:blip r:embed="rId3" cstate="print"/>
+          <a:srcRect/>
           <a:stretch>
             <a:fillRect/>
           </a:stretch>
         </p:blipFill>
-        <p:spPr>
-          <a:xfrm>
-            <a:off x="2411760" y="3872086"/>
-            <a:ext cx="6362700" cy="781050"/>
+        <p:spPr bwMode="auto">
+          <a:xfrm>
+            <a:off x="1835696" y="1700808"/>
+            <a:ext cx="3762375" cy="2171700"/>
           </a:xfrm>
           <a:prstGeom prst="rect">
             <a:avLst/>
           </a:prstGeom>
+          <a:noFill/>
+          <a:ln w="9525">
+            <a:noFill/>
+            <a:miter lim="800000"/>
+            <a:headEnd/>
+            <a:tailEnd/>
+          </a:ln>
+        </p:spPr>
+      </p:pic>
+      <p:sp>
+        <p:nvSpPr>
+          <p:cNvPr id="5" name="Título 1"/>
+          <p:cNvSpPr txBox="1">
+            <a:spLocks/>
+          </p:cNvSpPr>
+          <p:nvPr/>
+        </p:nvSpPr>
+        <p:spPr>
+          <a:xfrm>
+            <a:off x="609600" y="427038"/>
+            <a:ext cx="8229600" cy="1143000"/>
+          </a:xfrm>
+          <a:prstGeom prst="rect">
+            <a:avLst/>
+          </a:prstGeom>
+        </p:spPr>
+        <p:txBody>
+          <a:bodyPr vert="horz" lIns="91440" tIns="45720" rIns="91440" bIns="45720" rtlCol="0" anchor="ctr">
+            <a:normAutofit/>
+          </a:bodyPr>
+          <a:lstStyle/>
+          <a:p>
+            <a:pPr marL="0" marR="0" lvl="0" indent="0" algn="ctr" defTabSz="914400" rtl="0" eaLnBrk="1" fontAlgn="auto" latinLnBrk="0" hangingPunct="1">
+              <a:lnSpc>
+                <a:spcPct val="100000"/>
+              </a:lnSpc>
+              <a:spcBef>
+                <a:spcPct val="0"/>
+              </a:spcBef>
+              <a:spcAft>
+                <a:spcPts val="0"/>
+              </a:spcAft>
+              <a:buClrTx/>
+              <a:buSzTx/>
+              <a:buFontTx/>
+              <a:buNone/>
+              <a:tabLst/>
+              <a:defRPr/>
+            </a:pPr>
+            <a:r>
+              <a:rPr kumimoji="0" lang="pt-BR" sz="4400" b="0" i="0" u="none" strike="noStrike" kern="1200" cap="none" spc="0" normalizeH="0" baseline="0" noProof="0" dirty="0" smtClean="0">
+                <a:ln>
+                  <a:noFill/>
+                </a:ln>
+                <a:solidFill>
+                  <a:schemeClr val="tx1"/>
+                </a:solidFill>
+                <a:effectLst/>
+                <a:uLnTx/>
+                <a:uFillTx/>
+                <a:latin typeface="+mj-lt"/>
+                <a:ea typeface="+mj-ea"/>
+                <a:cs typeface="+mj-cs"/>
+              </a:rPr>
+              <a:t>Método dos Mínimos Quadrados</a:t>
+            </a:r>
+            <a:endParaRPr kumimoji="0" lang="pt-BR" sz="4400" b="0" i="0" u="none" strike="noStrike" kern="1200" cap="none" spc="0" normalizeH="0" baseline="0" noProof="0" dirty="0">
+              <a:ln>
+                <a:noFill/>
+              </a:ln>
+              <a:solidFill>
+                <a:schemeClr val="tx1"/>
+              </a:solidFill>
+              <a:effectLst/>
+              <a:uLnTx/>
+              <a:uFillTx/>
+              <a:latin typeface="+mj-lt"/>
+              <a:ea typeface="+mj-ea"/>
+              <a:cs typeface="+mj-cs"/>
+            </a:endParaRPr>
+          </a:p>
+        </p:txBody>
+      </p:sp>
+      <p:pic>
+        <p:nvPicPr>
+          <p:cNvPr id="2050" name="Picture 2"/>
+          <p:cNvPicPr>
+            <a:picLocks noChangeAspect="1" noChangeArrowheads="1"/>
+          </p:cNvPicPr>
+          <p:nvPr/>
+        </p:nvPicPr>
+        <p:blipFill>
+          <a:blip r:embed="rId4" cstate="print"/>
+          <a:srcRect/>
+          <a:stretch>
+            <a:fillRect/>
+          </a:stretch>
+        </p:blipFill>
+        <p:spPr bwMode="auto">
+          <a:xfrm>
+            <a:off x="6084168" y="2636912"/>
+            <a:ext cx="1266825" cy="390525"/>
+          </a:xfrm>
+          <a:prstGeom prst="rect">
+            <a:avLst/>
+          </a:prstGeom>
+          <a:noFill/>
+          <a:ln w="9525">
+            <a:noFill/>
+            <a:miter lim="800000"/>
+            <a:headEnd/>
+            <a:tailEnd/>
+          </a:ln>
         </p:spPr>
       </p:pic>
     </p:spTree>
     <p:extLst>
       <p:ext uri="{BB962C8B-B14F-4D97-AF65-F5344CB8AC3E}">
-        <p14:creationId xmlns:p14="http://schemas.microsoft.com/office/powerpoint/2010/main" val="2212537965"/>
+        <p14:creationId xmlns:p14="http://schemas.microsoft.com/office/powerpoint/2010/main" val="93810815"/>
       </p:ext>
     </p:extLst>
   </p:cSld>
   <p:clrMapOvr>
     <a:masterClrMapping/>
   </p:clrMapOvr>
+  <p:timing>
+    <p:tnLst>
+      <p:par>
+        <p:cTn id="1" dur="indefinite" restart="never" nodeType="tmRoot"/>
+      </p:par>
+    </p:tnLst>
+  </p:timing>
 </p:sld>
 </file>
 
@@ -13045,12 +13681,12 @@
       </p:grpSpPr>
       <p:sp>
         <p:nvSpPr>
-          <p:cNvPr id="2" name="Título 1"/>
+          <p:cNvPr id="3" name="Espaço Reservado para Conteúdo 2"/>
           <p:cNvSpPr>
             <a:spLocks noGrp="1"/>
           </p:cNvSpPr>
           <p:nvPr>
-            <p:ph type="title"/>
+            <p:ph idx="1"/>
           </p:nvPr>
         </p:nvSpPr>
         <p:spPr/>
@@ -13058,42 +13694,42 @@
           <a:bodyPr/>
           <a:lstStyle/>
           <a:p>
-            <a:r>
-              <a:rPr lang="pt-BR" dirty="0" smtClean="0"/>
-              <a:t>Análise Fatorial </a:t>
-            </a:r>
+            <a:endParaRPr lang="pt-BR" dirty="0" smtClean="0">
+              <a:hlinkClick r:id="rId2"/>
+            </a:endParaRPr>
+          </a:p>
+          <a:p>
+            <a:endParaRPr lang="pt-BR">
+              <a:hlinkClick r:id="rId2"/>
+            </a:endParaRPr>
+          </a:p>
+          <a:p>
+            <a:r>
+              <a:rPr lang="pt-BR" smtClean="0">
+                <a:hlinkClick r:id="rId2"/>
+              </a:rPr>
+              <a:t>https</a:t>
+            </a:r>
+            <a:r>
+              <a:rPr lang="pt-BR">
+                <a:hlinkClick r:id="rId2"/>
+              </a:rPr>
+              <a:t>://seeing-theory.brown.edu/index.html</a:t>
+            </a:r>
+            <a:endParaRPr lang="pt-BR"/>
+          </a:p>
+          <a:p>
+            <a:pPr marL="0" indent="0">
+              <a:buNone/>
+            </a:pPr>
             <a:endParaRPr lang="pt-BR" dirty="0"/>
           </a:p>
         </p:txBody>
       </p:sp>
-      <p:pic>
-        <p:nvPicPr>
-          <p:cNvPr id="4" name="Imagem 3"/>
-          <p:cNvPicPr>
-            <a:picLocks noChangeAspect="1"/>
-          </p:cNvPicPr>
-          <p:nvPr/>
-        </p:nvPicPr>
-        <p:blipFill>
-          <a:blip r:embed="rId2"/>
-          <a:stretch>
-            <a:fillRect/>
-          </a:stretch>
-        </p:blipFill>
-        <p:spPr>
-          <a:xfrm>
-            <a:off x="1300162" y="1556792"/>
-            <a:ext cx="6543675" cy="4638675"/>
-          </a:xfrm>
-          <a:prstGeom prst="rect">
-            <a:avLst/>
-          </a:prstGeom>
-        </p:spPr>
-      </p:pic>
     </p:spTree>
     <p:extLst>
       <p:ext uri="{BB962C8B-B14F-4D97-AF65-F5344CB8AC3E}">
-        <p14:creationId xmlns:p14="http://schemas.microsoft.com/office/powerpoint/2010/main" val="679814122"/>
+        <p14:creationId xmlns:p14="http://schemas.microsoft.com/office/powerpoint/2010/main" val="1931126806"/>
       </p:ext>
     </p:extLst>
   </p:cSld>
@@ -13130,29 +13766,14 @@
             <p:ph type="title"/>
           </p:nvPr>
         </p:nvSpPr>
-        <p:spPr>
-          <a:xfrm>
-            <a:off x="457200" y="103353"/>
-            <a:ext cx="8229600" cy="1143000"/>
-          </a:xfrm>
-        </p:spPr>
-        <p:txBody>
-          <a:bodyPr>
-            <a:normAutofit fontScale="90000"/>
-          </a:bodyPr>
+        <p:spPr/>
+        <p:txBody>
+          <a:bodyPr/>
           <a:lstStyle/>
           <a:p>
             <a:r>
               <a:rPr lang="pt-BR" dirty="0" smtClean="0"/>
-              <a:t>Delineamento em Blocos </a:t>
-            </a:r>
-            <a:r>
-              <a:rPr lang="pt-BR" dirty="0" err="1" smtClean="0"/>
-              <a:t>Casualizados</a:t>
-            </a:r>
-            <a:r>
-              <a:rPr lang="pt-BR" dirty="0" smtClean="0"/>
-              <a:t> com dois fatores</a:t>
+              <a:t>Coeficiente de Determinação</a:t>
             </a:r>
             <a:endParaRPr lang="pt-BR" dirty="0"/>
           </a:p>
@@ -13168,225 +13789,107 @@
             <p:ph idx="1"/>
           </p:nvPr>
         </p:nvSpPr>
-        <p:spPr>
-          <a:xfrm>
-            <a:off x="251520" y="1417638"/>
-            <a:ext cx="8229600" cy="5001419"/>
-          </a:xfrm>
-        </p:spPr>
+        <p:spPr/>
         <p:txBody>
           <a:bodyPr/>
           <a:lstStyle/>
           <a:p>
-            <a:pPr algn="ctr"/>
+            <a:r>
+              <a:rPr lang="pt-BR" dirty="0" smtClean="0"/>
+              <a:t>A relação entre SSR e SST fornece uma medida da proporção da variação total que é explicada pelo modelo de regressão</a:t>
+            </a:r>
+          </a:p>
+          <a:p>
+            <a:pPr lvl="1"/>
+            <a:r>
+              <a:rPr lang="pt-BR" dirty="0" smtClean="0"/>
+              <a:t>Coeficiente de determinação (r</a:t>
+            </a:r>
+            <a:r>
+              <a:rPr lang="pt-BR" baseline="30000" dirty="0" smtClean="0"/>
+              <a:t>2</a:t>
+            </a:r>
+            <a:r>
+              <a:rPr lang="pt-BR" dirty="0" smtClean="0"/>
+              <a:t>)</a:t>
+            </a:r>
+          </a:p>
+          <a:p>
             <a:endParaRPr lang="pt-BR" dirty="0" smtClean="0"/>
           </a:p>
           <a:p>
-            <a:pPr algn="ctr"/>
-            <a:r>
-              <a:rPr lang="pt-BR" dirty="0" smtClean="0"/>
-              <a:t>DBC (2 fatores) </a:t>
-            </a:r>
-            <a:r>
-              <a:rPr lang="pt-BR" dirty="0" err="1" smtClean="0"/>
-              <a:t>y</a:t>
-            </a:r>
-            <a:r>
-              <a:rPr lang="pt-BR" baseline="-25000" dirty="0" err="1" smtClean="0"/>
-              <a:t>ijk</a:t>
-            </a:r>
-            <a:r>
-              <a:rPr lang="pt-BR" baseline="-25000" dirty="0" smtClean="0"/>
-              <a:t> </a:t>
-            </a:r>
-            <a:r>
-              <a:rPr lang="pt-BR" dirty="0"/>
-              <a:t>= </a:t>
-            </a:r>
-            <a:r>
-              <a:rPr lang="el-GR" dirty="0"/>
-              <a:t>μ</a:t>
-            </a:r>
-            <a:r>
-              <a:rPr lang="pt-BR" dirty="0"/>
-              <a:t> + </a:t>
-            </a:r>
-            <a:r>
-              <a:rPr lang="pt-BR" dirty="0" err="1" smtClean="0"/>
-              <a:t>b</a:t>
-            </a:r>
-            <a:r>
-              <a:rPr lang="pt-BR" baseline="-25000" dirty="0" err="1" smtClean="0"/>
-              <a:t>j</a:t>
-            </a:r>
-            <a:r>
-              <a:rPr lang="pt-BR" dirty="0" smtClean="0"/>
-              <a:t>/</a:t>
-            </a:r>
-            <a:r>
-              <a:rPr lang="pt-BR" dirty="0" err="1" smtClean="0"/>
-              <a:t>a</a:t>
-            </a:r>
-            <a:r>
-              <a:rPr lang="pt-BR" baseline="-25000" dirty="0" err="1" smtClean="0"/>
-              <a:t>k</a:t>
-            </a:r>
-            <a:r>
-              <a:rPr lang="pt-BR" dirty="0" smtClean="0"/>
-              <a:t> </a:t>
-            </a:r>
-            <a:r>
-              <a:rPr lang="pt-BR" dirty="0"/>
-              <a:t>+ </a:t>
-            </a:r>
-            <a:r>
-              <a:rPr lang="pt-BR" dirty="0" err="1" smtClean="0"/>
-              <a:t>g</a:t>
-            </a:r>
-            <a:r>
-              <a:rPr lang="pt-BR" baseline="-25000" dirty="0" err="1" smtClean="0"/>
-              <a:t>i</a:t>
-            </a:r>
-            <a:r>
-              <a:rPr lang="pt-BR" dirty="0" smtClean="0"/>
-              <a:t> + </a:t>
-            </a:r>
-            <a:r>
-              <a:rPr lang="pt-BR" dirty="0" err="1" smtClean="0"/>
-              <a:t>a</a:t>
-            </a:r>
-            <a:r>
-              <a:rPr lang="pt-BR" baseline="-25000" dirty="0" err="1" smtClean="0"/>
-              <a:t>k</a:t>
-            </a:r>
-            <a:r>
-              <a:rPr lang="pt-BR" dirty="0" smtClean="0"/>
-              <a:t> + </a:t>
-            </a:r>
-            <a:r>
-              <a:rPr lang="pt-BR" dirty="0" err="1" smtClean="0"/>
-              <a:t>e</a:t>
-            </a:r>
-            <a:r>
-              <a:rPr lang="pt-BR" baseline="-25000" dirty="0" err="1" smtClean="0"/>
-              <a:t>ijk</a:t>
-            </a:r>
             <a:endParaRPr lang="pt-BR" dirty="0"/>
           </a:p>
         </p:txBody>
       </p:sp>
       <p:pic>
         <p:nvPicPr>
-          <p:cNvPr id="7" name="Imagem 6"/>
+          <p:cNvPr id="5124" name="Picture 4"/>
           <p:cNvPicPr>
-            <a:picLocks noChangeAspect="1"/>
+            <a:picLocks noChangeAspect="1" noChangeArrowheads="1"/>
           </p:cNvPicPr>
           <p:nvPr/>
         </p:nvPicPr>
         <p:blipFill>
-          <a:blip r:embed="rId2"/>
+          <a:blip r:embed="rId2" cstate="print"/>
+          <a:srcRect/>
           <a:stretch>
             <a:fillRect/>
           </a:stretch>
         </p:blipFill>
-        <p:spPr>
-          <a:xfrm>
-            <a:off x="385192" y="4158372"/>
-            <a:ext cx="3898776" cy="1234612"/>
+        <p:spPr bwMode="auto">
+          <a:xfrm>
+            <a:off x="755576" y="4077072"/>
+            <a:ext cx="7867650" cy="1104900"/>
           </a:xfrm>
           <a:prstGeom prst="rect">
             <a:avLst/>
           </a:prstGeom>
+          <a:noFill/>
+          <a:ln w="9525">
+            <a:noFill/>
+            <a:miter lim="800000"/>
+            <a:headEnd/>
+            <a:tailEnd/>
+          </a:ln>
         </p:spPr>
       </p:pic>
       <p:pic>
         <p:nvPicPr>
-          <p:cNvPr id="8" name="Imagem 7"/>
+          <p:cNvPr id="5126" name="Picture 6"/>
           <p:cNvPicPr>
-            <a:picLocks noChangeAspect="1"/>
+            <a:picLocks noChangeAspect="1" noChangeArrowheads="1"/>
           </p:cNvPicPr>
           <p:nvPr/>
         </p:nvPicPr>
         <p:blipFill>
-          <a:blip r:embed="rId2"/>
+          <a:blip r:embed="rId3" cstate="print"/>
+          <a:srcRect/>
           <a:stretch>
             <a:fillRect/>
           </a:stretch>
         </p:blipFill>
-        <p:spPr>
-          <a:xfrm>
-            <a:off x="4459932" y="4158372"/>
-            <a:ext cx="3898776" cy="1234612"/>
-          </a:xfrm>
-          <a:prstGeom prst="rect">
-            <a:avLst/>
-          </a:prstGeom>
-        </p:spPr>
-      </p:pic>
-      <p:sp>
-        <p:nvSpPr>
-          <p:cNvPr id="9" name="CaixaDeTexto 8"/>
-          <p:cNvSpPr txBox="1"/>
-          <p:nvPr/>
-        </p:nvSpPr>
-        <p:spPr>
-          <a:xfrm>
-            <a:off x="2227684" y="3789040"/>
-            <a:ext cx="2016224" cy="369332"/>
+        <p:spPr bwMode="auto">
+          <a:xfrm>
+            <a:off x="2051720" y="5374095"/>
+            <a:ext cx="4712221" cy="1295265"/>
           </a:xfrm>
           <a:prstGeom prst="rect">
             <a:avLst/>
           </a:prstGeom>
           <a:noFill/>
-        </p:spPr>
-        <p:txBody>
-          <a:bodyPr wrap="square" rtlCol="0">
-            <a:spAutoFit/>
-          </a:bodyPr>
-          <a:lstStyle/>
-          <a:p>
-            <a:r>
-              <a:rPr lang="pt-BR" dirty="0" smtClean="0"/>
-              <a:t>Ano 1</a:t>
-            </a:r>
-            <a:endParaRPr lang="pt-BR" dirty="0"/>
-          </a:p>
-        </p:txBody>
-      </p:sp>
-      <p:sp>
-        <p:nvSpPr>
-          <p:cNvPr id="10" name="CaixaDeTexto 9"/>
-          <p:cNvSpPr txBox="1"/>
-          <p:nvPr/>
-        </p:nvSpPr>
-        <p:spPr>
-          <a:xfrm>
-            <a:off x="6260132" y="3819957"/>
-            <a:ext cx="2016224" cy="369332"/>
-          </a:xfrm>
-          <a:prstGeom prst="rect">
-            <a:avLst/>
-          </a:prstGeom>
-          <a:noFill/>
-        </p:spPr>
-        <p:txBody>
-          <a:bodyPr wrap="square" rtlCol="0">
-            <a:spAutoFit/>
-          </a:bodyPr>
-          <a:lstStyle/>
-          <a:p>
-            <a:r>
-              <a:rPr lang="pt-BR" dirty="0" smtClean="0"/>
-              <a:t>Ano 2</a:t>
-            </a:r>
-            <a:endParaRPr lang="pt-BR" dirty="0"/>
-          </a:p>
-        </p:txBody>
-      </p:sp>
+          <a:ln w="9525">
+            <a:noFill/>
+            <a:miter lim="800000"/>
+            <a:headEnd/>
+            <a:tailEnd/>
+          </a:ln>
+        </p:spPr>
+      </p:pic>
     </p:spTree>
     <p:extLst>
       <p:ext uri="{BB962C8B-B14F-4D97-AF65-F5344CB8AC3E}">
-        <p14:creationId xmlns:p14="http://schemas.microsoft.com/office/powerpoint/2010/main" val="3180707604"/>
+        <p14:creationId xmlns:p14="http://schemas.microsoft.com/office/powerpoint/2010/main" val="3621062241"/>
       </p:ext>
     </p:extLst>
   </p:cSld>
@@ -13437,40 +13940,120 @@
           <a:p>
             <a:r>
               <a:rPr lang="pt-BR" dirty="0" smtClean="0"/>
-              <a:t>Interação Genótipo x Ambiente</a:t>
+              <a:t>Coeficiente de Correlação</a:t>
             </a:r>
             <a:endParaRPr lang="pt-BR" dirty="0"/>
+          </a:p>
+        </p:txBody>
+      </p:sp>
+      <p:sp>
+        <p:nvSpPr>
+          <p:cNvPr id="3" name="Espaço Reservado para Conteúdo 2"/>
+          <p:cNvSpPr>
+            <a:spLocks noGrp="1"/>
+          </p:cNvSpPr>
+          <p:nvPr>
+            <p:ph idx="1"/>
+          </p:nvPr>
+        </p:nvSpPr>
+        <p:spPr/>
+        <p:txBody>
+          <a:bodyPr/>
+          <a:lstStyle/>
+          <a:p>
+            <a:r>
+              <a:rPr lang="pt-BR" dirty="0" smtClean="0"/>
+              <a:t>É a medida do grau de relacionamento linear entre as variáveis </a:t>
+            </a:r>
+            <a:r>
+              <a:rPr lang="pt-BR" i="1" dirty="0" smtClean="0"/>
+              <a:t>X</a:t>
+            </a:r>
+            <a:r>
+              <a:rPr lang="pt-BR" dirty="0" smtClean="0"/>
+              <a:t> e </a:t>
+            </a:r>
+            <a:r>
+              <a:rPr lang="pt-BR" i="1" dirty="0" smtClean="0"/>
+              <a:t>Y</a:t>
+            </a:r>
+          </a:p>
+          <a:p>
+            <a:endParaRPr lang="pt-BR" i="1" dirty="0" smtClean="0"/>
+          </a:p>
+          <a:p>
+            <a:endParaRPr lang="pt-BR" i="1" dirty="0"/>
           </a:p>
         </p:txBody>
       </p:sp>
       <p:pic>
         <p:nvPicPr>
-          <p:cNvPr id="3" name="Imagem 2"/>
+          <p:cNvPr id="6146" name="Picture 2"/>
           <p:cNvPicPr>
-            <a:picLocks noChangeAspect="1"/>
+            <a:picLocks noChangeAspect="1" noChangeArrowheads="1"/>
           </p:cNvPicPr>
           <p:nvPr/>
         </p:nvPicPr>
         <p:blipFill>
-          <a:blip r:embed="rId2"/>
+          <a:blip r:embed="rId2" cstate="print"/>
+          <a:srcRect/>
           <a:stretch>
             <a:fillRect/>
           </a:stretch>
         </p:blipFill>
-        <p:spPr>
-          <a:xfrm>
-            <a:off x="633412" y="2420888"/>
-            <a:ext cx="7877175" cy="2724150"/>
+        <p:spPr bwMode="auto">
+          <a:xfrm>
+            <a:off x="2543174" y="2996952"/>
+            <a:ext cx="4585109" cy="774948"/>
           </a:xfrm>
           <a:prstGeom prst="rect">
             <a:avLst/>
           </a:prstGeom>
+          <a:noFill/>
+          <a:ln w="9525">
+            <a:noFill/>
+            <a:miter lim="800000"/>
+            <a:headEnd/>
+            <a:tailEnd/>
+          </a:ln>
+        </p:spPr>
+      </p:pic>
+      <p:pic>
+        <p:nvPicPr>
+          <p:cNvPr id="6147" name="Picture 3"/>
+          <p:cNvPicPr>
+            <a:picLocks noChangeAspect="1" noChangeArrowheads="1"/>
+          </p:cNvPicPr>
+          <p:nvPr/>
+        </p:nvPicPr>
+        <p:blipFill>
+          <a:blip r:embed="rId3" cstate="print"/>
+          <a:srcRect/>
+          <a:stretch>
+            <a:fillRect/>
+          </a:stretch>
+        </p:blipFill>
+        <p:spPr bwMode="auto">
+          <a:xfrm>
+            <a:off x="827584" y="4149080"/>
+            <a:ext cx="7305547" cy="1949574"/>
+          </a:xfrm>
+          <a:prstGeom prst="rect">
+            <a:avLst/>
+          </a:prstGeom>
+          <a:noFill/>
+          <a:ln w="9525">
+            <a:noFill/>
+            <a:miter lim="800000"/>
+            <a:headEnd/>
+            <a:tailEnd/>
+          </a:ln>
         </p:spPr>
       </p:pic>
     </p:spTree>
     <p:extLst>
       <p:ext uri="{BB962C8B-B14F-4D97-AF65-F5344CB8AC3E}">
-        <p14:creationId xmlns:p14="http://schemas.microsoft.com/office/powerpoint/2010/main" val="3002217832"/>
+        <p14:creationId xmlns:p14="http://schemas.microsoft.com/office/powerpoint/2010/main" val="3082064861"/>
       </p:ext>
     </p:extLst>
   </p:cSld>
@@ -13516,14 +14099,23 @@
         </p:nvSpPr>
         <p:spPr/>
         <p:txBody>
-          <a:bodyPr/>
-          <a:lstStyle/>
-          <a:p>
+          <a:bodyPr>
+            <a:normAutofit/>
+          </a:bodyPr>
+          <a:lstStyle/>
+          <a:p>
+            <a:r>
+              <a:rPr lang="pt-BR" dirty="0"/>
+              <a:t>Soma dos Desvios </a:t>
+            </a:r>
             <a:r>
               <a:rPr lang="pt-BR" dirty="0" smtClean="0"/>
-              <a:t>Estatística Inferencial</a:t>
-            </a:r>
-            <a:endParaRPr lang="pt-BR" dirty="0"/>
+              <a:t>(</a:t>
+            </a:r>
+            <a:r>
+              <a:rPr lang="pt-BR" dirty="0"/>
+              <a:t>SD)</a:t>
+            </a:r>
           </a:p>
         </p:txBody>
       </p:sp>
@@ -13537,29 +14129,102 @@
             <p:ph idx="1"/>
           </p:nvPr>
         </p:nvSpPr>
-        <p:spPr/>
+        <p:spPr>
+          <a:xfrm>
+            <a:off x="457200" y="1772816"/>
+            <a:ext cx="8229600" cy="4353347"/>
+          </a:xfrm>
+        </p:spPr>
         <p:txBody>
           <a:bodyPr/>
           <a:lstStyle/>
           <a:p>
+            <a:pPr marL="0" indent="0" algn="ctr">
+              <a:buNone/>
+            </a:pPr>
             <a:r>
               <a:rPr lang="pt-BR" dirty="0" smtClean="0"/>
-              <a:t>Teste de Hipótese</a:t>
-            </a:r>
-          </a:p>
-          <a:p>
-            <a:r>
-              <a:rPr lang="pt-BR" dirty="0" smtClean="0"/>
-              <a:t>Análise de Variância (ANOVA) </a:t>
-            </a:r>
-            <a:endParaRPr lang="pt-BR" dirty="0"/>
-          </a:p>
-        </p:txBody>
-      </p:sp>
+              <a:t>x = 2, 1, 1, 3, 3 </a:t>
+            </a:r>
+          </a:p>
+        </p:txBody>
+      </p:sp>
+      <p:graphicFrame>
+        <p:nvGraphicFramePr>
+          <p:cNvPr id="4" name="Objeto 3"/>
+          <p:cNvGraphicFramePr>
+            <a:graphicFrameLocks noChangeAspect="1"/>
+          </p:cNvGraphicFramePr>
+          <p:nvPr>
+            <p:extLst/>
+          </p:nvPr>
+        </p:nvGraphicFramePr>
+        <p:xfrm>
+          <a:off x="2482056" y="2789238"/>
+          <a:ext cx="4179888" cy="3519487"/>
+        </p:xfrm>
+        <a:graphic>
+          <a:graphicData uri="http://schemas.openxmlformats.org/presentationml/2006/ole">
+            <mc:AlternateContent xmlns:mc="http://schemas.openxmlformats.org/markup-compatibility/2006">
+              <mc:Choice xmlns:v="urn:schemas-microsoft-com:vml" Requires="v">
+                <p:oleObj spid="_x0000_s5126" name="Equação" r:id="rId3" imgW="1409400" imgH="1600200" progId="Equation.3">
+                  <p:embed/>
+                </p:oleObj>
+              </mc:Choice>
+              <mc:Fallback>
+                <p:oleObj name="Equação" r:id="rId3" imgW="1409400" imgH="1600200" progId="Equation.3">
+                  <p:embed/>
+                  <p:pic>
+                    <p:nvPicPr>
+                      <p:cNvPr id="4" name="Objeto 3"/>
+                      <p:cNvPicPr>
+                        <a:picLocks noChangeAspect="1" noChangeArrowheads="1"/>
+                      </p:cNvPicPr>
+                      <p:nvPr/>
+                    </p:nvPicPr>
+                    <p:blipFill>
+                      <a:blip r:embed="rId4">
+                        <a:extLst>
+                          <a:ext uri="{28A0092B-C50C-407E-A947-70E740481C1C}">
+                            <a14:useLocalDpi xmlns:a14="http://schemas.microsoft.com/office/drawing/2010/main" val="0"/>
+                          </a:ext>
+                        </a:extLst>
+                      </a:blip>
+                      <a:srcRect/>
+                      <a:stretch>
+                        <a:fillRect/>
+                      </a:stretch>
+                    </p:blipFill>
+                    <p:spPr bwMode="auto">
+                      <a:xfrm>
+                        <a:off x="2482056" y="2789238"/>
+                        <a:ext cx="4179888" cy="3519487"/>
+                      </a:xfrm>
+                      <a:prstGeom prst="rect">
+                        <a:avLst/>
+                      </a:prstGeom>
+                      <a:noFill/>
+                      <a:extLst>
+                        <a:ext uri="{909E8E84-426E-40DD-AFC4-6F175D3DCCD1}">
+                          <a14:hiddenFill xmlns:a14="http://schemas.microsoft.com/office/drawing/2010/main">
+                            <a:solidFill>
+                              <a:srgbClr val="FFFFFF"/>
+                            </a:solidFill>
+                          </a14:hiddenFill>
+                        </a:ext>
+                      </a:extLst>
+                    </p:spPr>
+                  </p:pic>
+                </p:oleObj>
+              </mc:Fallback>
+            </mc:AlternateContent>
+          </a:graphicData>
+        </a:graphic>
+      </p:graphicFrame>
     </p:spTree>
     <p:extLst>
       <p:ext uri="{BB962C8B-B14F-4D97-AF65-F5344CB8AC3E}">
-        <p14:creationId xmlns:p14="http://schemas.microsoft.com/office/powerpoint/2010/main" val="3601046323"/>
+        <p14:creationId xmlns:p14="http://schemas.microsoft.com/office/powerpoint/2010/main" val="442937418"/>
       </p:ext>
     </p:extLst>
   </p:cSld>
@@ -13593,6 +14258,568 @@
           <a:chExt cx="0" cy="0"/>
         </a:xfrm>
       </p:grpSpPr>
+      <p:pic>
+        <p:nvPicPr>
+          <p:cNvPr id="6" name="Imagem 5"/>
+          <p:cNvPicPr>
+            <a:picLocks noChangeAspect="1"/>
+          </p:cNvPicPr>
+          <p:nvPr/>
+        </p:nvPicPr>
+        <p:blipFill>
+          <a:blip r:embed="rId2"/>
+          <a:stretch>
+            <a:fillRect/>
+          </a:stretch>
+        </p:blipFill>
+        <p:spPr>
+          <a:xfrm>
+            <a:off x="476197" y="2204864"/>
+            <a:ext cx="8344275" cy="2592288"/>
+          </a:xfrm>
+          <a:prstGeom prst="rect">
+            <a:avLst/>
+          </a:prstGeom>
+        </p:spPr>
+      </p:pic>
+      <p:sp>
+        <p:nvSpPr>
+          <p:cNvPr id="2" name="Título 1"/>
+          <p:cNvSpPr>
+            <a:spLocks noGrp="1"/>
+          </p:cNvSpPr>
+          <p:nvPr>
+            <p:ph type="title"/>
+          </p:nvPr>
+        </p:nvSpPr>
+        <p:spPr/>
+        <p:txBody>
+          <a:bodyPr/>
+          <a:lstStyle/>
+          <a:p>
+            <a:r>
+              <a:rPr lang="pt-BR" dirty="0" smtClean="0"/>
+              <a:t>Equação da correlação de Pearson</a:t>
+            </a:r>
+            <a:endParaRPr lang="pt-BR" dirty="0"/>
+          </a:p>
+        </p:txBody>
+      </p:sp>
+      <p:pic>
+        <p:nvPicPr>
+          <p:cNvPr id="7" name="Imagem 6"/>
+          <p:cNvPicPr>
+            <a:picLocks noChangeAspect="1"/>
+          </p:cNvPicPr>
+          <p:nvPr/>
+        </p:nvPicPr>
+        <p:blipFill>
+          <a:blip r:embed="rId3"/>
+          <a:stretch>
+            <a:fillRect/>
+          </a:stretch>
+        </p:blipFill>
+        <p:spPr>
+          <a:xfrm>
+            <a:off x="2411760" y="3872086"/>
+            <a:ext cx="6362700" cy="781050"/>
+          </a:xfrm>
+          <a:prstGeom prst="rect">
+            <a:avLst/>
+          </a:prstGeom>
+        </p:spPr>
+      </p:pic>
+    </p:spTree>
+    <p:extLst>
+      <p:ext uri="{BB962C8B-B14F-4D97-AF65-F5344CB8AC3E}">
+        <p14:creationId xmlns:p14="http://schemas.microsoft.com/office/powerpoint/2010/main" val="2212537965"/>
+      </p:ext>
+    </p:extLst>
+  </p:cSld>
+  <p:clrMapOvr>
+    <a:masterClrMapping/>
+  </p:clrMapOvr>
+</p:sld>
+</file>
+
+<file path=ppt/slides/slide51.xml><?xml version="1.0" encoding="utf-8"?>
+<p:sld xmlns:a="http://schemas.openxmlformats.org/drawingml/2006/main" xmlns:r="http://schemas.openxmlformats.org/officeDocument/2006/relationships" xmlns:p="http://schemas.openxmlformats.org/presentationml/2006/main">
+  <p:cSld>
+    <p:spTree>
+      <p:nvGrpSpPr>
+        <p:cNvPr id="1" name=""/>
+        <p:cNvGrpSpPr/>
+        <p:nvPr/>
+      </p:nvGrpSpPr>
+      <p:grpSpPr>
+        <a:xfrm>
+          <a:off x="0" y="0"/>
+          <a:ext cx="0" cy="0"/>
+          <a:chOff x="0" y="0"/>
+          <a:chExt cx="0" cy="0"/>
+        </a:xfrm>
+      </p:grpSpPr>
+      <p:sp>
+        <p:nvSpPr>
+          <p:cNvPr id="2" name="Título 1"/>
+          <p:cNvSpPr>
+            <a:spLocks noGrp="1"/>
+          </p:cNvSpPr>
+          <p:nvPr>
+            <p:ph type="title"/>
+          </p:nvPr>
+        </p:nvSpPr>
+        <p:spPr/>
+        <p:txBody>
+          <a:bodyPr/>
+          <a:lstStyle/>
+          <a:p>
+            <a:r>
+              <a:rPr lang="pt-BR" dirty="0" smtClean="0"/>
+              <a:t>Análise Fatorial </a:t>
+            </a:r>
+            <a:endParaRPr lang="pt-BR" dirty="0"/>
+          </a:p>
+        </p:txBody>
+      </p:sp>
+      <p:pic>
+        <p:nvPicPr>
+          <p:cNvPr id="4" name="Imagem 3"/>
+          <p:cNvPicPr>
+            <a:picLocks noChangeAspect="1"/>
+          </p:cNvPicPr>
+          <p:nvPr/>
+        </p:nvPicPr>
+        <p:blipFill>
+          <a:blip r:embed="rId2"/>
+          <a:stretch>
+            <a:fillRect/>
+          </a:stretch>
+        </p:blipFill>
+        <p:spPr>
+          <a:xfrm>
+            <a:off x="1300162" y="1556792"/>
+            <a:ext cx="6543675" cy="4638675"/>
+          </a:xfrm>
+          <a:prstGeom prst="rect">
+            <a:avLst/>
+          </a:prstGeom>
+        </p:spPr>
+      </p:pic>
+    </p:spTree>
+    <p:extLst>
+      <p:ext uri="{BB962C8B-B14F-4D97-AF65-F5344CB8AC3E}">
+        <p14:creationId xmlns:p14="http://schemas.microsoft.com/office/powerpoint/2010/main" val="679814122"/>
+      </p:ext>
+    </p:extLst>
+  </p:cSld>
+  <p:clrMapOvr>
+    <a:masterClrMapping/>
+  </p:clrMapOvr>
+</p:sld>
+</file>
+
+<file path=ppt/slides/slide52.xml><?xml version="1.0" encoding="utf-8"?>
+<p:sld xmlns:a="http://schemas.openxmlformats.org/drawingml/2006/main" xmlns:r="http://schemas.openxmlformats.org/officeDocument/2006/relationships" xmlns:p="http://schemas.openxmlformats.org/presentationml/2006/main">
+  <p:cSld>
+    <p:spTree>
+      <p:nvGrpSpPr>
+        <p:cNvPr id="1" name=""/>
+        <p:cNvGrpSpPr/>
+        <p:nvPr/>
+      </p:nvGrpSpPr>
+      <p:grpSpPr>
+        <a:xfrm>
+          <a:off x="0" y="0"/>
+          <a:ext cx="0" cy="0"/>
+          <a:chOff x="0" y="0"/>
+          <a:chExt cx="0" cy="0"/>
+        </a:xfrm>
+      </p:grpSpPr>
+      <p:sp>
+        <p:nvSpPr>
+          <p:cNvPr id="2" name="Título 1"/>
+          <p:cNvSpPr>
+            <a:spLocks noGrp="1"/>
+          </p:cNvSpPr>
+          <p:nvPr>
+            <p:ph type="title"/>
+          </p:nvPr>
+        </p:nvSpPr>
+        <p:spPr>
+          <a:xfrm>
+            <a:off x="457200" y="103353"/>
+            <a:ext cx="8229600" cy="1143000"/>
+          </a:xfrm>
+        </p:spPr>
+        <p:txBody>
+          <a:bodyPr>
+            <a:normAutofit fontScale="90000"/>
+          </a:bodyPr>
+          <a:lstStyle/>
+          <a:p>
+            <a:r>
+              <a:rPr lang="pt-BR" dirty="0" smtClean="0"/>
+              <a:t>Delineamento em Blocos </a:t>
+            </a:r>
+            <a:r>
+              <a:rPr lang="pt-BR" dirty="0" err="1" smtClean="0"/>
+              <a:t>Casualizados</a:t>
+            </a:r>
+            <a:r>
+              <a:rPr lang="pt-BR" dirty="0" smtClean="0"/>
+              <a:t> com dois fatores</a:t>
+            </a:r>
+            <a:endParaRPr lang="pt-BR" dirty="0"/>
+          </a:p>
+        </p:txBody>
+      </p:sp>
+      <p:sp>
+        <p:nvSpPr>
+          <p:cNvPr id="3" name="Espaço Reservado para Conteúdo 2"/>
+          <p:cNvSpPr>
+            <a:spLocks noGrp="1"/>
+          </p:cNvSpPr>
+          <p:nvPr>
+            <p:ph idx="1"/>
+          </p:nvPr>
+        </p:nvSpPr>
+        <p:spPr>
+          <a:xfrm>
+            <a:off x="251520" y="1417638"/>
+            <a:ext cx="8229600" cy="5001419"/>
+          </a:xfrm>
+        </p:spPr>
+        <p:txBody>
+          <a:bodyPr/>
+          <a:lstStyle/>
+          <a:p>
+            <a:pPr algn="ctr"/>
+            <a:endParaRPr lang="pt-BR" dirty="0" smtClean="0"/>
+          </a:p>
+          <a:p>
+            <a:pPr algn="ctr"/>
+            <a:r>
+              <a:rPr lang="pt-BR" dirty="0" smtClean="0"/>
+              <a:t>DBC (2 fatores) </a:t>
+            </a:r>
+            <a:r>
+              <a:rPr lang="pt-BR" dirty="0" err="1" smtClean="0"/>
+              <a:t>y</a:t>
+            </a:r>
+            <a:r>
+              <a:rPr lang="pt-BR" baseline="-25000" dirty="0" err="1" smtClean="0"/>
+              <a:t>ijk</a:t>
+            </a:r>
+            <a:r>
+              <a:rPr lang="pt-BR" baseline="-25000" dirty="0" smtClean="0"/>
+              <a:t> </a:t>
+            </a:r>
+            <a:r>
+              <a:rPr lang="pt-BR" dirty="0"/>
+              <a:t>= </a:t>
+            </a:r>
+            <a:r>
+              <a:rPr lang="el-GR" dirty="0"/>
+              <a:t>μ</a:t>
+            </a:r>
+            <a:r>
+              <a:rPr lang="pt-BR" dirty="0"/>
+              <a:t> + </a:t>
+            </a:r>
+            <a:r>
+              <a:rPr lang="pt-BR" dirty="0" err="1" smtClean="0"/>
+              <a:t>b</a:t>
+            </a:r>
+            <a:r>
+              <a:rPr lang="pt-BR" baseline="-25000" dirty="0" err="1" smtClean="0"/>
+              <a:t>j</a:t>
+            </a:r>
+            <a:r>
+              <a:rPr lang="pt-BR" dirty="0" smtClean="0"/>
+              <a:t>/</a:t>
+            </a:r>
+            <a:r>
+              <a:rPr lang="pt-BR" dirty="0" err="1" smtClean="0"/>
+              <a:t>a</a:t>
+            </a:r>
+            <a:r>
+              <a:rPr lang="pt-BR" baseline="-25000" dirty="0" err="1" smtClean="0"/>
+              <a:t>k</a:t>
+            </a:r>
+            <a:r>
+              <a:rPr lang="pt-BR" dirty="0" smtClean="0"/>
+              <a:t> </a:t>
+            </a:r>
+            <a:r>
+              <a:rPr lang="pt-BR" dirty="0"/>
+              <a:t>+ </a:t>
+            </a:r>
+            <a:r>
+              <a:rPr lang="pt-BR" dirty="0" err="1" smtClean="0"/>
+              <a:t>g</a:t>
+            </a:r>
+            <a:r>
+              <a:rPr lang="pt-BR" baseline="-25000" dirty="0" err="1" smtClean="0"/>
+              <a:t>i</a:t>
+            </a:r>
+            <a:r>
+              <a:rPr lang="pt-BR" dirty="0" smtClean="0"/>
+              <a:t> + </a:t>
+            </a:r>
+            <a:r>
+              <a:rPr lang="pt-BR" dirty="0" err="1" smtClean="0"/>
+              <a:t>a</a:t>
+            </a:r>
+            <a:r>
+              <a:rPr lang="pt-BR" baseline="-25000" dirty="0" err="1" smtClean="0"/>
+              <a:t>k</a:t>
+            </a:r>
+            <a:r>
+              <a:rPr lang="pt-BR" dirty="0" smtClean="0"/>
+              <a:t> + </a:t>
+            </a:r>
+            <a:r>
+              <a:rPr lang="pt-BR" dirty="0" err="1" smtClean="0"/>
+              <a:t>e</a:t>
+            </a:r>
+            <a:r>
+              <a:rPr lang="pt-BR" baseline="-25000" dirty="0" err="1" smtClean="0"/>
+              <a:t>ijk</a:t>
+            </a:r>
+            <a:endParaRPr lang="pt-BR" dirty="0"/>
+          </a:p>
+        </p:txBody>
+      </p:sp>
+      <p:pic>
+        <p:nvPicPr>
+          <p:cNvPr id="7" name="Imagem 6"/>
+          <p:cNvPicPr>
+            <a:picLocks noChangeAspect="1"/>
+          </p:cNvPicPr>
+          <p:nvPr/>
+        </p:nvPicPr>
+        <p:blipFill>
+          <a:blip r:embed="rId2"/>
+          <a:stretch>
+            <a:fillRect/>
+          </a:stretch>
+        </p:blipFill>
+        <p:spPr>
+          <a:xfrm>
+            <a:off x="385192" y="4158372"/>
+            <a:ext cx="3898776" cy="1234612"/>
+          </a:xfrm>
+          <a:prstGeom prst="rect">
+            <a:avLst/>
+          </a:prstGeom>
+        </p:spPr>
+      </p:pic>
+      <p:pic>
+        <p:nvPicPr>
+          <p:cNvPr id="8" name="Imagem 7"/>
+          <p:cNvPicPr>
+            <a:picLocks noChangeAspect="1"/>
+          </p:cNvPicPr>
+          <p:nvPr/>
+        </p:nvPicPr>
+        <p:blipFill>
+          <a:blip r:embed="rId2"/>
+          <a:stretch>
+            <a:fillRect/>
+          </a:stretch>
+        </p:blipFill>
+        <p:spPr>
+          <a:xfrm>
+            <a:off x="4459932" y="4158372"/>
+            <a:ext cx="3898776" cy="1234612"/>
+          </a:xfrm>
+          <a:prstGeom prst="rect">
+            <a:avLst/>
+          </a:prstGeom>
+        </p:spPr>
+      </p:pic>
+      <p:sp>
+        <p:nvSpPr>
+          <p:cNvPr id="9" name="CaixaDeTexto 8"/>
+          <p:cNvSpPr txBox="1"/>
+          <p:nvPr/>
+        </p:nvSpPr>
+        <p:spPr>
+          <a:xfrm>
+            <a:off x="2227684" y="3789040"/>
+            <a:ext cx="2016224" cy="369332"/>
+          </a:xfrm>
+          <a:prstGeom prst="rect">
+            <a:avLst/>
+          </a:prstGeom>
+          <a:noFill/>
+        </p:spPr>
+        <p:txBody>
+          <a:bodyPr wrap="square" rtlCol="0">
+            <a:spAutoFit/>
+          </a:bodyPr>
+          <a:lstStyle/>
+          <a:p>
+            <a:r>
+              <a:rPr lang="pt-BR" dirty="0" smtClean="0"/>
+              <a:t>Ano 1</a:t>
+            </a:r>
+            <a:endParaRPr lang="pt-BR" dirty="0"/>
+          </a:p>
+        </p:txBody>
+      </p:sp>
+      <p:sp>
+        <p:nvSpPr>
+          <p:cNvPr id="10" name="CaixaDeTexto 9"/>
+          <p:cNvSpPr txBox="1"/>
+          <p:nvPr/>
+        </p:nvSpPr>
+        <p:spPr>
+          <a:xfrm>
+            <a:off x="6260132" y="3819957"/>
+            <a:ext cx="2016224" cy="369332"/>
+          </a:xfrm>
+          <a:prstGeom prst="rect">
+            <a:avLst/>
+          </a:prstGeom>
+          <a:noFill/>
+        </p:spPr>
+        <p:txBody>
+          <a:bodyPr wrap="square" rtlCol="0">
+            <a:spAutoFit/>
+          </a:bodyPr>
+          <a:lstStyle/>
+          <a:p>
+            <a:r>
+              <a:rPr lang="pt-BR" dirty="0" smtClean="0"/>
+              <a:t>Ano 2</a:t>
+            </a:r>
+            <a:endParaRPr lang="pt-BR" dirty="0"/>
+          </a:p>
+        </p:txBody>
+      </p:sp>
+    </p:spTree>
+    <p:extLst>
+      <p:ext uri="{BB962C8B-B14F-4D97-AF65-F5344CB8AC3E}">
+        <p14:creationId xmlns:p14="http://schemas.microsoft.com/office/powerpoint/2010/main" val="3180707604"/>
+      </p:ext>
+    </p:extLst>
+  </p:cSld>
+  <p:clrMapOvr>
+    <a:masterClrMapping/>
+  </p:clrMapOvr>
+  <p:timing>
+    <p:tnLst>
+      <p:par>
+        <p:cTn id="1" dur="indefinite" restart="never" nodeType="tmRoot"/>
+      </p:par>
+    </p:tnLst>
+  </p:timing>
+</p:sld>
+</file>
+
+<file path=ppt/slides/slide53.xml><?xml version="1.0" encoding="utf-8"?>
+<p:sld xmlns:a="http://schemas.openxmlformats.org/drawingml/2006/main" xmlns:r="http://schemas.openxmlformats.org/officeDocument/2006/relationships" xmlns:p="http://schemas.openxmlformats.org/presentationml/2006/main">
+  <p:cSld>
+    <p:spTree>
+      <p:nvGrpSpPr>
+        <p:cNvPr id="1" name=""/>
+        <p:cNvGrpSpPr/>
+        <p:nvPr/>
+      </p:nvGrpSpPr>
+      <p:grpSpPr>
+        <a:xfrm>
+          <a:off x="0" y="0"/>
+          <a:ext cx="0" cy="0"/>
+          <a:chOff x="0" y="0"/>
+          <a:chExt cx="0" cy="0"/>
+        </a:xfrm>
+      </p:grpSpPr>
+      <p:sp>
+        <p:nvSpPr>
+          <p:cNvPr id="2" name="Título 1"/>
+          <p:cNvSpPr>
+            <a:spLocks noGrp="1"/>
+          </p:cNvSpPr>
+          <p:nvPr>
+            <p:ph type="title"/>
+          </p:nvPr>
+        </p:nvSpPr>
+        <p:spPr/>
+        <p:txBody>
+          <a:bodyPr/>
+          <a:lstStyle/>
+          <a:p>
+            <a:r>
+              <a:rPr lang="pt-BR" dirty="0" smtClean="0"/>
+              <a:t>Interação Genótipo x Ambiente</a:t>
+            </a:r>
+            <a:endParaRPr lang="pt-BR" dirty="0"/>
+          </a:p>
+        </p:txBody>
+      </p:sp>
+      <p:pic>
+        <p:nvPicPr>
+          <p:cNvPr id="3" name="Imagem 2"/>
+          <p:cNvPicPr>
+            <a:picLocks noChangeAspect="1"/>
+          </p:cNvPicPr>
+          <p:nvPr/>
+        </p:nvPicPr>
+        <p:blipFill>
+          <a:blip r:embed="rId2"/>
+          <a:stretch>
+            <a:fillRect/>
+          </a:stretch>
+        </p:blipFill>
+        <p:spPr>
+          <a:xfrm>
+            <a:off x="633412" y="2420888"/>
+            <a:ext cx="7877175" cy="2724150"/>
+          </a:xfrm>
+          <a:prstGeom prst="rect">
+            <a:avLst/>
+          </a:prstGeom>
+        </p:spPr>
+      </p:pic>
+    </p:spTree>
+    <p:extLst>
+      <p:ext uri="{BB962C8B-B14F-4D97-AF65-F5344CB8AC3E}">
+        <p14:creationId xmlns:p14="http://schemas.microsoft.com/office/powerpoint/2010/main" val="3002217832"/>
+      </p:ext>
+    </p:extLst>
+  </p:cSld>
+  <p:clrMapOvr>
+    <a:masterClrMapping/>
+  </p:clrMapOvr>
+  <p:timing>
+    <p:tnLst>
+      <p:par>
+        <p:cTn id="1" dur="indefinite" restart="never" nodeType="tmRoot"/>
+      </p:par>
+    </p:tnLst>
+  </p:timing>
+</p:sld>
+</file>
+
+<file path=ppt/slides/slide54.xml><?xml version="1.0" encoding="utf-8"?>
+<p:sld xmlns:a="http://schemas.openxmlformats.org/drawingml/2006/main" xmlns:r="http://schemas.openxmlformats.org/officeDocument/2006/relationships" xmlns:p="http://schemas.openxmlformats.org/presentationml/2006/main">
+  <p:cSld>
+    <p:spTree>
+      <p:nvGrpSpPr>
+        <p:cNvPr id="1" name=""/>
+        <p:cNvGrpSpPr/>
+        <p:nvPr/>
+      </p:nvGrpSpPr>
+      <p:grpSpPr>
+        <a:xfrm>
+          <a:off x="0" y="0"/>
+          <a:ext cx="0" cy="0"/>
+          <a:chOff x="0" y="0"/>
+          <a:chExt cx="0" cy="0"/>
+        </a:xfrm>
+      </p:grpSpPr>
       <p:sp>
         <p:nvSpPr>
           <p:cNvPr id="2" name="Título 1"/>
@@ -13705,7 +14932,7 @@
 </p:sld>
 </file>
 
-<file path=ppt/slides/slide51.xml><?xml version="1.0" encoding="utf-8"?>
+<file path=ppt/slides/slide55.xml><?xml version="1.0" encoding="utf-8"?>
 <p:sld xmlns:a="http://schemas.openxmlformats.org/drawingml/2006/main" xmlns:r="http://schemas.openxmlformats.org/officeDocument/2006/relationships" xmlns:p="http://schemas.openxmlformats.org/presentationml/2006/main">
   <p:cSld>
     <p:spTree>
@@ -13722,25 +14949,6 @@
           <a:chExt cx="0" cy="0"/>
         </a:xfrm>
       </p:grpSpPr>
-      <p:sp>
-        <p:nvSpPr>
-          <p:cNvPr id="2" name="Título 1"/>
-          <p:cNvSpPr>
-            <a:spLocks noGrp="1"/>
-          </p:cNvSpPr>
-          <p:nvPr>
-            <p:ph type="title"/>
-          </p:nvPr>
-        </p:nvSpPr>
-        <p:spPr/>
-        <p:txBody>
-          <a:bodyPr/>
-          <a:lstStyle/>
-          <a:p>
-            <a:endParaRPr lang="pt-BR"/>
-          </a:p>
-        </p:txBody>
-      </p:sp>
       <p:sp>
         <p:nvSpPr>
           <p:cNvPr id="3" name="Espaço Reservado para Conteúdo 2"/>
@@ -13803,7 +15011,7 @@
 </p:sld>
 </file>
 
-<file path=ppt/slides/slide52.xml><?xml version="1.0" encoding="utf-8"?>
+<file path=ppt/slides/slide56.xml><?xml version="1.0" encoding="utf-8"?>
 <p:sld xmlns:a="http://schemas.openxmlformats.org/drawingml/2006/main" xmlns:r="http://schemas.openxmlformats.org/officeDocument/2006/relationships" xmlns:p="http://schemas.openxmlformats.org/presentationml/2006/main">
   <p:cSld>
     <p:spTree>
@@ -14560,7 +15768,7 @@
 </p:sld>
 </file>
 
-<file path=ppt/slides/slide53.xml><?xml version="1.0" encoding="utf-8"?>
+<file path=ppt/slides/slide57.xml><?xml version="1.0" encoding="utf-8"?>
 <p:sld xmlns:a="http://schemas.openxmlformats.org/drawingml/2006/main" xmlns:r="http://schemas.openxmlformats.org/officeDocument/2006/relationships" xmlns:p="http://schemas.openxmlformats.org/presentationml/2006/main">
   <p:cSld>
     <p:spTree>
@@ -17243,366 +18451,248 @@
             <p:ph type="title"/>
           </p:nvPr>
         </p:nvSpPr>
-        <p:spPr>
-          <a:xfrm>
-            <a:off x="457200" y="44624"/>
-            <a:ext cx="8229600" cy="1143000"/>
-          </a:xfrm>
-        </p:spPr>
-        <p:txBody>
-          <a:bodyPr/>
+        <p:spPr/>
+        <p:txBody>
+          <a:bodyPr>
+            <a:normAutofit/>
+          </a:bodyPr>
           <a:lstStyle/>
           <a:p>
             <a:r>
               <a:rPr lang="pt-BR" dirty="0" smtClean="0"/>
-              <a:t>Anova  - Exemplo prático</a:t>
+              <a:t>Variância</a:t>
             </a:r>
             <a:endParaRPr lang="pt-BR" dirty="0"/>
           </a:p>
         </p:txBody>
       </p:sp>
-      <p:pic>
-        <p:nvPicPr>
-          <p:cNvPr id="4" name="Imagem 3"/>
-          <p:cNvPicPr>
-            <a:picLocks noChangeAspect="1"/>
-          </p:cNvPicPr>
-          <p:nvPr/>
-        </p:nvPicPr>
-        <p:blipFill>
-          <a:blip r:embed="rId2"/>
-          <a:stretch>
-            <a:fillRect/>
-          </a:stretch>
-        </p:blipFill>
-        <p:spPr>
-          <a:xfrm>
-            <a:off x="1259632" y="1052736"/>
-            <a:ext cx="6547445" cy="3639359"/>
-          </a:xfrm>
-          <a:prstGeom prst="rect">
-            <a:avLst/>
-          </a:prstGeom>
-        </p:spPr>
-      </p:pic>
-      <p:sp>
-        <p:nvSpPr>
-          <p:cNvPr id="5" name="Elipse 4"/>
-          <p:cNvSpPr/>
-          <p:nvPr/>
-        </p:nvSpPr>
-        <p:spPr>
-          <a:xfrm>
-            <a:off x="1907704" y="1268760"/>
-            <a:ext cx="1224136" cy="1152128"/>
-          </a:xfrm>
-          <a:prstGeom prst="ellipse">
-            <a:avLst/>
-          </a:prstGeom>
-          <a:noFill/>
-        </p:spPr>
-        <p:style>
-          <a:lnRef idx="2">
-            <a:schemeClr val="accent1">
-              <a:shade val="50000"/>
-            </a:schemeClr>
-          </a:lnRef>
-          <a:fillRef idx="1">
-            <a:schemeClr val="accent1"/>
-          </a:fillRef>
-          <a:effectRef idx="0">
-            <a:schemeClr val="accent1"/>
-          </a:effectRef>
-          <a:fontRef idx="minor">
-            <a:schemeClr val="lt1"/>
-          </a:fontRef>
-        </p:style>
-        <p:txBody>
-          <a:bodyPr rtlCol="0" anchor="ctr"/>
-          <a:lstStyle/>
-          <a:p>
-            <a:pPr algn="ctr"/>
-            <a:endParaRPr lang="pt-BR"/>
-          </a:p>
-        </p:txBody>
-      </p:sp>
-      <p:sp>
-        <p:nvSpPr>
-          <p:cNvPr id="9" name="CaixaDeTexto 8"/>
-          <p:cNvSpPr txBox="1"/>
-          <p:nvPr/>
-        </p:nvSpPr>
-        <p:spPr>
-          <a:xfrm>
-            <a:off x="1043608" y="5571237"/>
-            <a:ext cx="7123509" cy="954107"/>
-          </a:xfrm>
-          <a:prstGeom prst="rect">
-            <a:avLst/>
-          </a:prstGeom>
-          <a:noFill/>
-        </p:spPr>
-        <p:txBody>
-          <a:bodyPr wrap="square" rtlCol="0">
-            <a:spAutoFit/>
-          </a:bodyPr>
-          <a:lstStyle/>
-          <a:p>
-            <a:pPr algn="ctr"/>
-            <a:r>
-              <a:rPr lang="pt-BR" sz="2800" dirty="0" smtClean="0"/>
-              <a:t>Hipótese:  H</a:t>
-            </a:r>
-            <a:r>
-              <a:rPr lang="pt-BR" sz="2800" baseline="-25000" dirty="0" smtClean="0"/>
-              <a:t>0</a:t>
-            </a:r>
-            <a:r>
-              <a:rPr lang="pt-BR" sz="2800" dirty="0" smtClean="0"/>
-              <a:t>: Não existe diferença na média do tempo de reação dos três grupos </a:t>
-            </a:r>
-            <a:endParaRPr lang="pt-BR" sz="2800" dirty="0"/>
-          </a:p>
-        </p:txBody>
-      </p:sp>
-      <p:sp>
-        <p:nvSpPr>
-          <p:cNvPr id="10" name="CaixaDeTexto 9"/>
-          <p:cNvSpPr txBox="1"/>
-          <p:nvPr/>
-        </p:nvSpPr>
-        <p:spPr>
-          <a:xfrm>
-            <a:off x="2051720" y="2420888"/>
-            <a:ext cx="864096" cy="430887"/>
-          </a:xfrm>
-          <a:prstGeom prst="rect">
-            <a:avLst/>
-          </a:prstGeom>
-          <a:noFill/>
-        </p:spPr>
-        <p:txBody>
-          <a:bodyPr wrap="square" rtlCol="0">
-            <a:spAutoFit/>
-          </a:bodyPr>
-          <a:lstStyle/>
-          <a:p>
-            <a:pPr algn="ctr"/>
-            <a:r>
-              <a:rPr lang="pt-BR" sz="2200" dirty="0" smtClean="0"/>
-              <a:t>Água</a:t>
-            </a:r>
-            <a:endParaRPr lang="pt-BR" sz="2200" dirty="0"/>
-          </a:p>
-        </p:txBody>
-      </p:sp>
-      <p:sp>
-        <p:nvSpPr>
-          <p:cNvPr id="11" name="CaixaDeTexto 10"/>
-          <p:cNvSpPr txBox="1"/>
-          <p:nvPr/>
-        </p:nvSpPr>
-        <p:spPr>
-          <a:xfrm>
-            <a:off x="3419872" y="2420888"/>
-            <a:ext cx="2232248" cy="430887"/>
-          </a:xfrm>
-          <a:prstGeom prst="rect">
-            <a:avLst/>
-          </a:prstGeom>
-          <a:noFill/>
-        </p:spPr>
-        <p:txBody>
-          <a:bodyPr wrap="square" rtlCol="0">
-            <a:spAutoFit/>
-          </a:bodyPr>
-          <a:lstStyle/>
-          <a:p>
-            <a:pPr algn="ctr"/>
-            <a:r>
-              <a:rPr lang="pt-BR" sz="2200" dirty="0" smtClean="0"/>
-              <a:t>Suco de Maracujá</a:t>
-            </a:r>
-            <a:endParaRPr lang="pt-BR" sz="2200" dirty="0"/>
-          </a:p>
-        </p:txBody>
-      </p:sp>
-      <p:sp>
-        <p:nvSpPr>
-          <p:cNvPr id="12" name="CaixaDeTexto 11"/>
-          <p:cNvSpPr txBox="1"/>
-          <p:nvPr/>
-        </p:nvSpPr>
-        <p:spPr>
-          <a:xfrm>
-            <a:off x="6228184" y="2420888"/>
-            <a:ext cx="864096" cy="430887"/>
-          </a:xfrm>
-          <a:prstGeom prst="rect">
-            <a:avLst/>
-          </a:prstGeom>
-          <a:noFill/>
-        </p:spPr>
-        <p:txBody>
-          <a:bodyPr wrap="square" rtlCol="0">
-            <a:spAutoFit/>
-          </a:bodyPr>
-          <a:lstStyle/>
-          <a:p>
-            <a:pPr algn="ctr"/>
-            <a:r>
-              <a:rPr lang="pt-BR" sz="2200" dirty="0" smtClean="0"/>
-              <a:t>Café</a:t>
-            </a:r>
-            <a:endParaRPr lang="pt-BR" sz="2200" dirty="0"/>
-          </a:p>
-        </p:txBody>
-      </p:sp>
-      <p:sp>
-        <p:nvSpPr>
-          <p:cNvPr id="14" name="Retângulo 13"/>
-          <p:cNvSpPr/>
-          <p:nvPr/>
-        </p:nvSpPr>
-        <p:spPr>
-          <a:xfrm>
-            <a:off x="4293096" y="6488668"/>
-            <a:ext cx="5454352" cy="369332"/>
-          </a:xfrm>
-          <a:prstGeom prst="rect">
-            <a:avLst/>
-          </a:prstGeom>
-        </p:spPr>
-        <p:txBody>
-          <a:bodyPr wrap="square">
-            <a:spAutoFit/>
-          </a:bodyPr>
-          <a:lstStyle/>
-          <a:p>
-            <a:r>
-              <a:rPr lang="pt-BR" dirty="0"/>
-              <a:t>https://www.youtube.com/watch?v=ITf4vHhyGpc</a:t>
-            </a:r>
-          </a:p>
-        </p:txBody>
-      </p:sp>
-      <p:sp>
-        <p:nvSpPr>
-          <p:cNvPr id="13" name="CaixaDeTexto 12"/>
-          <p:cNvSpPr txBox="1"/>
-          <p:nvPr/>
-        </p:nvSpPr>
-        <p:spPr>
-          <a:xfrm>
-            <a:off x="904876" y="4365104"/>
-            <a:ext cx="7334250" cy="892552"/>
-          </a:xfrm>
-          <a:prstGeom prst="rect">
-            <a:avLst/>
-          </a:prstGeom>
-          <a:noFill/>
-        </p:spPr>
-        <p:txBody>
-          <a:bodyPr wrap="square" rtlCol="0">
-            <a:spAutoFit/>
-          </a:bodyPr>
-          <a:lstStyle/>
-          <a:p>
-            <a:pPr algn="ctr"/>
-            <a:r>
-              <a:rPr lang="pt-BR" sz="2600" dirty="0" smtClean="0"/>
-              <a:t>Grupos de 5 pessoas foram avaliados quanto ao tempo de reposta após ingerirem 3 tipos de bebidas</a:t>
-            </a:r>
-            <a:endParaRPr lang="pt-BR" sz="2600" dirty="0"/>
-          </a:p>
-        </p:txBody>
-      </p:sp>
-      <p:sp>
-        <p:nvSpPr>
-          <p:cNvPr id="15" name="Elipse 14"/>
-          <p:cNvSpPr/>
-          <p:nvPr/>
-        </p:nvSpPr>
-        <p:spPr>
-          <a:xfrm>
-            <a:off x="3923928" y="1268760"/>
-            <a:ext cx="1224136" cy="1152128"/>
-          </a:xfrm>
-          <a:prstGeom prst="ellipse">
-            <a:avLst/>
-          </a:prstGeom>
-          <a:noFill/>
-        </p:spPr>
-        <p:style>
-          <a:lnRef idx="2">
-            <a:schemeClr val="accent1">
-              <a:shade val="50000"/>
-            </a:schemeClr>
-          </a:lnRef>
-          <a:fillRef idx="1">
-            <a:schemeClr val="accent1"/>
-          </a:fillRef>
-          <a:effectRef idx="0">
-            <a:schemeClr val="accent1"/>
-          </a:effectRef>
-          <a:fontRef idx="minor">
-            <a:schemeClr val="lt1"/>
-          </a:fontRef>
-        </p:style>
-        <p:txBody>
-          <a:bodyPr rtlCol="0" anchor="ctr"/>
-          <a:lstStyle/>
-          <a:p>
-            <a:pPr algn="ctr"/>
-            <a:endParaRPr lang="pt-BR"/>
-          </a:p>
-        </p:txBody>
-      </p:sp>
-      <p:sp>
-        <p:nvSpPr>
-          <p:cNvPr id="16" name="Elipse 15"/>
-          <p:cNvSpPr/>
-          <p:nvPr/>
-        </p:nvSpPr>
-        <p:spPr>
-          <a:xfrm>
-            <a:off x="6048164" y="1268760"/>
-            <a:ext cx="1224136" cy="1152128"/>
-          </a:xfrm>
-          <a:prstGeom prst="ellipse">
-            <a:avLst/>
-          </a:prstGeom>
-          <a:noFill/>
-        </p:spPr>
-        <p:style>
-          <a:lnRef idx="2">
-            <a:schemeClr val="accent1">
-              <a:shade val="50000"/>
-            </a:schemeClr>
-          </a:lnRef>
-          <a:fillRef idx="1">
-            <a:schemeClr val="accent1"/>
-          </a:fillRef>
-          <a:effectRef idx="0">
-            <a:schemeClr val="accent1"/>
-          </a:effectRef>
-          <a:fontRef idx="minor">
-            <a:schemeClr val="lt1"/>
-          </a:fontRef>
-        </p:style>
-        <p:txBody>
-          <a:bodyPr rtlCol="0" anchor="ctr"/>
-          <a:lstStyle/>
-          <a:p>
-            <a:pPr algn="ctr"/>
-            <a:endParaRPr lang="pt-BR"/>
-          </a:p>
-        </p:txBody>
-      </p:sp>
+      <p:graphicFrame>
+        <p:nvGraphicFramePr>
+          <p:cNvPr id="2050" name="Object 2"/>
+          <p:cNvGraphicFramePr>
+            <a:graphicFrameLocks noChangeAspect="1"/>
+          </p:cNvGraphicFramePr>
+          <p:nvPr>
+            <p:extLst>
+              <p:ext uri="{D42A27DB-BD31-4B8C-83A1-F6EECF244321}">
+                <p14:modId xmlns:p14="http://schemas.microsoft.com/office/powerpoint/2010/main" val="4229480287"/>
+              </p:ext>
+            </p:extLst>
+          </p:nvPr>
+        </p:nvGraphicFramePr>
+        <p:xfrm>
+          <a:off x="2280444" y="1397213"/>
+          <a:ext cx="4583112" cy="4197350"/>
+        </p:xfrm>
+        <a:graphic>
+          <a:graphicData uri="http://schemas.openxmlformats.org/presentationml/2006/ole">
+            <mc:AlternateContent xmlns:mc="http://schemas.openxmlformats.org/markup-compatibility/2006">
+              <mc:Choice xmlns:v="urn:schemas-microsoft-com:vml" Requires="v">
+                <p:oleObj spid="_x0000_s6150" name="Equação" r:id="rId3" imgW="1676160" imgH="1701720" progId="Equation.3">
+                  <p:embed/>
+                </p:oleObj>
+              </mc:Choice>
+              <mc:Fallback>
+                <p:oleObj name="Equação" r:id="rId3" imgW="1676160" imgH="1701720" progId="Equation.3">
+                  <p:embed/>
+                  <p:pic>
+                    <p:nvPicPr>
+                      <p:cNvPr id="2050" name="Object 2"/>
+                      <p:cNvPicPr>
+                        <a:picLocks noChangeAspect="1" noChangeArrowheads="1"/>
+                      </p:cNvPicPr>
+                      <p:nvPr/>
+                    </p:nvPicPr>
+                    <p:blipFill>
+                      <a:blip r:embed="rId4">
+                        <a:extLst>
+                          <a:ext uri="{28A0092B-C50C-407E-A947-70E740481C1C}">
+                            <a14:useLocalDpi xmlns:a14="http://schemas.microsoft.com/office/drawing/2010/main" val="0"/>
+                          </a:ext>
+                        </a:extLst>
+                      </a:blip>
+                      <a:srcRect/>
+                      <a:stretch>
+                        <a:fillRect/>
+                      </a:stretch>
+                    </p:blipFill>
+                    <p:spPr bwMode="auto">
+                      <a:xfrm>
+                        <a:off x="2280444" y="1397213"/>
+                        <a:ext cx="4583112" cy="4197350"/>
+                      </a:xfrm>
+                      <a:prstGeom prst="rect">
+                        <a:avLst/>
+                      </a:prstGeom>
+                      <a:noFill/>
+                      <a:ln>
+                        <a:noFill/>
+                      </a:ln>
+                      <a:effectLst/>
+                      <a:extLst>
+                        <a:ext uri="{909E8E84-426E-40DD-AFC4-6F175D3DCCD1}">
+                          <a14:hiddenFill xmlns:a14="http://schemas.microsoft.com/office/drawing/2010/main">
+                            <a:solidFill>
+                              <a:schemeClr val="accent1"/>
+                            </a:solidFill>
+                          </a14:hiddenFill>
+                        </a:ext>
+                        <a:ext uri="{91240B29-F687-4F45-9708-019B960494DF}">
+                          <a14:hiddenLine xmlns:a14="http://schemas.microsoft.com/office/drawing/2010/main" w="9525">
+                            <a:solidFill>
+                              <a:schemeClr val="tx1"/>
+                            </a:solidFill>
+                            <a:miter lim="800000"/>
+                            <a:headEnd/>
+                            <a:tailEnd/>
+                          </a14:hiddenLine>
+                        </a:ext>
+                        <a:ext uri="{AF507438-7753-43E0-B8FC-AC1667EBCBE1}">
+                          <a14:hiddenEffects xmlns:a14="http://schemas.microsoft.com/office/drawing/2010/main">
+                            <a:effectLst>
+                              <a:outerShdw dist="35921" dir="2700000" algn="ctr" rotWithShape="0">
+                                <a:schemeClr val="bg2"/>
+                              </a:outerShdw>
+                            </a:effectLst>
+                          </a14:hiddenEffects>
+                        </a:ext>
+                      </a:extLst>
+                    </p:spPr>
+                  </p:pic>
+                </p:oleObj>
+              </mc:Fallback>
+            </mc:AlternateContent>
+          </a:graphicData>
+        </a:graphic>
+      </p:graphicFrame>
+      <mc:AlternateContent xmlns:mc="http://schemas.openxmlformats.org/markup-compatibility/2006" xmlns:a14="http://schemas.microsoft.com/office/drawing/2010/main">
+        <mc:Choice Requires="a14">
+          <p:sp>
+            <p:nvSpPr>
+              <p:cNvPr id="4" name="Título 1"/>
+              <p:cNvSpPr txBox="1">
+                <a:spLocks/>
+              </p:cNvSpPr>
+              <p:nvPr/>
+            </p:nvSpPr>
+            <p:spPr>
+              <a:xfrm>
+                <a:off x="539552" y="5594563"/>
+                <a:ext cx="8229600" cy="1143000"/>
+              </a:xfrm>
+              <a:prstGeom prst="rect">
+                <a:avLst/>
+              </a:prstGeom>
+            </p:spPr>
+            <p:txBody>
+              <a:bodyPr vert="horz" lIns="91440" tIns="45720" rIns="91440" bIns="45720" rtlCol="0" anchor="ctr">
+                <a:normAutofit/>
+              </a:bodyPr>
+              <a:lstStyle>
+                <a:lvl1pPr algn="ctr" defTabSz="914400" rtl="0" eaLnBrk="1" latinLnBrk="0" hangingPunct="1">
+                  <a:spcBef>
+                    <a:spcPct val="0"/>
+                  </a:spcBef>
+                  <a:buNone/>
+                  <a:defRPr sz="4400" kern="1200">
+                    <a:solidFill>
+                      <a:schemeClr val="tx1"/>
+                    </a:solidFill>
+                    <a:latin typeface="+mj-lt"/>
+                    <a:ea typeface="+mj-ea"/>
+                    <a:cs typeface="+mj-cs"/>
+                  </a:defRPr>
+                </a:lvl1pPr>
+              </a:lstStyle>
+              <a:p>
+                <a:r>
+                  <a:rPr lang="pt-BR" dirty="0" smtClean="0"/>
+                  <a:t>Desvio padrão = </a:t>
+                </a:r>
+                <a14:m>
+                  <m:oMath xmlns:m="http://schemas.openxmlformats.org/officeDocument/2006/math">
+                    <m:rad>
+                      <m:radPr>
+                        <m:degHide m:val="on"/>
+                        <m:ctrlPr>
+                          <a:rPr lang="pt-BR" b="0" i="1" smtClean="0">
+                            <a:latin typeface="Cambria Math" panose="02040503050406030204" pitchFamily="18" charset="0"/>
+                            <a:ea typeface="Cambria Math" panose="02040503050406030204" pitchFamily="18" charset="0"/>
+                          </a:rPr>
+                        </m:ctrlPr>
+                      </m:radPr>
+                      <m:deg/>
+                      <m:e>
+                        <m:r>
+                          <a:rPr lang="pt-BR" b="0" i="1" smtClean="0">
+                            <a:latin typeface="Cambria Math" panose="02040503050406030204" pitchFamily="18" charset="0"/>
+                            <a:ea typeface="Cambria Math" panose="02040503050406030204" pitchFamily="18" charset="0"/>
+                          </a:rPr>
+                          <m:t>4</m:t>
+                        </m:r>
+                      </m:e>
+                    </m:rad>
+                    <m:r>
+                      <a:rPr lang="pt-BR" b="0" i="1" smtClean="0">
+                        <a:latin typeface="Cambria Math" panose="02040503050406030204" pitchFamily="18" charset="0"/>
+                        <a:ea typeface="Cambria Math" panose="02040503050406030204" pitchFamily="18" charset="0"/>
+                      </a:rPr>
+                      <m:t>=2</m:t>
+                    </m:r>
+                  </m:oMath>
+                </a14:m>
+                <a:r>
+                  <a:rPr lang="pt-BR" dirty="0" smtClean="0"/>
+                  <a:t> </a:t>
+                </a:r>
+                <a:endParaRPr lang="pt-BR" dirty="0"/>
+              </a:p>
+            </p:txBody>
+          </p:sp>
+        </mc:Choice>
+        <mc:Fallback xmlns="">
+          <p:sp>
+            <p:nvSpPr>
+              <p:cNvPr id="4" name="Título 1"/>
+              <p:cNvSpPr txBox="1">
+                <a:spLocks noRot="1" noChangeAspect="1" noMove="1" noResize="1" noEditPoints="1" noAdjustHandles="1" noChangeArrowheads="1" noChangeShapeType="1" noTextEdit="1"/>
+              </p:cNvSpPr>
+              <p:nvPr/>
+            </p:nvSpPr>
+            <p:spPr>
+              <a:xfrm>
+                <a:off x="539552" y="5594563"/>
+                <a:ext cx="8229600" cy="1143000"/>
+              </a:xfrm>
+              <a:prstGeom prst="rect">
+                <a:avLst/>
+              </a:prstGeom>
+              <a:blipFill>
+                <a:blip r:embed="rId5"/>
+                <a:stretch>
+                  <a:fillRect b="-12299"/>
+                </a:stretch>
+              </a:blipFill>
+            </p:spPr>
+            <p:txBody>
+              <a:bodyPr/>
+              <a:lstStyle/>
+              <a:p>
+                <a:r>
+                  <a:rPr lang="pt-BR">
+                    <a:noFill/>
+                  </a:rPr>
+                  <a:t> </a:t>
+                </a:r>
+              </a:p>
+            </p:txBody>
+          </p:sp>
+        </mc:Fallback>
+      </mc:AlternateContent>
     </p:spTree>
     <p:extLst>
       <p:ext uri="{BB962C8B-B14F-4D97-AF65-F5344CB8AC3E}">
-        <p14:creationId xmlns:p14="http://schemas.microsoft.com/office/powerpoint/2010/main" val="1750575002"/>
+        <p14:creationId xmlns:p14="http://schemas.microsoft.com/office/powerpoint/2010/main" val="2239497162"/>
       </p:ext>
     </p:extLst>
   </p:cSld>
@@ -17651,106 +18741,337 @@
           <a:bodyPr/>
           <a:lstStyle/>
           <a:p>
+            <a:r>
+              <a:rPr lang="pt-BR" dirty="0" smtClean="0"/>
+              <a:t>Estatística Inferencial</a:t>
+            </a:r>
+            <a:endParaRPr lang="pt-BR" dirty="0"/>
+          </a:p>
+        </p:txBody>
+      </p:sp>
+      <p:sp>
+        <p:nvSpPr>
+          <p:cNvPr id="4" name="Elipse 3"/>
+          <p:cNvSpPr/>
+          <p:nvPr/>
+        </p:nvSpPr>
+        <p:spPr>
+          <a:xfrm>
+            <a:off x="1295636" y="1916832"/>
+            <a:ext cx="6552728" cy="2016224"/>
+          </a:xfrm>
+          <a:prstGeom prst="ellipse">
+            <a:avLst/>
+          </a:prstGeom>
+          <a:solidFill>
+            <a:schemeClr val="accent1">
+              <a:lumMod val="60000"/>
+              <a:lumOff val="40000"/>
+            </a:schemeClr>
+          </a:solidFill>
+          <a:ln>
+            <a:solidFill>
+              <a:schemeClr val="tx1"/>
+            </a:solidFill>
+          </a:ln>
+        </p:spPr>
+        <p:style>
+          <a:lnRef idx="2">
+            <a:schemeClr val="accent1">
+              <a:shade val="50000"/>
+            </a:schemeClr>
+          </a:lnRef>
+          <a:fillRef idx="1">
+            <a:schemeClr val="accent1"/>
+          </a:fillRef>
+          <a:effectRef idx="0">
+            <a:schemeClr val="accent1"/>
+          </a:effectRef>
+          <a:fontRef idx="minor">
+            <a:schemeClr val="lt1"/>
+          </a:fontRef>
+        </p:style>
+        <p:txBody>
+          <a:bodyPr rtlCol="0" anchor="ctr"/>
+          <a:lstStyle/>
+          <a:p>
+            <a:pPr algn="ctr"/>
             <a:endParaRPr lang="pt-BR"/>
           </a:p>
         </p:txBody>
       </p:sp>
       <p:sp>
         <p:nvSpPr>
-          <p:cNvPr id="3" name="Espaço Reservado para Conteúdo 2"/>
-          <p:cNvSpPr>
-            <a:spLocks noGrp="1"/>
-          </p:cNvSpPr>
-          <p:nvPr>
-            <p:ph idx="1"/>
-          </p:nvPr>
-        </p:nvSpPr>
-        <p:spPr/>
-        <p:txBody>
-          <a:bodyPr/>
-          <a:lstStyle/>
-          <a:p>
-            <a:r>
-              <a:rPr lang="pt-BR" dirty="0" smtClean="0"/>
-              <a:t>Observação:</a:t>
-            </a:r>
-          </a:p>
-          <a:p>
-            <a:endParaRPr lang="pt-BR" dirty="0"/>
-          </a:p>
-          <a:p>
-            <a:endParaRPr lang="pt-BR" dirty="0" smtClean="0"/>
-          </a:p>
-          <a:p>
-            <a:endParaRPr lang="pt-BR" dirty="0"/>
-          </a:p>
-          <a:p>
-            <a:endParaRPr lang="pt-BR" dirty="0" smtClean="0"/>
-          </a:p>
-          <a:p>
-            <a:r>
-              <a:rPr lang="pt-BR" dirty="0" smtClean="0"/>
-              <a:t>Para testar apenas 2 grupos poderia ser utilizado o teste t de </a:t>
-            </a:r>
-            <a:r>
-              <a:rPr lang="pt-BR" dirty="0" err="1" smtClean="0"/>
-              <a:t>student</a:t>
-            </a:r>
-            <a:endParaRPr lang="pt-BR" dirty="0"/>
-          </a:p>
-          <a:p>
-            <a:endParaRPr lang="pt-BR" dirty="0"/>
-          </a:p>
-        </p:txBody>
-      </p:sp>
-      <p:pic>
-        <p:nvPicPr>
-          <p:cNvPr id="4" name="Imagem 3"/>
-          <p:cNvPicPr>
-            <a:picLocks noChangeAspect="1"/>
-          </p:cNvPicPr>
+          <p:cNvPr id="5" name="Elipse 4"/>
+          <p:cNvSpPr/>
           <p:nvPr/>
-        </p:nvPicPr>
-        <p:blipFill>
-          <a:blip r:embed="rId2"/>
-          <a:stretch>
-            <a:fillRect/>
-          </a:stretch>
-        </p:blipFill>
-        <p:spPr>
-          <a:xfrm>
-            <a:off x="1910016" y="2364681"/>
-            <a:ext cx="5326280" cy="2000423"/>
+        </p:nvSpPr>
+        <p:spPr>
+          <a:xfrm>
+            <a:off x="3131840" y="5373216"/>
+            <a:ext cx="2880320" cy="936104"/>
+          </a:xfrm>
+          <a:prstGeom prst="ellipse">
+            <a:avLst/>
+          </a:prstGeom>
+          <a:solidFill>
+            <a:schemeClr val="accent1">
+              <a:lumMod val="20000"/>
+              <a:lumOff val="80000"/>
+            </a:schemeClr>
+          </a:solidFill>
+          <a:ln>
+            <a:solidFill>
+              <a:schemeClr val="tx1"/>
+            </a:solidFill>
+          </a:ln>
+        </p:spPr>
+        <p:style>
+          <a:lnRef idx="2">
+            <a:schemeClr val="accent1">
+              <a:shade val="50000"/>
+            </a:schemeClr>
+          </a:lnRef>
+          <a:fillRef idx="1">
+            <a:schemeClr val="accent1"/>
+          </a:fillRef>
+          <a:effectRef idx="0">
+            <a:schemeClr val="accent1"/>
+          </a:effectRef>
+          <a:fontRef idx="minor">
+            <a:schemeClr val="lt1"/>
+          </a:fontRef>
+        </p:style>
+        <p:txBody>
+          <a:bodyPr rtlCol="0" anchor="ctr"/>
+          <a:lstStyle/>
+          <a:p>
+            <a:pPr algn="ctr"/>
+            <a:endParaRPr lang="pt-BR"/>
+          </a:p>
+        </p:txBody>
+      </p:sp>
+      <p:sp>
+        <p:nvSpPr>
+          <p:cNvPr id="6" name="CaixaDeTexto 5"/>
+          <p:cNvSpPr txBox="1"/>
+          <p:nvPr/>
+        </p:nvSpPr>
+        <p:spPr>
+          <a:xfrm>
+            <a:off x="2591780" y="2673132"/>
+            <a:ext cx="3960440" cy="553998"/>
           </a:xfrm>
           <a:prstGeom prst="rect">
             <a:avLst/>
           </a:prstGeom>
-        </p:spPr>
-      </p:pic>
-      <p:sp>
-        <p:nvSpPr>
-          <p:cNvPr id="5" name="Retângulo 4"/>
-          <p:cNvSpPr/>
+          <a:noFill/>
+        </p:spPr>
+        <p:txBody>
+          <a:bodyPr wrap="square" rtlCol="0">
+            <a:spAutoFit/>
+          </a:bodyPr>
+          <a:lstStyle/>
+          <a:p>
+            <a:pPr algn="ctr"/>
+            <a:r>
+              <a:rPr lang="pt-BR" sz="3000" dirty="0" smtClean="0"/>
+              <a:t>População</a:t>
+            </a:r>
+            <a:endParaRPr lang="pt-BR" sz="3000" dirty="0"/>
+          </a:p>
+        </p:txBody>
+      </p:sp>
+      <p:sp>
+        <p:nvSpPr>
+          <p:cNvPr id="7" name="CaixaDeTexto 6"/>
+          <p:cNvSpPr txBox="1"/>
           <p:nvPr/>
         </p:nvSpPr>
         <p:spPr>
           <a:xfrm>
-            <a:off x="4293096" y="6488668"/>
-            <a:ext cx="5454352" cy="369332"/>
+            <a:off x="2591780" y="5564269"/>
+            <a:ext cx="3960440" cy="553998"/>
           </a:xfrm>
           <a:prstGeom prst="rect">
             <a:avLst/>
           </a:prstGeom>
-        </p:spPr>
-        <p:txBody>
-          <a:bodyPr wrap="square">
+          <a:noFill/>
+        </p:spPr>
+        <p:txBody>
+          <a:bodyPr wrap="square" rtlCol="0">
             <a:spAutoFit/>
           </a:bodyPr>
           <a:lstStyle/>
           <a:p>
-            <a:r>
-              <a:rPr lang="pt-BR" dirty="0"/>
-              <a:t>https://www.youtube.com/watch?v=ITf4vHhyGpc</a:t>
+            <a:pPr algn="ctr"/>
+            <a:r>
+              <a:rPr lang="pt-BR" sz="3000" dirty="0" smtClean="0"/>
+              <a:t>Amostra</a:t>
+            </a:r>
+            <a:endParaRPr lang="pt-BR" sz="3000" dirty="0"/>
+          </a:p>
+        </p:txBody>
+      </p:sp>
+      <p:sp>
+        <p:nvSpPr>
+          <p:cNvPr id="8" name="Seta em Curva para a Direita 7"/>
+          <p:cNvSpPr/>
+          <p:nvPr/>
+        </p:nvSpPr>
+        <p:spPr>
+          <a:xfrm>
+            <a:off x="2133547" y="2736841"/>
+            <a:ext cx="1456527" cy="3390818"/>
+          </a:xfrm>
+          <a:prstGeom prst="curvedRightArrow">
+            <a:avLst/>
+          </a:prstGeom>
+        </p:spPr>
+        <p:style>
+          <a:lnRef idx="2">
+            <a:schemeClr val="accent1">
+              <a:shade val="50000"/>
+            </a:schemeClr>
+          </a:lnRef>
+          <a:fillRef idx="1">
+            <a:schemeClr val="accent1"/>
+          </a:fillRef>
+          <a:effectRef idx="0">
+            <a:schemeClr val="accent1"/>
+          </a:effectRef>
+          <a:fontRef idx="minor">
+            <a:schemeClr val="lt1"/>
+          </a:fontRef>
+        </p:style>
+        <p:txBody>
+          <a:bodyPr rtlCol="0" anchor="ctr"/>
+          <a:lstStyle/>
+          <a:p>
+            <a:pPr algn="ctr"/>
+            <a:endParaRPr lang="pt-BR">
+              <a:solidFill>
+                <a:schemeClr val="tx1"/>
+              </a:solidFill>
+            </a:endParaRPr>
+          </a:p>
+        </p:txBody>
+      </p:sp>
+      <p:sp>
+        <p:nvSpPr>
+          <p:cNvPr id="10" name="Seta em Curva para a Direita 9"/>
+          <p:cNvSpPr/>
+          <p:nvPr/>
+        </p:nvSpPr>
+        <p:spPr>
+          <a:xfrm rot="10800000">
+            <a:off x="5522591" y="2630469"/>
+            <a:ext cx="1456527" cy="3390818"/>
+          </a:xfrm>
+          <a:prstGeom prst="curvedRightArrow">
+            <a:avLst/>
+          </a:prstGeom>
+        </p:spPr>
+        <p:style>
+          <a:lnRef idx="2">
+            <a:schemeClr val="accent1">
+              <a:shade val="50000"/>
+            </a:schemeClr>
+          </a:lnRef>
+          <a:fillRef idx="1">
+            <a:schemeClr val="accent1"/>
+          </a:fillRef>
+          <a:effectRef idx="0">
+            <a:schemeClr val="accent1"/>
+          </a:effectRef>
+          <a:fontRef idx="minor">
+            <a:schemeClr val="lt1"/>
+          </a:fontRef>
+        </p:style>
+        <p:txBody>
+          <a:bodyPr rtlCol="0" anchor="ctr"/>
+          <a:lstStyle/>
+          <a:p>
+            <a:pPr algn="ctr"/>
+            <a:endParaRPr lang="pt-BR">
+              <a:solidFill>
+                <a:schemeClr val="tx1"/>
+              </a:solidFill>
+            </a:endParaRPr>
+          </a:p>
+        </p:txBody>
+      </p:sp>
+      <p:sp>
+        <p:nvSpPr>
+          <p:cNvPr id="11" name="CaixaDeTexto 10"/>
+          <p:cNvSpPr txBox="1"/>
+          <p:nvPr/>
+        </p:nvSpPr>
+        <p:spPr>
+          <a:xfrm>
+            <a:off x="134442" y="4000601"/>
+            <a:ext cx="2160240" cy="830997"/>
+          </a:xfrm>
+          <a:prstGeom prst="rect">
+            <a:avLst/>
+          </a:prstGeom>
+          <a:noFill/>
+        </p:spPr>
+        <p:txBody>
+          <a:bodyPr wrap="square" rtlCol="0">
+            <a:spAutoFit/>
+          </a:bodyPr>
+          <a:lstStyle/>
+          <a:p>
+            <a:pPr algn="ctr"/>
+            <a:r>
+              <a:rPr lang="pt-BR" sz="2400" dirty="0" smtClean="0"/>
+              <a:t>Amostragem</a:t>
+            </a:r>
+          </a:p>
+          <a:p>
+            <a:pPr algn="ctr"/>
+            <a:r>
+              <a:rPr lang="pt-BR" sz="2400" dirty="0" smtClean="0"/>
+              <a:t>Aleatória</a:t>
+            </a:r>
+            <a:endParaRPr lang="pt-BR" sz="2400" dirty="0"/>
+          </a:p>
+        </p:txBody>
+      </p:sp>
+      <p:sp>
+        <p:nvSpPr>
+          <p:cNvPr id="12" name="CaixaDeTexto 11"/>
+          <p:cNvSpPr txBox="1"/>
+          <p:nvPr/>
+        </p:nvSpPr>
+        <p:spPr>
+          <a:xfrm>
+            <a:off x="6660232" y="4000601"/>
+            <a:ext cx="2160240" cy="830997"/>
+          </a:xfrm>
+          <a:prstGeom prst="rect">
+            <a:avLst/>
+          </a:prstGeom>
+          <a:noFill/>
+        </p:spPr>
+        <p:txBody>
+          <a:bodyPr wrap="square" rtlCol="0">
+            <a:spAutoFit/>
+          </a:bodyPr>
+          <a:lstStyle/>
+          <a:p>
+            <a:pPr algn="ctr"/>
+            <a:r>
+              <a:rPr lang="pt-BR" sz="2400" dirty="0" smtClean="0"/>
+              <a:t>Inferência</a:t>
+            </a:r>
+          </a:p>
+          <a:p>
+            <a:pPr algn="ctr"/>
+            <a:r>
+              <a:rPr lang="pt-BR" sz="2400" dirty="0" smtClean="0"/>
+              <a:t>Estatística</a:t>
             </a:r>
           </a:p>
         </p:txBody>
@@ -17758,7 +19079,7 @@
     </p:spTree>
     <p:extLst>
       <p:ext uri="{BB962C8B-B14F-4D97-AF65-F5344CB8AC3E}">
-        <p14:creationId xmlns:p14="http://schemas.microsoft.com/office/powerpoint/2010/main" val="2227932793"/>
+        <p14:creationId xmlns:p14="http://schemas.microsoft.com/office/powerpoint/2010/main" val="3601046323"/>
       </p:ext>
     </p:extLst>
   </p:cSld>
@@ -17807,32 +19128,16 @@
           <a:bodyPr/>
           <a:lstStyle/>
           <a:p>
-            <a:endParaRPr lang="pt-BR"/>
-          </a:p>
-        </p:txBody>
-      </p:sp>
-      <p:sp>
-        <p:nvSpPr>
-          <p:cNvPr id="3" name="Espaço Reservado para Conteúdo 2"/>
-          <p:cNvSpPr>
-            <a:spLocks noGrp="1"/>
-          </p:cNvSpPr>
-          <p:nvPr>
-            <p:ph idx="1"/>
-          </p:nvPr>
-        </p:nvSpPr>
-        <p:spPr/>
-        <p:txBody>
-          <a:bodyPr/>
-          <a:lstStyle/>
-          <a:p>
-            <a:endParaRPr lang="pt-BR" dirty="0"/>
+            <a:r>
+              <a:rPr lang="pt-BR" dirty="0"/>
+              <a:t>Estatística Inferencial</a:t>
+            </a:r>
           </a:p>
         </p:txBody>
       </p:sp>
       <p:pic>
         <p:nvPicPr>
-          <p:cNvPr id="6" name="Imagem 5"/>
+          <p:cNvPr id="4" name="Imagem 3"/>
           <p:cNvPicPr>
             <a:picLocks noChangeAspect="1"/>
           </p:cNvPicPr>
@@ -17846,8 +19151,8 @@
         </p:blipFill>
         <p:spPr>
           <a:xfrm>
-            <a:off x="-36512" y="1844824"/>
-            <a:ext cx="4593714" cy="2853998"/>
+            <a:off x="4560991" y="1412776"/>
+            <a:ext cx="4490181" cy="2627841"/>
           </a:xfrm>
           <a:prstGeom prst="rect">
             <a:avLst/>
@@ -17856,217 +19161,156 @@
       </p:pic>
       <p:pic>
         <p:nvPicPr>
-          <p:cNvPr id="7" name="Imagem 6"/>
+          <p:cNvPr id="5" name="Imagem 4"/>
           <p:cNvPicPr>
             <a:picLocks noChangeAspect="1"/>
           </p:cNvPicPr>
           <p:nvPr/>
         </p:nvPicPr>
         <p:blipFill>
-          <a:blip r:embed="rId3"/>
+          <a:blip r:embed="rId3">
+            <a:extLst>
+              <a:ext uri="{28A0092B-C50C-407E-A947-70E740481C1C}">
+                <a14:useLocalDpi xmlns:a14="http://schemas.microsoft.com/office/drawing/2010/main" val="0"/>
+              </a:ext>
+            </a:extLst>
+          </a:blip>
           <a:stretch>
             <a:fillRect/>
           </a:stretch>
         </p:blipFill>
         <p:spPr>
           <a:xfrm>
-            <a:off x="4716016" y="1847290"/>
-            <a:ext cx="4320480" cy="2877854"/>
+            <a:off x="0" y="4030332"/>
+            <a:ext cx="4392488" cy="2798062"/>
           </a:xfrm>
           <a:prstGeom prst="rect">
             <a:avLst/>
           </a:prstGeom>
         </p:spPr>
       </p:pic>
-      <p:sp>
-        <p:nvSpPr>
-          <p:cNvPr id="8" name="Retângulo 7"/>
-          <p:cNvSpPr/>
+      <p:pic>
+        <p:nvPicPr>
+          <p:cNvPr id="6" name="Imagem 5"/>
+          <p:cNvPicPr>
+            <a:picLocks noChangeAspect="1"/>
+          </p:cNvPicPr>
           <p:nvPr/>
-        </p:nvSpPr>
-        <p:spPr>
-          <a:xfrm>
-            <a:off x="0" y="1844824"/>
-            <a:ext cx="4572000" cy="3888432"/>
+        </p:nvPicPr>
+        <p:blipFill>
+          <a:blip r:embed="rId4">
+            <a:extLst>
+              <a:ext uri="{28A0092B-C50C-407E-A947-70E740481C1C}">
+                <a14:useLocalDpi xmlns:a14="http://schemas.microsoft.com/office/drawing/2010/main" val="0"/>
+              </a:ext>
+            </a:extLst>
+          </a:blip>
+          <a:stretch>
+            <a:fillRect/>
+          </a:stretch>
+        </p:blipFill>
+        <p:spPr>
+          <a:xfrm>
+            <a:off x="4572000" y="4030332"/>
+            <a:ext cx="4479172" cy="2527354"/>
+          </a:xfrm>
+          <a:prstGeom prst="rect">
+            <a:avLst/>
+          </a:prstGeom>
+        </p:spPr>
+      </p:pic>
+      <p:sp>
+        <p:nvSpPr>
+          <p:cNvPr id="7" name="CaixaDeTexto 6"/>
+          <p:cNvSpPr txBox="1"/>
+          <p:nvPr/>
+        </p:nvSpPr>
+        <p:spPr>
+          <a:xfrm>
+            <a:off x="539552" y="1484784"/>
+            <a:ext cx="3672408" cy="553998"/>
           </a:xfrm>
           <a:prstGeom prst="rect">
             <a:avLst/>
           </a:prstGeom>
           <a:noFill/>
         </p:spPr>
-        <p:style>
-          <a:lnRef idx="2">
-            <a:schemeClr val="accent1">
-              <a:shade val="50000"/>
-            </a:schemeClr>
-          </a:lnRef>
-          <a:fillRef idx="1">
-            <a:schemeClr val="accent1"/>
-          </a:fillRef>
-          <a:effectRef idx="0">
-            <a:schemeClr val="accent1"/>
-          </a:effectRef>
-          <a:fontRef idx="minor">
-            <a:schemeClr val="lt1"/>
-          </a:fontRef>
-        </p:style>
-        <p:txBody>
-          <a:bodyPr rtlCol="0" anchor="ctr"/>
-          <a:lstStyle/>
-          <a:p>
-            <a:pPr algn="ctr"/>
-            <a:endParaRPr lang="pt-BR"/>
-          </a:p>
-        </p:txBody>
-      </p:sp>
-      <p:sp>
-        <p:nvSpPr>
-          <p:cNvPr id="9" name="Retângulo 8"/>
-          <p:cNvSpPr/>
+        <p:txBody>
+          <a:bodyPr wrap="square" rtlCol="0">
+            <a:spAutoFit/>
+          </a:bodyPr>
+          <a:lstStyle/>
+          <a:p>
+            <a:pPr marL="285750" indent="-285750">
+              <a:buFont typeface="Arial" panose="020B0604020202020204" pitchFamily="34" charset="0"/>
+              <a:buChar char="•"/>
+            </a:pPr>
+            <a:r>
+              <a:rPr lang="pt-BR" sz="3000" dirty="0" smtClean="0"/>
+              <a:t>Distribuição Normal</a:t>
+            </a:r>
+            <a:endParaRPr lang="pt-BR" sz="3000" dirty="0"/>
+          </a:p>
+        </p:txBody>
+      </p:sp>
+      <p:pic>
+        <p:nvPicPr>
+          <p:cNvPr id="3" name="Imagem 2"/>
+          <p:cNvPicPr>
+            <a:picLocks noChangeAspect="1"/>
+          </p:cNvPicPr>
           <p:nvPr/>
-        </p:nvSpPr>
-        <p:spPr>
-          <a:xfrm>
-            <a:off x="4608004" y="1844824"/>
-            <a:ext cx="4528851" cy="3888432"/>
+        </p:nvPicPr>
+        <p:blipFill>
+          <a:blip r:embed="rId5"/>
+          <a:stretch>
+            <a:fillRect/>
+          </a:stretch>
+        </p:blipFill>
+        <p:spPr>
+          <a:xfrm>
+            <a:off x="34069" y="2245894"/>
+            <a:ext cx="4324350" cy="809625"/>
           </a:xfrm>
           <a:prstGeom prst="rect">
             <a:avLst/>
           </a:prstGeom>
-          <a:noFill/>
-        </p:spPr>
-        <p:style>
-          <a:lnRef idx="2">
-            <a:schemeClr val="accent1">
-              <a:shade val="50000"/>
-            </a:schemeClr>
-          </a:lnRef>
-          <a:fillRef idx="1">
-            <a:schemeClr val="accent1"/>
-          </a:fillRef>
-          <a:effectRef idx="0">
-            <a:schemeClr val="accent1"/>
-          </a:effectRef>
-          <a:fontRef idx="minor">
-            <a:schemeClr val="lt1"/>
-          </a:fontRef>
-        </p:style>
-        <p:txBody>
-          <a:bodyPr rtlCol="0" anchor="ctr"/>
-          <a:lstStyle/>
-          <a:p>
-            <a:pPr algn="ctr"/>
-            <a:endParaRPr lang="pt-BR"/>
-          </a:p>
-        </p:txBody>
-      </p:sp>
-      <p:sp>
-        <p:nvSpPr>
-          <p:cNvPr id="10" name="CaixaDeTexto 9"/>
-          <p:cNvSpPr txBox="1"/>
+        </p:spPr>
+      </p:pic>
+      <p:pic>
+        <p:nvPicPr>
+          <p:cNvPr id="8" name="Imagem 7"/>
+          <p:cNvPicPr>
+            <a:picLocks noChangeAspect="1"/>
+          </p:cNvPicPr>
           <p:nvPr/>
-        </p:nvSpPr>
-        <p:spPr>
-          <a:xfrm>
-            <a:off x="447196" y="4998647"/>
-            <a:ext cx="3811111" cy="430887"/>
+        </p:nvPicPr>
+        <p:blipFill>
+          <a:blip r:embed="rId6"/>
+          <a:stretch>
+            <a:fillRect/>
+          </a:stretch>
+        </p:blipFill>
+        <p:spPr>
+          <a:xfrm>
+            <a:off x="1127981" y="3264024"/>
+            <a:ext cx="2495550" cy="381000"/>
           </a:xfrm>
           <a:prstGeom prst="rect">
             <a:avLst/>
           </a:prstGeom>
-          <a:noFill/>
-        </p:spPr>
-        <p:txBody>
-          <a:bodyPr wrap="square" rtlCol="0">
-            <a:spAutoFit/>
-          </a:bodyPr>
-          <a:lstStyle/>
-          <a:p>
-            <a:pPr algn="ctr"/>
-            <a:r>
-              <a:rPr lang="pt-BR" sz="2200" dirty="0" smtClean="0"/>
-              <a:t>Variação dentro de cada grupo</a:t>
-            </a:r>
-            <a:endParaRPr lang="pt-BR" sz="2200" dirty="0"/>
-          </a:p>
-        </p:txBody>
-      </p:sp>
-      <p:sp>
-        <p:nvSpPr>
-          <p:cNvPr id="11" name="CaixaDeTexto 10"/>
-          <p:cNvSpPr txBox="1"/>
-          <p:nvPr/>
-        </p:nvSpPr>
-        <p:spPr>
-          <a:xfrm>
-            <a:off x="5081369" y="5014337"/>
-            <a:ext cx="3811111" cy="430887"/>
-          </a:xfrm>
-          <a:prstGeom prst="rect">
-            <a:avLst/>
-          </a:prstGeom>
-          <a:noFill/>
-        </p:spPr>
-        <p:txBody>
-          <a:bodyPr wrap="square" rtlCol="0">
-            <a:spAutoFit/>
-          </a:bodyPr>
-          <a:lstStyle/>
-          <a:p>
-            <a:pPr algn="ctr"/>
-            <a:r>
-              <a:rPr lang="pt-BR" sz="2200" dirty="0" smtClean="0"/>
-              <a:t>Variação entre os grupos</a:t>
-            </a:r>
-            <a:endParaRPr lang="pt-BR" sz="2200" dirty="0"/>
-          </a:p>
-        </p:txBody>
-      </p:sp>
-      <p:sp>
-        <p:nvSpPr>
-          <p:cNvPr id="12" name="Retângulo 11"/>
-          <p:cNvSpPr/>
-          <p:nvPr/>
-        </p:nvSpPr>
-        <p:spPr>
-          <a:xfrm>
-            <a:off x="4293096" y="6488668"/>
-            <a:ext cx="5454352" cy="369332"/>
-          </a:xfrm>
-          <a:prstGeom prst="rect">
-            <a:avLst/>
-          </a:prstGeom>
-        </p:spPr>
-        <p:txBody>
-          <a:bodyPr wrap="square">
-            <a:spAutoFit/>
-          </a:bodyPr>
-          <a:lstStyle/>
-          <a:p>
-            <a:r>
-              <a:rPr lang="pt-BR" dirty="0"/>
-              <a:t>https://www.youtube.com/watch?v=ITf4vHhyGpc</a:t>
-            </a:r>
-          </a:p>
-        </p:txBody>
-      </p:sp>
+        </p:spPr>
+      </p:pic>
     </p:spTree>
     <p:extLst>
       <p:ext uri="{BB962C8B-B14F-4D97-AF65-F5344CB8AC3E}">
-        <p14:creationId xmlns:p14="http://schemas.microsoft.com/office/powerpoint/2010/main" val="4220033582"/>
+        <p14:creationId xmlns:p14="http://schemas.microsoft.com/office/powerpoint/2010/main" val="4200424233"/>
       </p:ext>
     </p:extLst>
   </p:cSld>
   <p:clrMapOvr>
     <a:masterClrMapping/>
   </p:clrMapOvr>
-  <p:timing>
-    <p:tnLst>
-      <p:par>
-        <p:cTn id="1" dur="indefinite" restart="never" nodeType="tmRoot"/>
-      </p:par>
-    </p:tnLst>
-  </p:timing>
 </p:sld>
 </file>
 
@@ -18089,6 +19333,29 @@
       </p:grpSpPr>
       <p:sp>
         <p:nvSpPr>
+          <p:cNvPr id="2" name="Título 1"/>
+          <p:cNvSpPr>
+            <a:spLocks noGrp="1"/>
+          </p:cNvSpPr>
+          <p:nvPr>
+            <p:ph type="title"/>
+          </p:nvPr>
+        </p:nvSpPr>
+        <p:spPr/>
+        <p:txBody>
+          <a:bodyPr/>
+          <a:lstStyle/>
+          <a:p>
+            <a:r>
+              <a:rPr lang="pt-BR" dirty="0" smtClean="0"/>
+              <a:t>Estatística Inferencial</a:t>
+            </a:r>
+            <a:endParaRPr lang="pt-BR" dirty="0"/>
+          </a:p>
+        </p:txBody>
+      </p:sp>
+      <p:sp>
+        <p:nvSpPr>
           <p:cNvPr id="3" name="Espaço Reservado para Conteúdo 2"/>
           <p:cNvSpPr>
             <a:spLocks noGrp="1"/>
@@ -18105,22 +19372,55 @@
             <a:endParaRPr lang="pt-BR" dirty="0" smtClean="0"/>
           </a:p>
           <a:p>
+            <a:r>
+              <a:rPr lang="pt-BR" dirty="0" smtClean="0"/>
+              <a:t>Testes de Hipóteses</a:t>
+            </a:r>
             <a:endParaRPr lang="pt-BR" dirty="0"/>
           </a:p>
           <a:p>
-            <a:pPr algn="ctr"/>
-            <a:r>
-              <a:rPr lang="pt-BR" sz="4500" dirty="0" smtClean="0"/>
-              <a:t>Exemplo 1</a:t>
-            </a:r>
-            <a:endParaRPr lang="pt-BR" sz="4500" dirty="0"/>
+            <a:pPr lvl="1"/>
+            <a:r>
+              <a:rPr lang="pt-BR" dirty="0"/>
+              <a:t>Teste t (</a:t>
+            </a:r>
+            <a:r>
+              <a:rPr lang="pt-BR" dirty="0" err="1"/>
+              <a:t>Student</a:t>
+            </a:r>
+            <a:r>
+              <a:rPr lang="pt-BR" dirty="0"/>
+              <a:t>)</a:t>
+            </a:r>
+          </a:p>
+          <a:p>
+            <a:pPr lvl="1"/>
+            <a:r>
+              <a:rPr lang="pt-BR" dirty="0"/>
+              <a:t>Análise de Variância (ANOVA</a:t>
+            </a:r>
+            <a:r>
+              <a:rPr lang="pt-BR" dirty="0" smtClean="0"/>
+              <a:t>)</a:t>
+            </a:r>
+            <a:endParaRPr lang="pt-BR" dirty="0"/>
+          </a:p>
+          <a:p>
+            <a:pPr>
+              <a:buFont typeface="Wingdings" panose="05000000000000000000" pitchFamily="2" charset="2"/>
+              <a:buChar char="§"/>
+            </a:pPr>
+            <a:r>
+              <a:rPr lang="pt-BR" dirty="0" smtClean="0"/>
+              <a:t> Regressão Linear</a:t>
+            </a:r>
           </a:p>
         </p:txBody>
       </p:sp>
     </p:spTree>
     <p:extLst>
       <p:ext uri="{BB962C8B-B14F-4D97-AF65-F5344CB8AC3E}">
-        <p14:creationId xmlns:p14="http://schemas.microsoft.com/office/powerpoint/2010/main" val="3701737634"/>
+        <p14:creationId xmlns:p14="http://schemas.microsoft.com/office/powerpoint/2010/main" val="3612348843"/>
       </p:ext>
     </p:extLst>
   </p:cSld>
